--- a/Presentation/WorkerEvalPoster.pptx
+++ b/Presentation/WorkerEvalPoster.pptx
@@ -1739,6 +1739,753 @@
     <dgm:fillClrLst meth="repeat">
       <a:schemeClr val="accent2">
         <a:tint val="40000"/>
+      </a:schemeClr>
+    </dgm:fillClrLst>
+    <dgm:linClrLst meth="repeat">
+      <a:schemeClr val="lt1"/>
+    </dgm:linClrLst>
+    <dgm:effectClrLst/>
+    <dgm:txLinClrLst/>
+    <dgm:txFillClrLst meth="repeat">
+      <a:schemeClr val="dk1"/>
+    </dgm:txFillClrLst>
+    <dgm:txEffectClrLst/>
+  </dgm:styleLbl>
+  <dgm:styleLbl name="revTx">
+    <dgm:fillClrLst meth="repeat">
+      <a:schemeClr val="lt1">
+        <a:alpha val="0"/>
+      </a:schemeClr>
+    </dgm:fillClrLst>
+    <dgm:linClrLst meth="repeat">
+      <a:schemeClr val="dk1">
+        <a:alpha val="0"/>
+      </a:schemeClr>
+    </dgm:linClrLst>
+    <dgm:effectClrLst/>
+    <dgm:txLinClrLst/>
+    <dgm:txFillClrLst meth="repeat">
+      <a:schemeClr val="tx1"/>
+    </dgm:txFillClrLst>
+    <dgm:txEffectClrLst/>
+  </dgm:styleLbl>
+</dgm:colorsDef>
+</file>
+
+<file path=ppt/diagrams/colors3.xml><?xml version="1.0" encoding="utf-8"?>
+<dgm:colorsDef xmlns:dgm="http://schemas.openxmlformats.org/drawingml/2006/diagram" xmlns:a="http://schemas.openxmlformats.org/drawingml/2006/main" uniqueId="urn:microsoft.com/office/officeart/2005/8/colors/accent1_2">
+  <dgm:title val=""/>
+  <dgm:desc val=""/>
+  <dgm:catLst>
+    <dgm:cat type="accent1" pri="11200"/>
+  </dgm:catLst>
+  <dgm:styleLbl name="node0">
+    <dgm:fillClrLst meth="repeat">
+      <a:schemeClr val="accent1"/>
+    </dgm:fillClrLst>
+    <dgm:linClrLst meth="repeat">
+      <a:schemeClr val="lt1"/>
+    </dgm:linClrLst>
+    <dgm:effectClrLst/>
+    <dgm:txLinClrLst/>
+    <dgm:txFillClrLst/>
+    <dgm:txEffectClrLst/>
+  </dgm:styleLbl>
+  <dgm:styleLbl name="alignNode1">
+    <dgm:fillClrLst meth="repeat">
+      <a:schemeClr val="accent1"/>
+    </dgm:fillClrLst>
+    <dgm:linClrLst meth="repeat">
+      <a:schemeClr val="accent1"/>
+    </dgm:linClrLst>
+    <dgm:effectClrLst/>
+    <dgm:txLinClrLst/>
+    <dgm:txFillClrLst/>
+    <dgm:txEffectClrLst/>
+  </dgm:styleLbl>
+  <dgm:styleLbl name="node1">
+    <dgm:fillClrLst meth="repeat">
+      <a:schemeClr val="accent1"/>
+    </dgm:fillClrLst>
+    <dgm:linClrLst meth="repeat">
+      <a:schemeClr val="lt1"/>
+    </dgm:linClrLst>
+    <dgm:effectClrLst/>
+    <dgm:txLinClrLst/>
+    <dgm:txFillClrLst/>
+    <dgm:txEffectClrLst/>
+  </dgm:styleLbl>
+  <dgm:styleLbl name="lnNode1">
+    <dgm:fillClrLst meth="repeat">
+      <a:schemeClr val="accent1"/>
+    </dgm:fillClrLst>
+    <dgm:linClrLst meth="repeat">
+      <a:schemeClr val="lt1"/>
+    </dgm:linClrLst>
+    <dgm:effectClrLst/>
+    <dgm:txLinClrLst/>
+    <dgm:txFillClrLst/>
+    <dgm:txEffectClrLst/>
+  </dgm:styleLbl>
+  <dgm:styleLbl name="vennNode1">
+    <dgm:fillClrLst meth="repeat">
+      <a:schemeClr val="accent1">
+        <a:alpha val="50000"/>
+      </a:schemeClr>
+    </dgm:fillClrLst>
+    <dgm:linClrLst meth="repeat">
+      <a:schemeClr val="lt1"/>
+    </dgm:linClrLst>
+    <dgm:effectClrLst/>
+    <dgm:txLinClrLst/>
+    <dgm:txFillClrLst/>
+    <dgm:txEffectClrLst/>
+  </dgm:styleLbl>
+  <dgm:styleLbl name="node2">
+    <dgm:fillClrLst meth="repeat">
+      <a:schemeClr val="accent1"/>
+    </dgm:fillClrLst>
+    <dgm:linClrLst meth="repeat">
+      <a:schemeClr val="lt1"/>
+    </dgm:linClrLst>
+    <dgm:effectClrLst/>
+    <dgm:txLinClrLst/>
+    <dgm:txFillClrLst/>
+    <dgm:txEffectClrLst/>
+  </dgm:styleLbl>
+  <dgm:styleLbl name="node3">
+    <dgm:fillClrLst meth="repeat">
+      <a:schemeClr val="accent1"/>
+    </dgm:fillClrLst>
+    <dgm:linClrLst meth="repeat">
+      <a:schemeClr val="lt1"/>
+    </dgm:linClrLst>
+    <dgm:effectClrLst/>
+    <dgm:txLinClrLst/>
+    <dgm:txFillClrLst/>
+    <dgm:txEffectClrLst/>
+  </dgm:styleLbl>
+  <dgm:styleLbl name="node4">
+    <dgm:fillClrLst meth="repeat">
+      <a:schemeClr val="accent1"/>
+    </dgm:fillClrLst>
+    <dgm:linClrLst meth="repeat">
+      <a:schemeClr val="lt1"/>
+    </dgm:linClrLst>
+    <dgm:effectClrLst/>
+    <dgm:txLinClrLst/>
+    <dgm:txFillClrLst/>
+    <dgm:txEffectClrLst/>
+  </dgm:styleLbl>
+  <dgm:styleLbl name="fgImgPlace1">
+    <dgm:fillClrLst meth="repeat">
+      <a:schemeClr val="accent1">
+        <a:tint val="50000"/>
+      </a:schemeClr>
+    </dgm:fillClrLst>
+    <dgm:linClrLst meth="repeat">
+      <a:schemeClr val="lt1"/>
+    </dgm:linClrLst>
+    <dgm:effectClrLst/>
+    <dgm:txLinClrLst/>
+    <dgm:txFillClrLst meth="repeat">
+      <a:schemeClr val="lt1"/>
+    </dgm:txFillClrLst>
+    <dgm:txEffectClrLst/>
+  </dgm:styleLbl>
+  <dgm:styleLbl name="alignImgPlace1">
+    <dgm:fillClrLst meth="repeat">
+      <a:schemeClr val="accent1">
+        <a:tint val="50000"/>
+      </a:schemeClr>
+    </dgm:fillClrLst>
+    <dgm:linClrLst meth="repeat">
+      <a:schemeClr val="lt1"/>
+    </dgm:linClrLst>
+    <dgm:effectClrLst/>
+    <dgm:txLinClrLst/>
+    <dgm:txFillClrLst meth="repeat">
+      <a:schemeClr val="lt1"/>
+    </dgm:txFillClrLst>
+    <dgm:txEffectClrLst/>
+  </dgm:styleLbl>
+  <dgm:styleLbl name="bgImgPlace1">
+    <dgm:fillClrLst meth="repeat">
+      <a:schemeClr val="accent1">
+        <a:tint val="50000"/>
+      </a:schemeClr>
+    </dgm:fillClrLst>
+    <dgm:linClrLst meth="repeat">
+      <a:schemeClr val="lt1"/>
+    </dgm:linClrLst>
+    <dgm:effectClrLst/>
+    <dgm:txLinClrLst/>
+    <dgm:txFillClrLst meth="repeat">
+      <a:schemeClr val="lt1"/>
+    </dgm:txFillClrLst>
+    <dgm:txEffectClrLst/>
+  </dgm:styleLbl>
+  <dgm:styleLbl name="sibTrans2D1">
+    <dgm:fillClrLst meth="repeat">
+      <a:schemeClr val="accent1">
+        <a:tint val="60000"/>
+      </a:schemeClr>
+    </dgm:fillClrLst>
+    <dgm:linClrLst meth="repeat">
+      <a:schemeClr val="accent1">
+        <a:tint val="60000"/>
+      </a:schemeClr>
+    </dgm:linClrLst>
+    <dgm:effectClrLst/>
+    <dgm:txLinClrLst/>
+    <dgm:txFillClrLst/>
+    <dgm:txEffectClrLst/>
+  </dgm:styleLbl>
+  <dgm:styleLbl name="fgSibTrans2D1">
+    <dgm:fillClrLst meth="repeat">
+      <a:schemeClr val="accent1">
+        <a:tint val="60000"/>
+      </a:schemeClr>
+    </dgm:fillClrLst>
+    <dgm:linClrLst meth="repeat">
+      <a:schemeClr val="accent1">
+        <a:tint val="60000"/>
+      </a:schemeClr>
+    </dgm:linClrLst>
+    <dgm:effectClrLst/>
+    <dgm:txLinClrLst/>
+    <dgm:txFillClrLst/>
+    <dgm:txEffectClrLst/>
+  </dgm:styleLbl>
+  <dgm:styleLbl name="bgSibTrans2D1">
+    <dgm:fillClrLst meth="repeat">
+      <a:schemeClr val="accent1">
+        <a:tint val="60000"/>
+      </a:schemeClr>
+    </dgm:fillClrLst>
+    <dgm:linClrLst meth="repeat">
+      <a:schemeClr val="accent1">
+        <a:tint val="60000"/>
+      </a:schemeClr>
+    </dgm:linClrLst>
+    <dgm:effectClrLst/>
+    <dgm:txLinClrLst/>
+    <dgm:txFillClrLst/>
+    <dgm:txEffectClrLst/>
+  </dgm:styleLbl>
+  <dgm:styleLbl name="sibTrans1D1">
+    <dgm:fillClrLst meth="repeat">
+      <a:schemeClr val="accent1"/>
+    </dgm:fillClrLst>
+    <dgm:linClrLst meth="repeat">
+      <a:schemeClr val="accent1"/>
+    </dgm:linClrLst>
+    <dgm:effectClrLst/>
+    <dgm:txLinClrLst/>
+    <dgm:txFillClrLst meth="repeat">
+      <a:schemeClr val="tx1"/>
+    </dgm:txFillClrLst>
+    <dgm:txEffectClrLst/>
+  </dgm:styleLbl>
+  <dgm:styleLbl name="callout">
+    <dgm:fillClrLst meth="repeat">
+      <a:schemeClr val="accent1"/>
+    </dgm:fillClrLst>
+    <dgm:linClrLst meth="repeat">
+      <a:schemeClr val="accent1">
+        <a:tint val="50000"/>
+      </a:schemeClr>
+    </dgm:linClrLst>
+    <dgm:effectClrLst/>
+    <dgm:txLinClrLst/>
+    <dgm:txFillClrLst meth="repeat">
+      <a:schemeClr val="tx1"/>
+    </dgm:txFillClrLst>
+    <dgm:txEffectClrLst/>
+  </dgm:styleLbl>
+  <dgm:styleLbl name="asst0">
+    <dgm:fillClrLst meth="repeat">
+      <a:schemeClr val="accent1"/>
+    </dgm:fillClrLst>
+    <dgm:linClrLst meth="repeat">
+      <a:schemeClr val="lt1"/>
+    </dgm:linClrLst>
+    <dgm:effectClrLst/>
+    <dgm:txLinClrLst/>
+    <dgm:txFillClrLst/>
+    <dgm:txEffectClrLst/>
+  </dgm:styleLbl>
+  <dgm:styleLbl name="asst1">
+    <dgm:fillClrLst meth="repeat">
+      <a:schemeClr val="accent1"/>
+    </dgm:fillClrLst>
+    <dgm:linClrLst meth="repeat">
+      <a:schemeClr val="lt1"/>
+    </dgm:linClrLst>
+    <dgm:effectClrLst/>
+    <dgm:txLinClrLst/>
+    <dgm:txFillClrLst/>
+    <dgm:txEffectClrLst/>
+  </dgm:styleLbl>
+  <dgm:styleLbl name="asst2">
+    <dgm:fillClrLst meth="repeat">
+      <a:schemeClr val="accent1"/>
+    </dgm:fillClrLst>
+    <dgm:linClrLst meth="repeat">
+      <a:schemeClr val="lt1"/>
+    </dgm:linClrLst>
+    <dgm:effectClrLst/>
+    <dgm:txLinClrLst/>
+    <dgm:txFillClrLst/>
+    <dgm:txEffectClrLst/>
+  </dgm:styleLbl>
+  <dgm:styleLbl name="asst3">
+    <dgm:fillClrLst meth="repeat">
+      <a:schemeClr val="accent1"/>
+    </dgm:fillClrLst>
+    <dgm:linClrLst meth="repeat">
+      <a:schemeClr val="lt1"/>
+    </dgm:linClrLst>
+    <dgm:effectClrLst/>
+    <dgm:txLinClrLst/>
+    <dgm:txFillClrLst/>
+    <dgm:txEffectClrLst/>
+  </dgm:styleLbl>
+  <dgm:styleLbl name="asst4">
+    <dgm:fillClrLst meth="repeat">
+      <a:schemeClr val="accent1"/>
+    </dgm:fillClrLst>
+    <dgm:linClrLst meth="repeat">
+      <a:schemeClr val="lt1"/>
+    </dgm:linClrLst>
+    <dgm:effectClrLst/>
+    <dgm:txLinClrLst/>
+    <dgm:txFillClrLst/>
+    <dgm:txEffectClrLst/>
+  </dgm:styleLbl>
+  <dgm:styleLbl name="parChTrans2D1">
+    <dgm:fillClrLst meth="repeat">
+      <a:schemeClr val="accent1">
+        <a:tint val="60000"/>
+      </a:schemeClr>
+    </dgm:fillClrLst>
+    <dgm:linClrLst meth="repeat">
+      <a:schemeClr val="accent1">
+        <a:tint val="60000"/>
+      </a:schemeClr>
+    </dgm:linClrLst>
+    <dgm:effectClrLst/>
+    <dgm:txLinClrLst/>
+    <dgm:txFillClrLst meth="repeat">
+      <a:schemeClr val="lt1"/>
+    </dgm:txFillClrLst>
+    <dgm:txEffectClrLst/>
+  </dgm:styleLbl>
+  <dgm:styleLbl name="parChTrans2D2">
+    <dgm:fillClrLst meth="repeat">
+      <a:schemeClr val="accent1"/>
+    </dgm:fillClrLst>
+    <dgm:linClrLst meth="repeat">
+      <a:schemeClr val="accent1"/>
+    </dgm:linClrLst>
+    <dgm:effectClrLst/>
+    <dgm:txLinClrLst/>
+    <dgm:txFillClrLst meth="repeat">
+      <a:schemeClr val="lt1"/>
+    </dgm:txFillClrLst>
+    <dgm:txEffectClrLst/>
+  </dgm:styleLbl>
+  <dgm:styleLbl name="parChTrans2D3">
+    <dgm:fillClrLst meth="repeat">
+      <a:schemeClr val="accent1"/>
+    </dgm:fillClrLst>
+    <dgm:linClrLst meth="repeat">
+      <a:schemeClr val="accent1"/>
+    </dgm:linClrLst>
+    <dgm:effectClrLst/>
+    <dgm:txLinClrLst/>
+    <dgm:txFillClrLst meth="repeat">
+      <a:schemeClr val="lt1"/>
+    </dgm:txFillClrLst>
+    <dgm:txEffectClrLst/>
+  </dgm:styleLbl>
+  <dgm:styleLbl name="parChTrans2D4">
+    <dgm:fillClrLst meth="repeat">
+      <a:schemeClr val="accent1"/>
+    </dgm:fillClrLst>
+    <dgm:linClrLst meth="repeat">
+      <a:schemeClr val="accent1"/>
+    </dgm:linClrLst>
+    <dgm:effectClrLst/>
+    <dgm:txLinClrLst/>
+    <dgm:txFillClrLst meth="repeat">
+      <a:schemeClr val="lt1"/>
+    </dgm:txFillClrLst>
+    <dgm:txEffectClrLst/>
+  </dgm:styleLbl>
+  <dgm:styleLbl name="parChTrans1D1">
+    <dgm:fillClrLst meth="repeat">
+      <a:schemeClr val="accent1"/>
+    </dgm:fillClrLst>
+    <dgm:linClrLst meth="repeat">
+      <a:schemeClr val="accent1">
+        <a:shade val="60000"/>
+      </a:schemeClr>
+    </dgm:linClrLst>
+    <dgm:effectClrLst/>
+    <dgm:txLinClrLst/>
+    <dgm:txFillClrLst meth="repeat">
+      <a:schemeClr val="tx1"/>
+    </dgm:txFillClrLst>
+    <dgm:txEffectClrLst/>
+  </dgm:styleLbl>
+  <dgm:styleLbl name="parChTrans1D2">
+    <dgm:fillClrLst meth="repeat">
+      <a:schemeClr val="accent1"/>
+    </dgm:fillClrLst>
+    <dgm:linClrLst meth="repeat">
+      <a:schemeClr val="accent1">
+        <a:shade val="60000"/>
+      </a:schemeClr>
+    </dgm:linClrLst>
+    <dgm:effectClrLst/>
+    <dgm:txLinClrLst/>
+    <dgm:txFillClrLst meth="repeat">
+      <a:schemeClr val="tx1"/>
+    </dgm:txFillClrLst>
+    <dgm:txEffectClrLst/>
+  </dgm:styleLbl>
+  <dgm:styleLbl name="parChTrans1D3">
+    <dgm:fillClrLst meth="repeat">
+      <a:schemeClr val="accent1"/>
+    </dgm:fillClrLst>
+    <dgm:linClrLst meth="repeat">
+      <a:schemeClr val="accent1">
+        <a:shade val="80000"/>
+      </a:schemeClr>
+    </dgm:linClrLst>
+    <dgm:effectClrLst/>
+    <dgm:txLinClrLst/>
+    <dgm:txFillClrLst meth="repeat">
+      <a:schemeClr val="tx1"/>
+    </dgm:txFillClrLst>
+    <dgm:txEffectClrLst/>
+  </dgm:styleLbl>
+  <dgm:styleLbl name="parChTrans1D4">
+    <dgm:fillClrLst meth="repeat">
+      <a:schemeClr val="accent1"/>
+    </dgm:fillClrLst>
+    <dgm:linClrLst meth="repeat">
+      <a:schemeClr val="accent1">
+        <a:shade val="80000"/>
+      </a:schemeClr>
+    </dgm:linClrLst>
+    <dgm:effectClrLst/>
+    <dgm:txLinClrLst/>
+    <dgm:txFillClrLst meth="repeat">
+      <a:schemeClr val="tx1"/>
+    </dgm:txFillClrLst>
+    <dgm:txEffectClrLst/>
+  </dgm:styleLbl>
+  <dgm:styleLbl name="fgAcc1">
+    <dgm:fillClrLst meth="repeat">
+      <a:schemeClr val="lt1">
+        <a:alpha val="90000"/>
+      </a:schemeClr>
+    </dgm:fillClrLst>
+    <dgm:linClrLst meth="repeat">
+      <a:schemeClr val="accent1"/>
+    </dgm:linClrLst>
+    <dgm:effectClrLst/>
+    <dgm:txLinClrLst/>
+    <dgm:txFillClrLst meth="repeat">
+      <a:schemeClr val="dk1"/>
+    </dgm:txFillClrLst>
+    <dgm:txEffectClrLst/>
+  </dgm:styleLbl>
+  <dgm:styleLbl name="conFgAcc1">
+    <dgm:fillClrLst meth="repeat">
+      <a:schemeClr val="lt1">
+        <a:alpha val="90000"/>
+      </a:schemeClr>
+    </dgm:fillClrLst>
+    <dgm:linClrLst meth="repeat">
+      <a:schemeClr val="accent1"/>
+    </dgm:linClrLst>
+    <dgm:effectClrLst/>
+    <dgm:txLinClrLst/>
+    <dgm:txFillClrLst meth="repeat">
+      <a:schemeClr val="dk1"/>
+    </dgm:txFillClrLst>
+    <dgm:txEffectClrLst/>
+  </dgm:styleLbl>
+  <dgm:styleLbl name="alignAcc1">
+    <dgm:fillClrLst meth="repeat">
+      <a:schemeClr val="lt1">
+        <a:alpha val="90000"/>
+      </a:schemeClr>
+    </dgm:fillClrLst>
+    <dgm:linClrLst meth="repeat">
+      <a:schemeClr val="accent1"/>
+    </dgm:linClrLst>
+    <dgm:effectClrLst/>
+    <dgm:txLinClrLst/>
+    <dgm:txFillClrLst meth="repeat">
+      <a:schemeClr val="dk1"/>
+    </dgm:txFillClrLst>
+    <dgm:txEffectClrLst/>
+  </dgm:styleLbl>
+  <dgm:styleLbl name="trAlignAcc1">
+    <dgm:fillClrLst meth="repeat">
+      <a:schemeClr val="lt1">
+        <a:alpha val="40000"/>
+      </a:schemeClr>
+    </dgm:fillClrLst>
+    <dgm:linClrLst meth="repeat">
+      <a:schemeClr val="accent1"/>
+    </dgm:linClrLst>
+    <dgm:effectClrLst/>
+    <dgm:txLinClrLst/>
+    <dgm:txFillClrLst meth="repeat">
+      <a:schemeClr val="dk1"/>
+    </dgm:txFillClrLst>
+    <dgm:txEffectClrLst/>
+  </dgm:styleLbl>
+  <dgm:styleLbl name="bgAcc1">
+    <dgm:fillClrLst meth="repeat">
+      <a:schemeClr val="lt1">
+        <a:alpha val="90000"/>
+      </a:schemeClr>
+    </dgm:fillClrLst>
+    <dgm:linClrLst meth="repeat">
+      <a:schemeClr val="accent1"/>
+    </dgm:linClrLst>
+    <dgm:effectClrLst/>
+    <dgm:txLinClrLst/>
+    <dgm:txFillClrLst meth="repeat">
+      <a:schemeClr val="dk1"/>
+    </dgm:txFillClrLst>
+    <dgm:txEffectClrLst/>
+  </dgm:styleLbl>
+  <dgm:styleLbl name="solidFgAcc1">
+    <dgm:fillClrLst meth="repeat">
+      <a:schemeClr val="lt1"/>
+    </dgm:fillClrLst>
+    <dgm:linClrLst meth="repeat">
+      <a:schemeClr val="accent1"/>
+    </dgm:linClrLst>
+    <dgm:effectClrLst/>
+    <dgm:txLinClrLst/>
+    <dgm:txFillClrLst meth="repeat">
+      <a:schemeClr val="dk1"/>
+    </dgm:txFillClrLst>
+    <dgm:txEffectClrLst/>
+  </dgm:styleLbl>
+  <dgm:styleLbl name="solidAlignAcc1">
+    <dgm:fillClrLst meth="repeat">
+      <a:schemeClr val="lt1"/>
+    </dgm:fillClrLst>
+    <dgm:linClrLst meth="repeat">
+      <a:schemeClr val="accent1"/>
+    </dgm:linClrLst>
+    <dgm:effectClrLst/>
+    <dgm:txLinClrLst/>
+    <dgm:txFillClrLst meth="repeat">
+      <a:schemeClr val="dk1"/>
+    </dgm:txFillClrLst>
+    <dgm:txEffectClrLst/>
+  </dgm:styleLbl>
+  <dgm:styleLbl name="solidBgAcc1">
+    <dgm:fillClrLst meth="repeat">
+      <a:schemeClr val="lt1"/>
+    </dgm:fillClrLst>
+    <dgm:linClrLst meth="repeat">
+      <a:schemeClr val="accent1"/>
+    </dgm:linClrLst>
+    <dgm:effectClrLst/>
+    <dgm:txLinClrLst/>
+    <dgm:txFillClrLst meth="repeat">
+      <a:schemeClr val="dk1"/>
+    </dgm:txFillClrLst>
+    <dgm:txEffectClrLst/>
+  </dgm:styleLbl>
+  <dgm:styleLbl name="fgAccFollowNode1">
+    <dgm:fillClrLst meth="repeat">
+      <a:schemeClr val="accent1">
+        <a:alpha val="90000"/>
+        <a:tint val="40000"/>
+      </a:schemeClr>
+    </dgm:fillClrLst>
+    <dgm:linClrLst meth="repeat">
+      <a:schemeClr val="accent1">
+        <a:alpha val="90000"/>
+        <a:tint val="40000"/>
+      </a:schemeClr>
+    </dgm:linClrLst>
+    <dgm:effectClrLst/>
+    <dgm:txLinClrLst/>
+    <dgm:txFillClrLst meth="repeat">
+      <a:schemeClr val="dk1"/>
+    </dgm:txFillClrLst>
+    <dgm:txEffectClrLst/>
+  </dgm:styleLbl>
+  <dgm:styleLbl name="alignAccFollowNode1">
+    <dgm:fillClrLst meth="repeat">
+      <a:schemeClr val="accent1">
+        <a:alpha val="90000"/>
+        <a:tint val="40000"/>
+      </a:schemeClr>
+    </dgm:fillClrLst>
+    <dgm:linClrLst meth="repeat">
+      <a:schemeClr val="accent1">
+        <a:alpha val="90000"/>
+        <a:tint val="40000"/>
+      </a:schemeClr>
+    </dgm:linClrLst>
+    <dgm:effectClrLst/>
+    <dgm:txLinClrLst/>
+    <dgm:txFillClrLst meth="repeat">
+      <a:schemeClr val="dk1"/>
+    </dgm:txFillClrLst>
+    <dgm:txEffectClrLst/>
+  </dgm:styleLbl>
+  <dgm:styleLbl name="bgAccFollowNode1">
+    <dgm:fillClrLst meth="repeat">
+      <a:schemeClr val="accent1">
+        <a:alpha val="90000"/>
+        <a:tint val="40000"/>
+      </a:schemeClr>
+    </dgm:fillClrLst>
+    <dgm:linClrLst meth="repeat">
+      <a:schemeClr val="accent1">
+        <a:alpha val="90000"/>
+        <a:tint val="40000"/>
+      </a:schemeClr>
+    </dgm:linClrLst>
+    <dgm:effectClrLst/>
+    <dgm:txLinClrLst/>
+    <dgm:txFillClrLst meth="repeat">
+      <a:schemeClr val="dk1"/>
+    </dgm:txFillClrLst>
+    <dgm:txEffectClrLst/>
+  </dgm:styleLbl>
+  <dgm:styleLbl name="fgAcc0">
+    <dgm:fillClrLst meth="repeat">
+      <a:schemeClr val="lt1">
+        <a:alpha val="90000"/>
+      </a:schemeClr>
+    </dgm:fillClrLst>
+    <dgm:linClrLst meth="repeat">
+      <a:schemeClr val="accent1"/>
+    </dgm:linClrLst>
+    <dgm:effectClrLst/>
+    <dgm:txLinClrLst/>
+    <dgm:txFillClrLst meth="repeat">
+      <a:schemeClr val="dk1"/>
+    </dgm:txFillClrLst>
+    <dgm:txEffectClrLst/>
+  </dgm:styleLbl>
+  <dgm:styleLbl name="fgAcc2">
+    <dgm:fillClrLst meth="repeat">
+      <a:schemeClr val="lt1">
+        <a:alpha val="90000"/>
+      </a:schemeClr>
+    </dgm:fillClrLst>
+    <dgm:linClrLst meth="repeat">
+      <a:schemeClr val="accent1"/>
+    </dgm:linClrLst>
+    <dgm:effectClrLst/>
+    <dgm:txLinClrLst/>
+    <dgm:txFillClrLst meth="repeat">
+      <a:schemeClr val="dk1"/>
+    </dgm:txFillClrLst>
+    <dgm:txEffectClrLst/>
+  </dgm:styleLbl>
+  <dgm:styleLbl name="fgAcc3">
+    <dgm:fillClrLst meth="repeat">
+      <a:schemeClr val="lt1">
+        <a:alpha val="90000"/>
+      </a:schemeClr>
+    </dgm:fillClrLst>
+    <dgm:linClrLst meth="repeat">
+      <a:schemeClr val="accent1"/>
+    </dgm:linClrLst>
+    <dgm:effectClrLst/>
+    <dgm:txLinClrLst/>
+    <dgm:txFillClrLst meth="repeat">
+      <a:schemeClr val="dk1"/>
+    </dgm:txFillClrLst>
+    <dgm:txEffectClrLst/>
+  </dgm:styleLbl>
+  <dgm:styleLbl name="fgAcc4">
+    <dgm:fillClrLst meth="repeat">
+      <a:schemeClr val="lt1">
+        <a:alpha val="90000"/>
+      </a:schemeClr>
+    </dgm:fillClrLst>
+    <dgm:linClrLst meth="repeat">
+      <a:schemeClr val="accent1"/>
+    </dgm:linClrLst>
+    <dgm:effectClrLst/>
+    <dgm:txLinClrLst/>
+    <dgm:txFillClrLst meth="repeat">
+      <a:schemeClr val="dk1"/>
+    </dgm:txFillClrLst>
+    <dgm:txEffectClrLst/>
+  </dgm:styleLbl>
+  <dgm:styleLbl name="bgShp">
+    <dgm:fillClrLst meth="repeat">
+      <a:schemeClr val="accent1">
+        <a:tint val="40000"/>
+      </a:schemeClr>
+    </dgm:fillClrLst>
+    <dgm:linClrLst meth="repeat">
+      <a:schemeClr val="accent1"/>
+    </dgm:linClrLst>
+    <dgm:effectClrLst/>
+    <dgm:txLinClrLst/>
+    <dgm:txFillClrLst meth="repeat">
+      <a:schemeClr val="dk1"/>
+    </dgm:txFillClrLst>
+    <dgm:txEffectClrLst/>
+  </dgm:styleLbl>
+  <dgm:styleLbl name="dkBgShp">
+    <dgm:fillClrLst meth="repeat">
+      <a:schemeClr val="accent1">
+        <a:shade val="80000"/>
+      </a:schemeClr>
+    </dgm:fillClrLst>
+    <dgm:linClrLst meth="repeat">
+      <a:schemeClr val="accent1"/>
+    </dgm:linClrLst>
+    <dgm:effectClrLst/>
+    <dgm:txLinClrLst/>
+    <dgm:txFillClrLst meth="repeat">
+      <a:schemeClr val="lt1"/>
+    </dgm:txFillClrLst>
+    <dgm:txEffectClrLst/>
+  </dgm:styleLbl>
+  <dgm:styleLbl name="trBgShp">
+    <dgm:fillClrLst meth="repeat">
+      <a:schemeClr val="accent1">
+        <a:tint val="50000"/>
+        <a:alpha val="40000"/>
+      </a:schemeClr>
+    </dgm:fillClrLst>
+    <dgm:linClrLst meth="repeat">
+      <a:schemeClr val="accent1"/>
+    </dgm:linClrLst>
+    <dgm:effectClrLst/>
+    <dgm:txLinClrLst/>
+    <dgm:txFillClrLst meth="repeat">
+      <a:schemeClr val="lt1"/>
+    </dgm:txFillClrLst>
+    <dgm:txEffectClrLst/>
+  </dgm:styleLbl>
+  <dgm:styleLbl name="fgShp">
+    <dgm:fillClrLst meth="repeat">
+      <a:schemeClr val="accent1">
+        <a:tint val="60000"/>
       </a:schemeClr>
     </dgm:fillClrLst>
     <dgm:linClrLst meth="repeat">
@@ -2821,15 +3568,23 @@
         <a:p>
           <a:r>
             <a:rPr lang="en-US" sz="5000" dirty="0" smtClean="0"/>
-            <a:t>For N &gt; 3 workers, form </a:t>
-          </a:r>
-          <a:r>
-            <a:rPr lang="en-US" sz="5000" dirty="0" err="1" smtClean="0"/>
-            <a:t>mutiple</a:t>
+            <a:t>For N &gt; 3 workers, </a:t>
           </a:r>
           <a:r>
             <a:rPr lang="en-US" sz="5000" dirty="0" smtClean="0"/>
-            <a:t>  groups of 3 workers</a:t>
+            <a:t>form N</a:t>
+          </a:r>
+          <a:r>
+            <a:rPr lang="en-US" sz="5000" baseline="30000" dirty="0" smtClean="0"/>
+            <a:t>2</a:t>
+          </a:r>
+          <a:r>
+            <a:rPr lang="en-US" sz="5000" dirty="0" smtClean="0"/>
+            <a:t> </a:t>
+          </a:r>
+          <a:r>
+            <a:rPr lang="en-US" sz="5000" dirty="0" smtClean="0"/>
+            <a:t>groups of 3 workers</a:t>
           </a:r>
           <a:endParaRPr lang="en-US" sz="5000" dirty="0"/>
         </a:p>
@@ -3120,6 +3875,282 @@
 </dgm:dataModel>
 </file>
 
+<file path=ppt/diagrams/data3.xml><?xml version="1.0" encoding="utf-8"?>
+<dgm:dataModel xmlns:dgm="http://schemas.openxmlformats.org/drawingml/2006/diagram" xmlns:a="http://schemas.openxmlformats.org/drawingml/2006/main">
+  <dgm:ptLst>
+    <dgm:pt modelId="{6E0D25DF-03C8-1244-B66D-87338F218367}" type="doc">
+      <dgm:prSet loTypeId="urn:microsoft.com/office/officeart/2005/8/layout/hProcess9" loCatId="" qsTypeId="urn:microsoft.com/office/officeart/2005/8/quickstyle/simple4" qsCatId="simple" csTypeId="urn:microsoft.com/office/officeart/2005/8/colors/accent1_2" csCatId="accent1" phldr="1"/>
+      <dgm:spPr/>
+    </dgm:pt>
+    <dgm:pt modelId="{DE32AA06-847D-CD43-B1D6-F403C8FDDF88}">
+      <dgm:prSet phldrT="[Text]"/>
+      <dgm:spPr/>
+      <dgm:t>
+        <a:bodyPr/>
+        <a:lstStyle/>
+        <a:p>
+          <a:r>
+            <a:rPr lang="en-US" dirty="0" smtClean="0"/>
+            <a:t>Confusion Matrix P</a:t>
+          </a:r>
+          <a:r>
+            <a:rPr lang="en-US" baseline="-25000" dirty="0" smtClean="0"/>
+            <a:t>i</a:t>
+          </a:r>
+        </a:p>
+        <a:p>
+          <a:r>
+            <a:rPr lang="en-US" baseline="0" dirty="0" smtClean="0"/>
+            <a:t>Selectivity Vector S</a:t>
+          </a:r>
+          <a:r>
+            <a:rPr lang="en-US" dirty="0" smtClean="0"/>
+            <a:t> </a:t>
+          </a:r>
+          <a:endParaRPr lang="en-US" dirty="0"/>
+        </a:p>
+      </dgm:t>
+    </dgm:pt>
+    <dgm:pt modelId="{10078C6D-A626-2048-99A3-FDC59CC3B9C8}" type="parTrans" cxnId="{4B264CF8-3B3C-F145-A1C5-C3DDF66A6560}">
+      <dgm:prSet/>
+      <dgm:spPr/>
+      <dgm:t>
+        <a:bodyPr/>
+        <a:lstStyle/>
+        <a:p>
+          <a:endParaRPr lang="en-US"/>
+        </a:p>
+      </dgm:t>
+    </dgm:pt>
+    <dgm:pt modelId="{B6277B0C-AF69-474B-B59F-86F8A33FE8D7}" type="sibTrans" cxnId="{4B264CF8-3B3C-F145-A1C5-C3DDF66A6560}">
+      <dgm:prSet/>
+      <dgm:spPr/>
+      <dgm:t>
+        <a:bodyPr/>
+        <a:lstStyle/>
+        <a:p>
+          <a:endParaRPr lang="en-US"/>
+        </a:p>
+      </dgm:t>
+    </dgm:pt>
+    <dgm:pt modelId="{F25D931D-6CAB-404F-92EA-03699E5DFDCB}">
+      <dgm:prSet phldrT="[Text]"/>
+      <dgm:spPr/>
+      <dgm:t>
+        <a:bodyPr/>
+        <a:lstStyle/>
+        <a:p>
+          <a:r>
+            <a:rPr lang="en-US" dirty="0" smtClean="0"/>
+            <a:t>Response = </a:t>
+          </a:r>
+          <a:r>
+            <a:rPr lang="en-US" dirty="0" err="1" smtClean="0"/>
+            <a:t>P</a:t>
+          </a:r>
+          <a:r>
+            <a:rPr lang="en-US" baseline="-25000" dirty="0" err="1" smtClean="0"/>
+            <a:t>i</a:t>
+          </a:r>
+          <a:r>
+            <a:rPr lang="en-US" dirty="0" err="1" smtClean="0"/>
+            <a:t>S</a:t>
+          </a:r>
+          <a:endParaRPr lang="en-US" dirty="0" smtClean="0"/>
+        </a:p>
+        <a:p>
+          <a:r>
+            <a:rPr lang="en-US" dirty="0" smtClean="0"/>
+            <a:t>Comparison Matrix </a:t>
+          </a:r>
+          <a:r>
+            <a:rPr lang="en-US" dirty="0" err="1" smtClean="0"/>
+            <a:t>P</a:t>
+          </a:r>
+          <a:r>
+            <a:rPr lang="en-US" baseline="-25000" dirty="0" err="1" smtClean="0"/>
+            <a:t>i</a:t>
+          </a:r>
+          <a:r>
+            <a:rPr lang="en-US" baseline="30000" dirty="0" err="1" smtClean="0"/>
+            <a:t>T</a:t>
+          </a:r>
+          <a:r>
+            <a:rPr lang="en-US" dirty="0" err="1" smtClean="0"/>
+            <a:t>P</a:t>
+          </a:r>
+          <a:r>
+            <a:rPr lang="en-US" baseline="-25000" dirty="0" err="1" smtClean="0"/>
+            <a:t>j</a:t>
+          </a:r>
+          <a:endParaRPr lang="en-US" baseline="-25000" dirty="0"/>
+        </a:p>
+      </dgm:t>
+    </dgm:pt>
+    <dgm:pt modelId="{20134E7B-21D2-644B-AF56-3F5DE17581A9}" type="parTrans" cxnId="{D89C9AD0-95AC-4B43-AC3C-DCDCA56B901D}">
+      <dgm:prSet/>
+      <dgm:spPr/>
+      <dgm:t>
+        <a:bodyPr/>
+        <a:lstStyle/>
+        <a:p>
+          <a:endParaRPr lang="en-US"/>
+        </a:p>
+      </dgm:t>
+    </dgm:pt>
+    <dgm:pt modelId="{9BBA481B-4F04-9248-BA2F-8032476C53A5}" type="sibTrans" cxnId="{D89C9AD0-95AC-4B43-AC3C-DCDCA56B901D}">
+      <dgm:prSet/>
+      <dgm:spPr/>
+      <dgm:t>
+        <a:bodyPr/>
+        <a:lstStyle/>
+        <a:p>
+          <a:endParaRPr lang="en-US"/>
+        </a:p>
+      </dgm:t>
+    </dgm:pt>
+    <dgm:pt modelId="{279D3068-46E7-5D4B-9306-131F0F487A68}">
+      <dgm:prSet phldrT="[Text]"/>
+      <dgm:spPr/>
+      <dgm:t>
+        <a:bodyPr/>
+        <a:lstStyle/>
+        <a:p>
+          <a:r>
+            <a:rPr lang="en-US" dirty="0" smtClean="0"/>
+            <a:t>Solve to obtain P</a:t>
+          </a:r>
+          <a:r>
+            <a:rPr lang="en-US" baseline="-25000" dirty="0" smtClean="0"/>
+            <a:t>i</a:t>
+          </a:r>
+          <a:r>
+            <a:rPr lang="en-US" dirty="0" smtClean="0"/>
+            <a:t>, S</a:t>
+          </a:r>
+          <a:endParaRPr lang="en-US" baseline="-25000" dirty="0"/>
+        </a:p>
+      </dgm:t>
+    </dgm:pt>
+    <dgm:pt modelId="{1792BA77-5487-084C-9A56-A624F60C756F}" type="parTrans" cxnId="{88E9B05A-DEB2-F445-B8C1-842B9FB33194}">
+      <dgm:prSet/>
+      <dgm:spPr/>
+      <dgm:t>
+        <a:bodyPr/>
+        <a:lstStyle/>
+        <a:p>
+          <a:endParaRPr lang="en-US"/>
+        </a:p>
+      </dgm:t>
+    </dgm:pt>
+    <dgm:pt modelId="{0F616914-2CBF-8C40-B101-CAE91C625BEF}" type="sibTrans" cxnId="{88E9B05A-DEB2-F445-B8C1-842B9FB33194}">
+      <dgm:prSet/>
+      <dgm:spPr/>
+      <dgm:t>
+        <a:bodyPr/>
+        <a:lstStyle/>
+        <a:p>
+          <a:endParaRPr lang="en-US"/>
+        </a:p>
+      </dgm:t>
+    </dgm:pt>
+    <dgm:pt modelId="{C60AC660-551B-FE47-A691-1ED3D791AE65}" type="pres">
+      <dgm:prSet presAssocID="{6E0D25DF-03C8-1244-B66D-87338F218367}" presName="CompostProcess" presStyleCnt="0">
+        <dgm:presLayoutVars>
+          <dgm:dir/>
+          <dgm:resizeHandles val="exact"/>
+        </dgm:presLayoutVars>
+      </dgm:prSet>
+      <dgm:spPr/>
+    </dgm:pt>
+    <dgm:pt modelId="{D32E971F-FD44-2247-BD07-AAA285C27DCB}" type="pres">
+      <dgm:prSet presAssocID="{6E0D25DF-03C8-1244-B66D-87338F218367}" presName="arrow" presStyleLbl="bgShp" presStyleIdx="0" presStyleCnt="1"/>
+      <dgm:spPr/>
+    </dgm:pt>
+    <dgm:pt modelId="{7836D192-13EE-1C4E-8198-6346153F79B6}" type="pres">
+      <dgm:prSet presAssocID="{6E0D25DF-03C8-1244-B66D-87338F218367}" presName="linearProcess" presStyleCnt="0"/>
+      <dgm:spPr/>
+    </dgm:pt>
+    <dgm:pt modelId="{C28C47B9-E894-A749-85E9-8BC234D6E4D9}" type="pres">
+      <dgm:prSet presAssocID="{DE32AA06-847D-CD43-B1D6-F403C8FDDF88}" presName="textNode" presStyleLbl="node1" presStyleIdx="0" presStyleCnt="3">
+        <dgm:presLayoutVars>
+          <dgm:bulletEnabled val="1"/>
+        </dgm:presLayoutVars>
+      </dgm:prSet>
+      <dgm:spPr/>
+      <dgm:t>
+        <a:bodyPr/>
+        <a:lstStyle/>
+        <a:p>
+          <a:endParaRPr lang="en-US"/>
+        </a:p>
+      </dgm:t>
+    </dgm:pt>
+    <dgm:pt modelId="{C38B84B1-3C8D-A249-83B8-9FFFD780B2A0}" type="pres">
+      <dgm:prSet presAssocID="{B6277B0C-AF69-474B-B59F-86F8A33FE8D7}" presName="sibTrans" presStyleCnt="0"/>
+      <dgm:spPr/>
+    </dgm:pt>
+    <dgm:pt modelId="{BE327FDC-9C74-A34E-A201-274004C830D8}" type="pres">
+      <dgm:prSet presAssocID="{F25D931D-6CAB-404F-92EA-03699E5DFDCB}" presName="textNode" presStyleLbl="node1" presStyleIdx="1" presStyleCnt="3">
+        <dgm:presLayoutVars>
+          <dgm:bulletEnabled val="1"/>
+        </dgm:presLayoutVars>
+      </dgm:prSet>
+      <dgm:spPr/>
+      <dgm:t>
+        <a:bodyPr/>
+        <a:lstStyle/>
+        <a:p>
+          <a:endParaRPr lang="en-US"/>
+        </a:p>
+      </dgm:t>
+    </dgm:pt>
+    <dgm:pt modelId="{B274FCB8-7CB6-4C47-8F5A-AFC08F66B2D9}" type="pres">
+      <dgm:prSet presAssocID="{9BBA481B-4F04-9248-BA2F-8032476C53A5}" presName="sibTrans" presStyleCnt="0"/>
+      <dgm:spPr/>
+    </dgm:pt>
+    <dgm:pt modelId="{0B63FC49-6A56-DC4D-B2D4-219506473C8F}" type="pres">
+      <dgm:prSet presAssocID="{279D3068-46E7-5D4B-9306-131F0F487A68}" presName="textNode" presStyleLbl="node1" presStyleIdx="2" presStyleCnt="3">
+        <dgm:presLayoutVars>
+          <dgm:bulletEnabled val="1"/>
+        </dgm:presLayoutVars>
+      </dgm:prSet>
+      <dgm:spPr/>
+      <dgm:t>
+        <a:bodyPr/>
+        <a:lstStyle/>
+        <a:p>
+          <a:endParaRPr lang="en-US"/>
+        </a:p>
+      </dgm:t>
+    </dgm:pt>
+  </dgm:ptLst>
+  <dgm:cxnLst>
+    <dgm:cxn modelId="{F71960E3-5435-374A-BC3D-17C0009DB591}" type="presOf" srcId="{DE32AA06-847D-CD43-B1D6-F403C8FDDF88}" destId="{C28C47B9-E894-A749-85E9-8BC234D6E4D9}" srcOrd="0" destOrd="0" presId="urn:microsoft.com/office/officeart/2005/8/layout/hProcess9"/>
+    <dgm:cxn modelId="{3C2DF24F-127D-674F-9185-A304B6FCF2A7}" type="presOf" srcId="{279D3068-46E7-5D4B-9306-131F0F487A68}" destId="{0B63FC49-6A56-DC4D-B2D4-219506473C8F}" srcOrd="0" destOrd="0" presId="urn:microsoft.com/office/officeart/2005/8/layout/hProcess9"/>
+    <dgm:cxn modelId="{D89C9AD0-95AC-4B43-AC3C-DCDCA56B901D}" srcId="{6E0D25DF-03C8-1244-B66D-87338F218367}" destId="{F25D931D-6CAB-404F-92EA-03699E5DFDCB}" srcOrd="1" destOrd="0" parTransId="{20134E7B-21D2-644B-AF56-3F5DE17581A9}" sibTransId="{9BBA481B-4F04-9248-BA2F-8032476C53A5}"/>
+    <dgm:cxn modelId="{FC701A16-A1F8-AD45-9C72-B97CDE5E952A}" type="presOf" srcId="{6E0D25DF-03C8-1244-B66D-87338F218367}" destId="{C60AC660-551B-FE47-A691-1ED3D791AE65}" srcOrd="0" destOrd="0" presId="urn:microsoft.com/office/officeart/2005/8/layout/hProcess9"/>
+    <dgm:cxn modelId="{A1C2257A-88B8-CA4B-A5C2-6FEF357A2A31}" type="presOf" srcId="{F25D931D-6CAB-404F-92EA-03699E5DFDCB}" destId="{BE327FDC-9C74-A34E-A201-274004C830D8}" srcOrd="0" destOrd="0" presId="urn:microsoft.com/office/officeart/2005/8/layout/hProcess9"/>
+    <dgm:cxn modelId="{88E9B05A-DEB2-F445-B8C1-842B9FB33194}" srcId="{6E0D25DF-03C8-1244-B66D-87338F218367}" destId="{279D3068-46E7-5D4B-9306-131F0F487A68}" srcOrd="2" destOrd="0" parTransId="{1792BA77-5487-084C-9A56-A624F60C756F}" sibTransId="{0F616914-2CBF-8C40-B101-CAE91C625BEF}"/>
+    <dgm:cxn modelId="{4B264CF8-3B3C-F145-A1C5-C3DDF66A6560}" srcId="{6E0D25DF-03C8-1244-B66D-87338F218367}" destId="{DE32AA06-847D-CD43-B1D6-F403C8FDDF88}" srcOrd="0" destOrd="0" parTransId="{10078C6D-A626-2048-99A3-FDC59CC3B9C8}" sibTransId="{B6277B0C-AF69-474B-B59F-86F8A33FE8D7}"/>
+    <dgm:cxn modelId="{F36FB89A-254C-EC4B-AF44-6CE13CA1C667}" type="presParOf" srcId="{C60AC660-551B-FE47-A691-1ED3D791AE65}" destId="{D32E971F-FD44-2247-BD07-AAA285C27DCB}" srcOrd="0" destOrd="0" presId="urn:microsoft.com/office/officeart/2005/8/layout/hProcess9"/>
+    <dgm:cxn modelId="{22EF69D2-0A9F-0245-A3E4-502FF28721C7}" type="presParOf" srcId="{C60AC660-551B-FE47-A691-1ED3D791AE65}" destId="{7836D192-13EE-1C4E-8198-6346153F79B6}" srcOrd="1" destOrd="0" presId="urn:microsoft.com/office/officeart/2005/8/layout/hProcess9"/>
+    <dgm:cxn modelId="{3B5C6337-BD28-AA43-AB56-E00BE9C3C37D}" type="presParOf" srcId="{7836D192-13EE-1C4E-8198-6346153F79B6}" destId="{C28C47B9-E894-A749-85E9-8BC234D6E4D9}" srcOrd="0" destOrd="0" presId="urn:microsoft.com/office/officeart/2005/8/layout/hProcess9"/>
+    <dgm:cxn modelId="{1C8ED9E1-A798-2F46-B45F-A503D8B3F122}" type="presParOf" srcId="{7836D192-13EE-1C4E-8198-6346153F79B6}" destId="{C38B84B1-3C8D-A249-83B8-9FFFD780B2A0}" srcOrd="1" destOrd="0" presId="urn:microsoft.com/office/officeart/2005/8/layout/hProcess9"/>
+    <dgm:cxn modelId="{B1382644-ED15-F24E-A5AB-73A743263237}" type="presParOf" srcId="{7836D192-13EE-1C4E-8198-6346153F79B6}" destId="{BE327FDC-9C74-A34E-A201-274004C830D8}" srcOrd="2" destOrd="0" presId="urn:microsoft.com/office/officeart/2005/8/layout/hProcess9"/>
+    <dgm:cxn modelId="{9281792C-3E04-1C4B-B256-5ECEB3C28FFE}" type="presParOf" srcId="{7836D192-13EE-1C4E-8198-6346153F79B6}" destId="{B274FCB8-7CB6-4C47-8F5A-AFC08F66B2D9}" srcOrd="3" destOrd="0" presId="urn:microsoft.com/office/officeart/2005/8/layout/hProcess9"/>
+    <dgm:cxn modelId="{9B095C45-957F-BB4E-A34C-485847A57215}" type="presParOf" srcId="{7836D192-13EE-1C4E-8198-6346153F79B6}" destId="{0B63FC49-6A56-DC4D-B2D4-219506473C8F}" srcOrd="4" destOrd="0" presId="urn:microsoft.com/office/officeart/2005/8/layout/hProcess9"/>
+  </dgm:cxnLst>
+  <dgm:bg/>
+  <dgm:whole/>
+  <dgm:extLst>
+    <a:ext uri="http://schemas.microsoft.com/office/drawing/2008/diagram">
+      <dsp:dataModelExt xmlns:dsp="http://schemas.microsoft.com/office/drawing/2008/diagram" relId="rId17" minVer="http://schemas.openxmlformats.org/drawingml/2006/diagram"/>
+    </a:ext>
+  </dgm:extLst>
+</dgm:dataModel>
+</file>
+
 <file path=ppt/diagrams/drawing1.xml><?xml version="1.0" encoding="utf-8"?>
 <dsp:drawing xmlns:dgm="http://schemas.openxmlformats.org/drawingml/2006/diagram" xmlns:dsp="http://schemas.microsoft.com/office/drawing/2008/diagram" xmlns:a="http://schemas.openxmlformats.org/drawingml/2006/main">
   <dsp:spTree>
@@ -3135,7 +4166,7 @@
       </dsp:nvSpPr>
       <dsp:spPr>
         <a:xfrm>
-          <a:off x="7825" y="4525291"/>
+          <a:off x="7825" y="556575"/>
           <a:ext cx="7851662" cy="6281329"/>
         </a:xfrm>
         <a:prstGeom prst="homePlate">
@@ -3319,7 +4350,7 @@
         </a:p>
       </dsp:txBody>
       <dsp:txXfrm>
-        <a:off x="7825" y="4525291"/>
+        <a:off x="7825" y="556575"/>
         <a:ext cx="7066496" cy="6281329"/>
       </dsp:txXfrm>
     </dsp:sp>
@@ -3330,7 +4361,7 @@
       </dsp:nvSpPr>
       <dsp:spPr>
         <a:xfrm>
-          <a:off x="6289155" y="4525291"/>
+          <a:off x="6289155" y="556575"/>
           <a:ext cx="7851662" cy="6281329"/>
         </a:xfrm>
         <a:prstGeom prst="chevron">
@@ -3533,7 +4564,7 @@
         </a:p>
       </dsp:txBody>
       <dsp:txXfrm>
-        <a:off x="7859487" y="4525291"/>
+        <a:off x="7859487" y="556575"/>
         <a:ext cx="4710998" cy="6281329"/>
       </dsp:txXfrm>
     </dsp:sp>
@@ -3544,7 +4575,7 @@
       </dsp:nvSpPr>
       <dsp:spPr>
         <a:xfrm>
-          <a:off x="12570484" y="4525291"/>
+          <a:off x="12570484" y="556575"/>
           <a:ext cx="7851662" cy="6281329"/>
         </a:xfrm>
         <a:prstGeom prst="chevron">
@@ -3714,7 +4745,7 @@
         </a:p>
       </dsp:txBody>
       <dsp:txXfrm>
-        <a:off x="14140816" y="4525291"/>
+        <a:off x="14140816" y="556575"/>
         <a:ext cx="4710998" cy="6281329"/>
       </dsp:txXfrm>
     </dsp:sp>
@@ -3725,7 +4756,7 @@
       </dsp:nvSpPr>
       <dsp:spPr>
         <a:xfrm>
-          <a:off x="18851814" y="4525291"/>
+          <a:off x="18851814" y="556575"/>
           <a:ext cx="7851662" cy="6281329"/>
         </a:xfrm>
         <a:prstGeom prst="chevron">
@@ -3892,7 +4923,7 @@
         </a:p>
       </dsp:txBody>
       <dsp:txXfrm>
-        <a:off x="20422146" y="4525291"/>
+        <a:off x="20422146" y="556575"/>
         <a:ext cx="4710998" cy="6281329"/>
       </dsp:txXfrm>
     </dsp:sp>
@@ -3916,7 +4947,7 @@
       <dsp:spPr>
         <a:xfrm>
           <a:off x="0" y="0"/>
-          <a:ext cx="22704606" cy="2195082"/>
+          <a:ext cx="22704606" cy="1809918"/>
         </a:xfrm>
         <a:prstGeom prst="roundRect">
           <a:avLst>
@@ -3994,22 +5025,30 @@
           </a:pPr>
           <a:r>
             <a:rPr lang="en-US" sz="5000" kern="1200" dirty="0" smtClean="0"/>
-            <a:t>For N &gt; 3 workers, form </a:t>
-          </a:r>
-          <a:r>
-            <a:rPr lang="en-US" sz="5000" kern="1200" dirty="0" err="1" smtClean="0"/>
-            <a:t>mutiple</a:t>
+            <a:t>For N &gt; 3 workers, </a:t>
           </a:r>
           <a:r>
             <a:rPr lang="en-US" sz="5000" kern="1200" dirty="0" smtClean="0"/>
-            <a:t>  groups of 3 workers</a:t>
+            <a:t>form N</a:t>
+          </a:r>
+          <a:r>
+            <a:rPr lang="en-US" sz="5000" kern="1200" baseline="30000" dirty="0" smtClean="0"/>
+            <a:t>2</a:t>
+          </a:r>
+          <a:r>
+            <a:rPr lang="en-US" sz="5000" kern="1200" dirty="0" smtClean="0"/>
+            <a:t> </a:t>
+          </a:r>
+          <a:r>
+            <a:rPr lang="en-US" sz="5000" kern="1200" dirty="0" smtClean="0"/>
+            <a:t>groups of 3 workers</a:t>
           </a:r>
           <a:endParaRPr lang="en-US" sz="5000" kern="1200" dirty="0"/>
         </a:p>
       </dsp:txBody>
       <dsp:txXfrm>
-        <a:off x="64292" y="64292"/>
-        <a:ext cx="20335941" cy="2066498"/>
+        <a:off x="53011" y="53011"/>
+        <a:ext cx="20751563" cy="1703896"/>
       </dsp:txXfrm>
     </dsp:sp>
     <dsp:sp modelId="{3839F74A-FA60-994D-9026-A3D2D24AC42C}">
@@ -4019,8 +5058,8 @@
       </dsp:nvSpPr>
       <dsp:spPr>
         <a:xfrm>
-          <a:off x="2003347" y="2560929"/>
-          <a:ext cx="22704606" cy="2195082"/>
+          <a:off x="2003347" y="2111571"/>
+          <a:ext cx="22704606" cy="1809918"/>
         </a:xfrm>
         <a:prstGeom prst="roundRect">
           <a:avLst>
@@ -4116,8 +5155,8 @@
         </a:p>
       </dsp:txBody>
       <dsp:txXfrm>
-        <a:off x="2067639" y="2625221"/>
-        <a:ext cx="19145871" cy="2066498"/>
+        <a:off x="2056358" y="2164582"/>
+        <a:ext cx="19418790" cy="1703896"/>
       </dsp:txXfrm>
     </dsp:sp>
     <dsp:sp modelId="{EF9FB083-1037-4845-8022-B118F3D4F03C}">
@@ -4127,8 +5166,8 @@
       </dsp:nvSpPr>
       <dsp:spPr>
         <a:xfrm>
-          <a:off x="4006695" y="5121858"/>
-          <a:ext cx="22704606" cy="2195082"/>
+          <a:off x="4006695" y="4223142"/>
+          <a:ext cx="22704606" cy="1809918"/>
         </a:xfrm>
         <a:prstGeom prst="roundRect">
           <a:avLst>
@@ -4212,8 +5251,8 @@
         </a:p>
       </dsp:txBody>
       <dsp:txXfrm>
-        <a:off x="4070987" y="5186150"/>
-        <a:ext cx="19145871" cy="2066498"/>
+        <a:off x="4059706" y="4276153"/>
+        <a:ext cx="19418790" cy="1703896"/>
       </dsp:txXfrm>
     </dsp:sp>
     <dsp:sp modelId="{D98FF437-7EFA-B04E-8954-743B98D9016A}">
@@ -4223,8 +5262,8 @@
       </dsp:nvSpPr>
       <dsp:spPr>
         <a:xfrm>
-          <a:off x="21277803" y="1664603"/>
-          <a:ext cx="1426803" cy="1426803"/>
+          <a:off x="21528159" y="1372521"/>
+          <a:ext cx="1176446" cy="1176446"/>
         </a:xfrm>
         <a:prstGeom prst="downArrow">
           <a:avLst>
@@ -4290,8 +5329,8 @@
         </a:p>
       </dsp:txBody>
       <dsp:txXfrm>
-        <a:off x="21598834" y="1664603"/>
-        <a:ext cx="784741" cy="1073669"/>
+        <a:off x="21792859" y="1372521"/>
+        <a:ext cx="647046" cy="885276"/>
       </dsp:txXfrm>
     </dsp:sp>
     <dsp:sp modelId="{89550A68-9F59-D64D-AD40-4B5480121BEF}">
@@ -4301,8 +5340,8 @@
       </dsp:nvSpPr>
       <dsp:spPr>
         <a:xfrm>
-          <a:off x="23281151" y="4210898"/>
-          <a:ext cx="1426803" cy="1426803"/>
+          <a:off x="23531507" y="3472026"/>
+          <a:ext cx="1176446" cy="1176446"/>
         </a:xfrm>
         <a:prstGeom prst="downArrow">
           <a:avLst>
@@ -4368,8 +5407,431 @@
         </a:p>
       </dsp:txBody>
       <dsp:txXfrm>
-        <a:off x="23602182" y="4210898"/>
-        <a:ext cx="784741" cy="1073669"/>
+        <a:off x="23796207" y="3472026"/>
+        <a:ext cx="647046" cy="885276"/>
+      </dsp:txXfrm>
+    </dsp:sp>
+  </dsp:spTree>
+</dsp:drawing>
+</file>
+
+<file path=ppt/diagrams/drawing3.xml><?xml version="1.0" encoding="utf-8"?>
+<dsp:drawing xmlns:dgm="http://schemas.openxmlformats.org/drawingml/2006/diagram" xmlns:dsp="http://schemas.microsoft.com/office/drawing/2008/diagram" xmlns:a="http://schemas.openxmlformats.org/drawingml/2006/main">
+  <dsp:spTree>
+    <dsp:nvGrpSpPr>
+      <dsp:cNvPr id="0" name=""/>
+      <dsp:cNvGrpSpPr/>
+    </dsp:nvGrpSpPr>
+    <dsp:grpSpPr/>
+    <dsp:sp modelId="{D32E971F-FD44-2247-BD07-AAA285C27DCB}">
+      <dsp:nvSpPr>
+        <dsp:cNvPr id="0" name=""/>
+        <dsp:cNvSpPr/>
+      </dsp:nvSpPr>
+      <dsp:spPr>
+        <a:xfrm>
+          <a:off x="1965522" y="0"/>
+          <a:ext cx="22275920" cy="8820076"/>
+        </a:xfrm>
+        <a:prstGeom prst="rightArrow">
+          <a:avLst/>
+        </a:prstGeom>
+        <a:solidFill>
+          <a:schemeClr val="accent1">
+            <a:tint val="40000"/>
+            <a:hueOff val="0"/>
+            <a:satOff val="0"/>
+            <a:lumOff val="0"/>
+            <a:alphaOff val="0"/>
+          </a:schemeClr>
+        </a:solidFill>
+        <a:ln>
+          <a:noFill/>
+        </a:ln>
+        <a:effectLst>
+          <a:outerShdw blurRad="40000" dist="23000" dir="5400000" rotWithShape="0">
+            <a:srgbClr val="000000">
+              <a:alpha val="35000"/>
+            </a:srgbClr>
+          </a:outerShdw>
+        </a:effectLst>
+      </dsp:spPr>
+      <dsp:style>
+        <a:lnRef idx="0">
+          <a:scrgbClr r="0" g="0" b="0"/>
+        </a:lnRef>
+        <a:fillRef idx="1">
+          <a:scrgbClr r="0" g="0" b="0"/>
+        </a:fillRef>
+        <a:effectRef idx="2">
+          <a:scrgbClr r="0" g="0" b="0"/>
+        </a:effectRef>
+        <a:fontRef idx="minor"/>
+      </dsp:style>
+    </dsp:sp>
+    <dsp:sp modelId="{C28C47B9-E894-A749-85E9-8BC234D6E4D9}">
+      <dsp:nvSpPr>
+        <dsp:cNvPr id="0" name=""/>
+        <dsp:cNvSpPr/>
+      </dsp:nvSpPr>
+      <dsp:spPr>
+        <a:xfrm>
+          <a:off x="152276" y="2646022"/>
+          <a:ext cx="7862089" cy="3528030"/>
+        </a:xfrm>
+        <a:prstGeom prst="roundRect">
+          <a:avLst/>
+        </a:prstGeom>
+        <a:gradFill rotWithShape="0">
+          <a:gsLst>
+            <a:gs pos="0">
+              <a:schemeClr val="accent1">
+                <a:hueOff val="0"/>
+                <a:satOff val="0"/>
+                <a:lumOff val="0"/>
+                <a:alphaOff val="0"/>
+                <a:tint val="100000"/>
+                <a:shade val="100000"/>
+                <a:satMod val="130000"/>
+              </a:schemeClr>
+            </a:gs>
+            <a:gs pos="100000">
+              <a:schemeClr val="accent1">
+                <a:hueOff val="0"/>
+                <a:satOff val="0"/>
+                <a:lumOff val="0"/>
+                <a:alphaOff val="0"/>
+                <a:tint val="50000"/>
+                <a:shade val="100000"/>
+                <a:satMod val="350000"/>
+              </a:schemeClr>
+            </a:gs>
+          </a:gsLst>
+          <a:lin ang="16200000" scaled="0"/>
+        </a:gradFill>
+        <a:ln>
+          <a:noFill/>
+        </a:ln>
+        <a:effectLst>
+          <a:outerShdw blurRad="40000" dist="23000" dir="5400000" rotWithShape="0">
+            <a:srgbClr val="000000">
+              <a:alpha val="35000"/>
+            </a:srgbClr>
+          </a:outerShdw>
+        </a:effectLst>
+      </dsp:spPr>
+      <dsp:style>
+        <a:lnRef idx="0">
+          <a:scrgbClr r="0" g="0" b="0"/>
+        </a:lnRef>
+        <a:fillRef idx="3">
+          <a:scrgbClr r="0" g="0" b="0"/>
+        </a:fillRef>
+        <a:effectRef idx="2">
+          <a:scrgbClr r="0" g="0" b="0"/>
+        </a:effectRef>
+        <a:fontRef idx="minor">
+          <a:schemeClr val="lt1"/>
+        </a:fontRef>
+      </dsp:style>
+      <dsp:txBody>
+        <a:bodyPr spcFirstLastPara="0" vert="horz" wrap="square" lIns="220980" tIns="220980" rIns="220980" bIns="220980" numCol="1" spcCol="1270" anchor="ctr" anchorCtr="0">
+          <a:noAutofit/>
+        </a:bodyPr>
+        <a:lstStyle/>
+        <a:p>
+          <a:pPr lvl="0" algn="ctr" defTabSz="2578100">
+            <a:lnSpc>
+              <a:spcPct val="90000"/>
+            </a:lnSpc>
+            <a:spcBef>
+              <a:spcPct val="0"/>
+            </a:spcBef>
+            <a:spcAft>
+              <a:spcPct val="35000"/>
+            </a:spcAft>
+          </a:pPr>
+          <a:r>
+            <a:rPr lang="en-US" sz="5800" kern="1200" dirty="0" smtClean="0"/>
+            <a:t>Confusion Matrix P</a:t>
+          </a:r>
+          <a:r>
+            <a:rPr lang="en-US" sz="5800" kern="1200" baseline="-25000" dirty="0" smtClean="0"/>
+            <a:t>i</a:t>
+          </a:r>
+        </a:p>
+        <a:p>
+          <a:pPr lvl="0" algn="ctr" defTabSz="2578100">
+            <a:lnSpc>
+              <a:spcPct val="90000"/>
+            </a:lnSpc>
+            <a:spcBef>
+              <a:spcPct val="0"/>
+            </a:spcBef>
+            <a:spcAft>
+              <a:spcPct val="35000"/>
+            </a:spcAft>
+          </a:pPr>
+          <a:r>
+            <a:rPr lang="en-US" sz="5800" kern="1200" baseline="0" dirty="0" smtClean="0"/>
+            <a:t>Selectivity Vector S</a:t>
+          </a:r>
+          <a:r>
+            <a:rPr lang="en-US" sz="5800" kern="1200" dirty="0" smtClean="0"/>
+            <a:t> </a:t>
+          </a:r>
+          <a:endParaRPr lang="en-US" sz="5800" kern="1200" dirty="0"/>
+        </a:p>
+      </dsp:txBody>
+      <dsp:txXfrm>
+        <a:off x="324500" y="2818246"/>
+        <a:ext cx="7517641" cy="3183582"/>
+      </dsp:txXfrm>
+    </dsp:sp>
+    <dsp:sp modelId="{BE327FDC-9C74-A34E-A201-274004C830D8}">
+      <dsp:nvSpPr>
+        <dsp:cNvPr id="0" name=""/>
+        <dsp:cNvSpPr/>
+      </dsp:nvSpPr>
+      <dsp:spPr>
+        <a:xfrm>
+          <a:off x="9172437" y="2646022"/>
+          <a:ext cx="7862089" cy="3528030"/>
+        </a:xfrm>
+        <a:prstGeom prst="roundRect">
+          <a:avLst/>
+        </a:prstGeom>
+        <a:gradFill rotWithShape="0">
+          <a:gsLst>
+            <a:gs pos="0">
+              <a:schemeClr val="accent1">
+                <a:hueOff val="0"/>
+                <a:satOff val="0"/>
+                <a:lumOff val="0"/>
+                <a:alphaOff val="0"/>
+                <a:tint val="100000"/>
+                <a:shade val="100000"/>
+                <a:satMod val="130000"/>
+              </a:schemeClr>
+            </a:gs>
+            <a:gs pos="100000">
+              <a:schemeClr val="accent1">
+                <a:hueOff val="0"/>
+                <a:satOff val="0"/>
+                <a:lumOff val="0"/>
+                <a:alphaOff val="0"/>
+                <a:tint val="50000"/>
+                <a:shade val="100000"/>
+                <a:satMod val="350000"/>
+              </a:schemeClr>
+            </a:gs>
+          </a:gsLst>
+          <a:lin ang="16200000" scaled="0"/>
+        </a:gradFill>
+        <a:ln>
+          <a:noFill/>
+        </a:ln>
+        <a:effectLst>
+          <a:outerShdw blurRad="40000" dist="23000" dir="5400000" rotWithShape="0">
+            <a:srgbClr val="000000">
+              <a:alpha val="35000"/>
+            </a:srgbClr>
+          </a:outerShdw>
+        </a:effectLst>
+      </dsp:spPr>
+      <dsp:style>
+        <a:lnRef idx="0">
+          <a:scrgbClr r="0" g="0" b="0"/>
+        </a:lnRef>
+        <a:fillRef idx="3">
+          <a:scrgbClr r="0" g="0" b="0"/>
+        </a:fillRef>
+        <a:effectRef idx="2">
+          <a:scrgbClr r="0" g="0" b="0"/>
+        </a:effectRef>
+        <a:fontRef idx="minor">
+          <a:schemeClr val="lt1"/>
+        </a:fontRef>
+      </dsp:style>
+      <dsp:txBody>
+        <a:bodyPr spcFirstLastPara="0" vert="horz" wrap="square" lIns="220980" tIns="220980" rIns="220980" bIns="220980" numCol="1" spcCol="1270" anchor="ctr" anchorCtr="0">
+          <a:noAutofit/>
+        </a:bodyPr>
+        <a:lstStyle/>
+        <a:p>
+          <a:pPr lvl="0" algn="ctr" defTabSz="2578100">
+            <a:lnSpc>
+              <a:spcPct val="90000"/>
+            </a:lnSpc>
+            <a:spcBef>
+              <a:spcPct val="0"/>
+            </a:spcBef>
+            <a:spcAft>
+              <a:spcPct val="35000"/>
+            </a:spcAft>
+          </a:pPr>
+          <a:r>
+            <a:rPr lang="en-US" sz="5800" kern="1200" dirty="0" smtClean="0"/>
+            <a:t>Response = </a:t>
+          </a:r>
+          <a:r>
+            <a:rPr lang="en-US" sz="5800" kern="1200" dirty="0" err="1" smtClean="0"/>
+            <a:t>P</a:t>
+          </a:r>
+          <a:r>
+            <a:rPr lang="en-US" sz="5800" kern="1200" baseline="-25000" dirty="0" err="1" smtClean="0"/>
+            <a:t>i</a:t>
+          </a:r>
+          <a:r>
+            <a:rPr lang="en-US" sz="5800" kern="1200" dirty="0" err="1" smtClean="0"/>
+            <a:t>S</a:t>
+          </a:r>
+          <a:endParaRPr lang="en-US" sz="5800" kern="1200" dirty="0" smtClean="0"/>
+        </a:p>
+        <a:p>
+          <a:pPr lvl="0" algn="ctr" defTabSz="2578100">
+            <a:lnSpc>
+              <a:spcPct val="90000"/>
+            </a:lnSpc>
+            <a:spcBef>
+              <a:spcPct val="0"/>
+            </a:spcBef>
+            <a:spcAft>
+              <a:spcPct val="35000"/>
+            </a:spcAft>
+          </a:pPr>
+          <a:r>
+            <a:rPr lang="en-US" sz="5800" kern="1200" dirty="0" smtClean="0"/>
+            <a:t>Comparison Matrix </a:t>
+          </a:r>
+          <a:r>
+            <a:rPr lang="en-US" sz="5800" kern="1200" dirty="0" err="1" smtClean="0"/>
+            <a:t>P</a:t>
+          </a:r>
+          <a:r>
+            <a:rPr lang="en-US" sz="5800" kern="1200" baseline="-25000" dirty="0" err="1" smtClean="0"/>
+            <a:t>i</a:t>
+          </a:r>
+          <a:r>
+            <a:rPr lang="en-US" sz="5800" kern="1200" baseline="30000" dirty="0" err="1" smtClean="0"/>
+            <a:t>T</a:t>
+          </a:r>
+          <a:r>
+            <a:rPr lang="en-US" sz="5800" kern="1200" dirty="0" err="1" smtClean="0"/>
+            <a:t>P</a:t>
+          </a:r>
+          <a:r>
+            <a:rPr lang="en-US" sz="5800" kern="1200" baseline="-25000" dirty="0" err="1" smtClean="0"/>
+            <a:t>j</a:t>
+          </a:r>
+          <a:endParaRPr lang="en-US" sz="5800" kern="1200" baseline="-25000" dirty="0"/>
+        </a:p>
+      </dsp:txBody>
+      <dsp:txXfrm>
+        <a:off x="9344661" y="2818246"/>
+        <a:ext cx="7517641" cy="3183582"/>
+      </dsp:txXfrm>
+    </dsp:sp>
+    <dsp:sp modelId="{0B63FC49-6A56-DC4D-B2D4-219506473C8F}">
+      <dsp:nvSpPr>
+        <dsp:cNvPr id="0" name=""/>
+        <dsp:cNvSpPr/>
+      </dsp:nvSpPr>
+      <dsp:spPr>
+        <a:xfrm>
+          <a:off x="18192598" y="2646022"/>
+          <a:ext cx="7862089" cy="3528030"/>
+        </a:xfrm>
+        <a:prstGeom prst="roundRect">
+          <a:avLst/>
+        </a:prstGeom>
+        <a:gradFill rotWithShape="0">
+          <a:gsLst>
+            <a:gs pos="0">
+              <a:schemeClr val="accent1">
+                <a:hueOff val="0"/>
+                <a:satOff val="0"/>
+                <a:lumOff val="0"/>
+                <a:alphaOff val="0"/>
+                <a:tint val="100000"/>
+                <a:shade val="100000"/>
+                <a:satMod val="130000"/>
+              </a:schemeClr>
+            </a:gs>
+            <a:gs pos="100000">
+              <a:schemeClr val="accent1">
+                <a:hueOff val="0"/>
+                <a:satOff val="0"/>
+                <a:lumOff val="0"/>
+                <a:alphaOff val="0"/>
+                <a:tint val="50000"/>
+                <a:shade val="100000"/>
+                <a:satMod val="350000"/>
+              </a:schemeClr>
+            </a:gs>
+          </a:gsLst>
+          <a:lin ang="16200000" scaled="0"/>
+        </a:gradFill>
+        <a:ln>
+          <a:noFill/>
+        </a:ln>
+        <a:effectLst>
+          <a:outerShdw blurRad="40000" dist="23000" dir="5400000" rotWithShape="0">
+            <a:srgbClr val="000000">
+              <a:alpha val="35000"/>
+            </a:srgbClr>
+          </a:outerShdw>
+        </a:effectLst>
+      </dsp:spPr>
+      <dsp:style>
+        <a:lnRef idx="0">
+          <a:scrgbClr r="0" g="0" b="0"/>
+        </a:lnRef>
+        <a:fillRef idx="3">
+          <a:scrgbClr r="0" g="0" b="0"/>
+        </a:fillRef>
+        <a:effectRef idx="2">
+          <a:scrgbClr r="0" g="0" b="0"/>
+        </a:effectRef>
+        <a:fontRef idx="minor">
+          <a:schemeClr val="lt1"/>
+        </a:fontRef>
+      </dsp:style>
+      <dsp:txBody>
+        <a:bodyPr spcFirstLastPara="0" vert="horz" wrap="square" lIns="220980" tIns="220980" rIns="220980" bIns="220980" numCol="1" spcCol="1270" anchor="ctr" anchorCtr="0">
+          <a:noAutofit/>
+        </a:bodyPr>
+        <a:lstStyle/>
+        <a:p>
+          <a:pPr lvl="0" algn="ctr" defTabSz="2578100">
+            <a:lnSpc>
+              <a:spcPct val="90000"/>
+            </a:lnSpc>
+            <a:spcBef>
+              <a:spcPct val="0"/>
+            </a:spcBef>
+            <a:spcAft>
+              <a:spcPct val="35000"/>
+            </a:spcAft>
+          </a:pPr>
+          <a:r>
+            <a:rPr lang="en-US" sz="5800" kern="1200" dirty="0" smtClean="0"/>
+            <a:t>Solve to obtain P</a:t>
+          </a:r>
+          <a:r>
+            <a:rPr lang="en-US" sz="5800" kern="1200" baseline="-25000" dirty="0" smtClean="0"/>
+            <a:t>i</a:t>
+          </a:r>
+          <a:r>
+            <a:rPr lang="en-US" sz="5800" kern="1200" dirty="0" smtClean="0"/>
+            <a:t>, S</a:t>
+          </a:r>
+          <a:endParaRPr lang="en-US" sz="5800" kern="1200" baseline="-25000" dirty="0"/>
+        </a:p>
+      </dsp:txBody>
+      <dsp:txXfrm>
+        <a:off x="18364822" y="2818246"/>
+        <a:ext cx="7517641" cy="3183582"/>
       </dsp:txXfrm>
     </dsp:sp>
   </dsp:spTree>
@@ -5874,6 +7336,160 @@
 </dgm:layoutDef>
 </file>
 
+<file path=ppt/diagrams/layout3.xml><?xml version="1.0" encoding="utf-8"?>
+<dgm:layoutDef xmlns:dgm="http://schemas.openxmlformats.org/drawingml/2006/diagram" xmlns:a="http://schemas.openxmlformats.org/drawingml/2006/main" uniqueId="urn:microsoft.com/office/officeart/2005/8/layout/hProcess9">
+  <dgm:title val=""/>
+  <dgm:desc val=""/>
+  <dgm:catLst>
+    <dgm:cat type="process" pri="5000"/>
+    <dgm:cat type="convert" pri="13000"/>
+  </dgm:catLst>
+  <dgm:sampData useDef="1">
+    <dgm:dataModel>
+      <dgm:ptLst/>
+      <dgm:bg/>
+      <dgm:whole/>
+    </dgm:dataModel>
+  </dgm:sampData>
+  <dgm:styleData>
+    <dgm:dataModel>
+      <dgm:ptLst>
+        <dgm:pt modelId="0" type="doc"/>
+        <dgm:pt modelId="1"/>
+        <dgm:pt modelId="2"/>
+      </dgm:ptLst>
+      <dgm:cxnLst>
+        <dgm:cxn modelId="3" srcId="0" destId="1" srcOrd="0" destOrd="0"/>
+        <dgm:cxn modelId="4" srcId="0" destId="2" srcOrd="1" destOrd="0"/>
+      </dgm:cxnLst>
+      <dgm:bg/>
+      <dgm:whole/>
+    </dgm:dataModel>
+  </dgm:styleData>
+  <dgm:clrData>
+    <dgm:dataModel>
+      <dgm:ptLst>
+        <dgm:pt modelId="0" type="doc"/>
+        <dgm:pt modelId="1"/>
+        <dgm:pt modelId="2"/>
+        <dgm:pt modelId="3"/>
+        <dgm:pt modelId="4"/>
+      </dgm:ptLst>
+      <dgm:cxnLst>
+        <dgm:cxn modelId="5" srcId="0" destId="1" srcOrd="0" destOrd="0"/>
+        <dgm:cxn modelId="6" srcId="0" destId="2" srcOrd="1" destOrd="0"/>
+        <dgm:cxn modelId="7" srcId="0" destId="3" srcOrd="2" destOrd="0"/>
+        <dgm:cxn modelId="8" srcId="0" destId="4" srcOrd="3" destOrd="0"/>
+      </dgm:cxnLst>
+      <dgm:bg/>
+      <dgm:whole/>
+    </dgm:dataModel>
+  </dgm:clrData>
+  <dgm:layoutNode name="CompostProcess">
+    <dgm:varLst>
+      <dgm:dir/>
+      <dgm:resizeHandles val="exact"/>
+    </dgm:varLst>
+    <dgm:alg type="composite">
+      <dgm:param type="horzAlign" val="ctr"/>
+      <dgm:param type="vertAlign" val="mid"/>
+    </dgm:alg>
+    <dgm:shape xmlns:r="http://schemas.openxmlformats.org/officeDocument/2006/relationships" r:blip="">
+      <dgm:adjLst/>
+    </dgm:shape>
+    <dgm:presOf/>
+    <dgm:constrLst>
+      <dgm:constr type="w" for="ch" forName="arrow" refType="w" fact="0.85"/>
+      <dgm:constr type="h" for="ch" forName="arrow" refType="h"/>
+      <dgm:constr type="ctrX" for="ch" forName="arrow" refType="w" fact="0.5"/>
+      <dgm:constr type="ctrY" for="ch" forName="arrow" refType="h" fact="0.5"/>
+      <dgm:constr type="w" for="ch" forName="linearProcess" refType="w"/>
+      <dgm:constr type="h" for="ch" forName="linearProcess" refType="h" fact="0.4"/>
+      <dgm:constr type="ctrX" for="ch" forName="linearProcess" refType="w" fact="0.5"/>
+      <dgm:constr type="ctrY" for="ch" forName="linearProcess" refType="h" fact="0.5"/>
+    </dgm:constrLst>
+    <dgm:ruleLst/>
+    <dgm:layoutNode name="arrow" styleLbl="bgShp">
+      <dgm:alg type="sp"/>
+      <dgm:choose name="Name0">
+        <dgm:if name="Name1" func="var" arg="dir" op="equ" val="norm">
+          <dgm:shape xmlns:r="http://schemas.openxmlformats.org/officeDocument/2006/relationships" type="rightArrow" r:blip="">
+            <dgm:adjLst/>
+          </dgm:shape>
+        </dgm:if>
+        <dgm:else name="Name2">
+          <dgm:shape xmlns:r="http://schemas.openxmlformats.org/officeDocument/2006/relationships" type="leftArrow" r:blip="">
+            <dgm:adjLst/>
+          </dgm:shape>
+        </dgm:else>
+      </dgm:choose>
+      <dgm:presOf/>
+      <dgm:constrLst/>
+      <dgm:ruleLst/>
+    </dgm:layoutNode>
+    <dgm:layoutNode name="linearProcess">
+      <dgm:choose name="Name3">
+        <dgm:if name="Name4" func="var" arg="dir" op="equ" val="norm">
+          <dgm:alg type="lin"/>
+        </dgm:if>
+        <dgm:else name="Name5">
+          <dgm:alg type="lin">
+            <dgm:param type="linDir" val="fromR"/>
+          </dgm:alg>
+        </dgm:else>
+      </dgm:choose>
+      <dgm:shape xmlns:r="http://schemas.openxmlformats.org/officeDocument/2006/relationships" r:blip="">
+        <dgm:adjLst/>
+      </dgm:shape>
+      <dgm:presOf/>
+      <dgm:constrLst>
+        <dgm:constr type="userA" for="ch" ptType="node" refType="w"/>
+        <dgm:constr type="h" for="ch" ptType="node" refType="h"/>
+        <dgm:constr type="w" for="ch" ptType="node" op="equ"/>
+        <dgm:constr type="w" for="ch" forName="sibTrans" refType="w" fact="0.05"/>
+        <dgm:constr type="primFontSz" for="ch" ptType="node" op="equ" val="65"/>
+      </dgm:constrLst>
+      <dgm:ruleLst/>
+      <dgm:forEach name="Name6" axis="ch" ptType="node">
+        <dgm:layoutNode name="textNode" styleLbl="node1">
+          <dgm:varLst>
+            <dgm:bulletEnabled val="1"/>
+          </dgm:varLst>
+          <dgm:alg type="tx"/>
+          <dgm:shape xmlns:r="http://schemas.openxmlformats.org/officeDocument/2006/relationships" type="roundRect" r:blip="">
+            <dgm:adjLst/>
+          </dgm:shape>
+          <dgm:presOf axis="desOrSelf" ptType="node"/>
+          <dgm:constrLst>
+            <dgm:constr type="userA"/>
+            <dgm:constr type="w" refType="userA" fact="0.3"/>
+            <dgm:constr type="tMarg" refType="primFontSz" fact="0.3"/>
+            <dgm:constr type="bMarg" refType="primFontSz" fact="0.3"/>
+            <dgm:constr type="lMarg" refType="primFontSz" fact="0.3"/>
+            <dgm:constr type="rMarg" refType="primFontSz" fact="0.3"/>
+          </dgm:constrLst>
+          <dgm:ruleLst>
+            <dgm:rule type="w" val="NaN" fact="1" max="NaN"/>
+            <dgm:rule type="primFontSz" val="5" fact="NaN" max="NaN"/>
+          </dgm:ruleLst>
+        </dgm:layoutNode>
+        <dgm:forEach name="Name7" axis="followSib" ptType="sibTrans" cnt="1">
+          <dgm:layoutNode name="sibTrans">
+            <dgm:alg type="sp"/>
+            <dgm:shape xmlns:r="http://schemas.openxmlformats.org/officeDocument/2006/relationships" r:blip="">
+              <dgm:adjLst/>
+            </dgm:shape>
+            <dgm:presOf/>
+            <dgm:constrLst/>
+            <dgm:ruleLst/>
+          </dgm:layoutNode>
+        </dgm:forEach>
+      </dgm:forEach>
+    </dgm:layoutNode>
+  </dgm:layoutNode>
+</dgm:layoutDef>
+</file>
+
 <file path=ppt/diagrams/quickStyle1.xml><?xml version="1.0" encoding="utf-8"?>
 <dgm:styleDef xmlns:dgm="http://schemas.openxmlformats.org/drawingml/2006/diagram" xmlns:a="http://schemas.openxmlformats.org/drawingml/2006/main" uniqueId="urn:microsoft.com/office/officeart/2005/8/quickstyle/3D2">
   <dgm:title val=""/>
@@ -7137,6 +8753,1040 @@
 </file>
 
 <file path=ppt/diagrams/quickStyle2.xml><?xml version="1.0" encoding="utf-8"?>
+<dgm:styleDef xmlns:dgm="http://schemas.openxmlformats.org/drawingml/2006/diagram" xmlns:a="http://schemas.openxmlformats.org/drawingml/2006/main" uniqueId="urn:microsoft.com/office/officeart/2005/8/quickstyle/simple4">
+  <dgm:title val=""/>
+  <dgm:desc val=""/>
+  <dgm:catLst>
+    <dgm:cat type="simple" pri="10400"/>
+  </dgm:catLst>
+  <dgm:scene3d>
+    <a:camera prst="orthographicFront"/>
+    <a:lightRig rig="threePt" dir="t"/>
+  </dgm:scene3d>
+  <dgm:styleLbl name="node0">
+    <dgm:scene3d>
+      <a:camera prst="orthographicFront"/>
+      <a:lightRig rig="threePt" dir="t"/>
+    </dgm:scene3d>
+    <dgm:sp3d/>
+    <dgm:txPr/>
+    <dgm:style>
+      <a:lnRef idx="0">
+        <a:scrgbClr r="0" g="0" b="0"/>
+      </a:lnRef>
+      <a:fillRef idx="3">
+        <a:scrgbClr r="0" g="0" b="0"/>
+      </a:fillRef>
+      <a:effectRef idx="2">
+        <a:scrgbClr r="0" g="0" b="0"/>
+      </a:effectRef>
+      <a:fontRef idx="minor">
+        <a:schemeClr val="lt1"/>
+      </a:fontRef>
+    </dgm:style>
+  </dgm:styleLbl>
+  <dgm:styleLbl name="lnNode1">
+    <dgm:scene3d>
+      <a:camera prst="orthographicFront"/>
+      <a:lightRig rig="threePt" dir="t"/>
+    </dgm:scene3d>
+    <dgm:sp3d/>
+    <dgm:txPr/>
+    <dgm:style>
+      <a:lnRef idx="1">
+        <a:scrgbClr r="0" g="0" b="0"/>
+      </a:lnRef>
+      <a:fillRef idx="3">
+        <a:scrgbClr r="0" g="0" b="0"/>
+      </a:fillRef>
+      <a:effectRef idx="2">
+        <a:scrgbClr r="0" g="0" b="0"/>
+      </a:effectRef>
+      <a:fontRef idx="minor">
+        <a:schemeClr val="lt1"/>
+      </a:fontRef>
+    </dgm:style>
+  </dgm:styleLbl>
+  <dgm:styleLbl name="vennNode1">
+    <dgm:scene3d>
+      <a:camera prst="orthographicFront"/>
+      <a:lightRig rig="threePt" dir="t"/>
+    </dgm:scene3d>
+    <dgm:sp3d/>
+    <dgm:txPr/>
+    <dgm:style>
+      <a:lnRef idx="0">
+        <a:scrgbClr r="0" g="0" b="0"/>
+      </a:lnRef>
+      <a:fillRef idx="3">
+        <a:scrgbClr r="0" g="0" b="0"/>
+      </a:fillRef>
+      <a:effectRef idx="0">
+        <a:scrgbClr r="0" g="0" b="0"/>
+      </a:effectRef>
+      <a:fontRef idx="minor">
+        <a:schemeClr val="tx1"/>
+      </a:fontRef>
+    </dgm:style>
+  </dgm:styleLbl>
+  <dgm:styleLbl name="alignNode1">
+    <dgm:scene3d>
+      <a:camera prst="orthographicFront"/>
+      <a:lightRig rig="threePt" dir="t"/>
+    </dgm:scene3d>
+    <dgm:sp3d/>
+    <dgm:txPr/>
+    <dgm:style>
+      <a:lnRef idx="1">
+        <a:scrgbClr r="0" g="0" b="0"/>
+      </a:lnRef>
+      <a:fillRef idx="3">
+        <a:scrgbClr r="0" g="0" b="0"/>
+      </a:fillRef>
+      <a:effectRef idx="2">
+        <a:scrgbClr r="0" g="0" b="0"/>
+      </a:effectRef>
+      <a:fontRef idx="minor">
+        <a:schemeClr val="lt1"/>
+      </a:fontRef>
+    </dgm:style>
+  </dgm:styleLbl>
+  <dgm:styleLbl name="node1">
+    <dgm:scene3d>
+      <a:camera prst="orthographicFront"/>
+      <a:lightRig rig="threePt" dir="t"/>
+    </dgm:scene3d>
+    <dgm:sp3d/>
+    <dgm:txPr/>
+    <dgm:style>
+      <a:lnRef idx="0">
+        <a:scrgbClr r="0" g="0" b="0"/>
+      </a:lnRef>
+      <a:fillRef idx="3">
+        <a:scrgbClr r="0" g="0" b="0"/>
+      </a:fillRef>
+      <a:effectRef idx="2">
+        <a:scrgbClr r="0" g="0" b="0"/>
+      </a:effectRef>
+      <a:fontRef idx="minor">
+        <a:schemeClr val="lt1"/>
+      </a:fontRef>
+    </dgm:style>
+  </dgm:styleLbl>
+  <dgm:styleLbl name="node2">
+    <dgm:scene3d>
+      <a:camera prst="orthographicFront"/>
+      <a:lightRig rig="threePt" dir="t"/>
+    </dgm:scene3d>
+    <dgm:sp3d/>
+    <dgm:txPr/>
+    <dgm:style>
+      <a:lnRef idx="0">
+        <a:scrgbClr r="0" g="0" b="0"/>
+      </a:lnRef>
+      <a:fillRef idx="3">
+        <a:scrgbClr r="0" g="0" b="0"/>
+      </a:fillRef>
+      <a:effectRef idx="2">
+        <a:scrgbClr r="0" g="0" b="0"/>
+      </a:effectRef>
+      <a:fontRef idx="minor">
+        <a:schemeClr val="lt1"/>
+      </a:fontRef>
+    </dgm:style>
+  </dgm:styleLbl>
+  <dgm:styleLbl name="node3">
+    <dgm:scene3d>
+      <a:camera prst="orthographicFront"/>
+      <a:lightRig rig="threePt" dir="t"/>
+    </dgm:scene3d>
+    <dgm:sp3d/>
+    <dgm:txPr/>
+    <dgm:style>
+      <a:lnRef idx="0">
+        <a:scrgbClr r="0" g="0" b="0"/>
+      </a:lnRef>
+      <a:fillRef idx="3">
+        <a:scrgbClr r="0" g="0" b="0"/>
+      </a:fillRef>
+      <a:effectRef idx="2">
+        <a:scrgbClr r="0" g="0" b="0"/>
+      </a:effectRef>
+      <a:fontRef idx="minor">
+        <a:schemeClr val="lt1"/>
+      </a:fontRef>
+    </dgm:style>
+  </dgm:styleLbl>
+  <dgm:styleLbl name="node4">
+    <dgm:scene3d>
+      <a:camera prst="orthographicFront"/>
+      <a:lightRig rig="threePt" dir="t"/>
+    </dgm:scene3d>
+    <dgm:sp3d/>
+    <dgm:txPr/>
+    <dgm:style>
+      <a:lnRef idx="0">
+        <a:scrgbClr r="0" g="0" b="0"/>
+      </a:lnRef>
+      <a:fillRef idx="3">
+        <a:scrgbClr r="0" g="0" b="0"/>
+      </a:fillRef>
+      <a:effectRef idx="2">
+        <a:scrgbClr r="0" g="0" b="0"/>
+      </a:effectRef>
+      <a:fontRef idx="minor">
+        <a:schemeClr val="lt1"/>
+      </a:fontRef>
+    </dgm:style>
+  </dgm:styleLbl>
+  <dgm:styleLbl name="fgImgPlace1">
+    <dgm:scene3d>
+      <a:camera prst="orthographicFront"/>
+      <a:lightRig rig="threePt" dir="t"/>
+    </dgm:scene3d>
+    <dgm:sp3d/>
+    <dgm:txPr/>
+    <dgm:style>
+      <a:lnRef idx="0">
+        <a:scrgbClr r="0" g="0" b="0"/>
+      </a:lnRef>
+      <a:fillRef idx="1">
+        <a:scrgbClr r="0" g="0" b="0"/>
+      </a:fillRef>
+      <a:effectRef idx="2">
+        <a:scrgbClr r="0" g="0" b="0"/>
+      </a:effectRef>
+      <a:fontRef idx="minor"/>
+    </dgm:style>
+  </dgm:styleLbl>
+  <dgm:styleLbl name="alignImgPlace1">
+    <dgm:scene3d>
+      <a:camera prst="orthographicFront"/>
+      <a:lightRig rig="threePt" dir="t"/>
+    </dgm:scene3d>
+    <dgm:sp3d/>
+    <dgm:txPr/>
+    <dgm:style>
+      <a:lnRef idx="0">
+        <a:scrgbClr r="0" g="0" b="0"/>
+      </a:lnRef>
+      <a:fillRef idx="1">
+        <a:scrgbClr r="0" g="0" b="0"/>
+      </a:fillRef>
+      <a:effectRef idx="2">
+        <a:scrgbClr r="0" g="0" b="0"/>
+      </a:effectRef>
+      <a:fontRef idx="minor"/>
+    </dgm:style>
+  </dgm:styleLbl>
+  <dgm:styleLbl name="bgImgPlace1">
+    <dgm:scene3d>
+      <a:camera prst="orthographicFront"/>
+      <a:lightRig rig="threePt" dir="t"/>
+    </dgm:scene3d>
+    <dgm:sp3d/>
+    <dgm:txPr/>
+    <dgm:style>
+      <a:lnRef idx="0">
+        <a:scrgbClr r="0" g="0" b="0"/>
+      </a:lnRef>
+      <a:fillRef idx="1">
+        <a:scrgbClr r="0" g="0" b="0"/>
+      </a:fillRef>
+      <a:effectRef idx="2">
+        <a:scrgbClr r="0" g="0" b="0"/>
+      </a:effectRef>
+      <a:fontRef idx="minor"/>
+    </dgm:style>
+  </dgm:styleLbl>
+  <dgm:styleLbl name="sibTrans2D1">
+    <dgm:scene3d>
+      <a:camera prst="orthographicFront"/>
+      <a:lightRig rig="threePt" dir="t"/>
+    </dgm:scene3d>
+    <dgm:sp3d/>
+    <dgm:txPr/>
+    <dgm:style>
+      <a:lnRef idx="0">
+        <a:scrgbClr r="0" g="0" b="0"/>
+      </a:lnRef>
+      <a:fillRef idx="3">
+        <a:scrgbClr r="0" g="0" b="0"/>
+      </a:fillRef>
+      <a:effectRef idx="2">
+        <a:scrgbClr r="0" g="0" b="0"/>
+      </a:effectRef>
+      <a:fontRef idx="minor">
+        <a:schemeClr val="lt1"/>
+      </a:fontRef>
+    </dgm:style>
+  </dgm:styleLbl>
+  <dgm:styleLbl name="fgSibTrans2D1">
+    <dgm:scene3d>
+      <a:camera prst="orthographicFront"/>
+      <a:lightRig rig="threePt" dir="t"/>
+    </dgm:scene3d>
+    <dgm:sp3d/>
+    <dgm:txPr/>
+    <dgm:style>
+      <a:lnRef idx="0">
+        <a:scrgbClr r="0" g="0" b="0"/>
+      </a:lnRef>
+      <a:fillRef idx="3">
+        <a:scrgbClr r="0" g="0" b="0"/>
+      </a:fillRef>
+      <a:effectRef idx="2">
+        <a:scrgbClr r="0" g="0" b="0"/>
+      </a:effectRef>
+      <a:fontRef idx="minor">
+        <a:schemeClr val="lt1"/>
+      </a:fontRef>
+    </dgm:style>
+  </dgm:styleLbl>
+  <dgm:styleLbl name="bgSibTrans2D1">
+    <dgm:scene3d>
+      <a:camera prst="orthographicFront"/>
+      <a:lightRig rig="threePt" dir="t"/>
+    </dgm:scene3d>
+    <dgm:sp3d/>
+    <dgm:txPr/>
+    <dgm:style>
+      <a:lnRef idx="0">
+        <a:scrgbClr r="0" g="0" b="0"/>
+      </a:lnRef>
+      <a:fillRef idx="3">
+        <a:scrgbClr r="0" g="0" b="0"/>
+      </a:fillRef>
+      <a:effectRef idx="2">
+        <a:scrgbClr r="0" g="0" b="0"/>
+      </a:effectRef>
+      <a:fontRef idx="minor">
+        <a:schemeClr val="lt1"/>
+      </a:fontRef>
+    </dgm:style>
+  </dgm:styleLbl>
+  <dgm:styleLbl name="sibTrans1D1">
+    <dgm:scene3d>
+      <a:camera prst="orthographicFront"/>
+      <a:lightRig rig="threePt" dir="t"/>
+    </dgm:scene3d>
+    <dgm:sp3d/>
+    <dgm:txPr/>
+    <dgm:style>
+      <a:lnRef idx="1">
+        <a:scrgbClr r="0" g="0" b="0"/>
+      </a:lnRef>
+      <a:fillRef idx="0">
+        <a:scrgbClr r="0" g="0" b="0"/>
+      </a:fillRef>
+      <a:effectRef idx="0">
+        <a:scrgbClr r="0" g="0" b="0"/>
+      </a:effectRef>
+      <a:fontRef idx="minor"/>
+    </dgm:style>
+  </dgm:styleLbl>
+  <dgm:styleLbl name="callout">
+    <dgm:scene3d>
+      <a:camera prst="orthographicFront"/>
+      <a:lightRig rig="threePt" dir="t"/>
+    </dgm:scene3d>
+    <dgm:sp3d/>
+    <dgm:txPr/>
+    <dgm:style>
+      <a:lnRef idx="2">
+        <a:scrgbClr r="0" g="0" b="0"/>
+      </a:lnRef>
+      <a:fillRef idx="1">
+        <a:scrgbClr r="0" g="0" b="0"/>
+      </a:fillRef>
+      <a:effectRef idx="1">
+        <a:scrgbClr r="0" g="0" b="0"/>
+      </a:effectRef>
+      <a:fontRef idx="minor"/>
+    </dgm:style>
+  </dgm:styleLbl>
+  <dgm:styleLbl name="asst0">
+    <dgm:scene3d>
+      <a:camera prst="orthographicFront"/>
+      <a:lightRig rig="threePt" dir="t"/>
+    </dgm:scene3d>
+    <dgm:sp3d/>
+    <dgm:txPr/>
+    <dgm:style>
+      <a:lnRef idx="0">
+        <a:scrgbClr r="0" g="0" b="0"/>
+      </a:lnRef>
+      <a:fillRef idx="3">
+        <a:scrgbClr r="0" g="0" b="0"/>
+      </a:fillRef>
+      <a:effectRef idx="2">
+        <a:scrgbClr r="0" g="0" b="0"/>
+      </a:effectRef>
+      <a:fontRef idx="minor">
+        <a:schemeClr val="lt1"/>
+      </a:fontRef>
+    </dgm:style>
+  </dgm:styleLbl>
+  <dgm:styleLbl name="asst1">
+    <dgm:scene3d>
+      <a:camera prst="orthographicFront"/>
+      <a:lightRig rig="threePt" dir="t"/>
+    </dgm:scene3d>
+    <dgm:sp3d/>
+    <dgm:txPr/>
+    <dgm:style>
+      <a:lnRef idx="0">
+        <a:scrgbClr r="0" g="0" b="0"/>
+      </a:lnRef>
+      <a:fillRef idx="3">
+        <a:scrgbClr r="0" g="0" b="0"/>
+      </a:fillRef>
+      <a:effectRef idx="2">
+        <a:scrgbClr r="0" g="0" b="0"/>
+      </a:effectRef>
+      <a:fontRef idx="minor">
+        <a:schemeClr val="lt1"/>
+      </a:fontRef>
+    </dgm:style>
+  </dgm:styleLbl>
+  <dgm:styleLbl name="asst2">
+    <dgm:scene3d>
+      <a:camera prst="orthographicFront"/>
+      <a:lightRig rig="threePt" dir="t"/>
+    </dgm:scene3d>
+    <dgm:sp3d/>
+    <dgm:txPr/>
+    <dgm:style>
+      <a:lnRef idx="0">
+        <a:scrgbClr r="0" g="0" b="0"/>
+      </a:lnRef>
+      <a:fillRef idx="3">
+        <a:scrgbClr r="0" g="0" b="0"/>
+      </a:fillRef>
+      <a:effectRef idx="2">
+        <a:scrgbClr r="0" g="0" b="0"/>
+      </a:effectRef>
+      <a:fontRef idx="minor">
+        <a:schemeClr val="lt1"/>
+      </a:fontRef>
+    </dgm:style>
+  </dgm:styleLbl>
+  <dgm:styleLbl name="asst3">
+    <dgm:scene3d>
+      <a:camera prst="orthographicFront"/>
+      <a:lightRig rig="threePt" dir="t"/>
+    </dgm:scene3d>
+    <dgm:sp3d/>
+    <dgm:txPr/>
+    <dgm:style>
+      <a:lnRef idx="0">
+        <a:scrgbClr r="0" g="0" b="0"/>
+      </a:lnRef>
+      <a:fillRef idx="3">
+        <a:scrgbClr r="0" g="0" b="0"/>
+      </a:fillRef>
+      <a:effectRef idx="2">
+        <a:scrgbClr r="0" g="0" b="0"/>
+      </a:effectRef>
+      <a:fontRef idx="minor">
+        <a:schemeClr val="lt1"/>
+      </a:fontRef>
+    </dgm:style>
+  </dgm:styleLbl>
+  <dgm:styleLbl name="asst4">
+    <dgm:scene3d>
+      <a:camera prst="orthographicFront"/>
+      <a:lightRig rig="threePt" dir="t"/>
+    </dgm:scene3d>
+    <dgm:sp3d/>
+    <dgm:txPr/>
+    <dgm:style>
+      <a:lnRef idx="0">
+        <a:scrgbClr r="0" g="0" b="0"/>
+      </a:lnRef>
+      <a:fillRef idx="3">
+        <a:scrgbClr r="0" g="0" b="0"/>
+      </a:fillRef>
+      <a:effectRef idx="2">
+        <a:scrgbClr r="0" g="0" b="0"/>
+      </a:effectRef>
+      <a:fontRef idx="minor">
+        <a:schemeClr val="lt1"/>
+      </a:fontRef>
+    </dgm:style>
+  </dgm:styleLbl>
+  <dgm:styleLbl name="parChTrans2D1">
+    <dgm:scene3d>
+      <a:camera prst="orthographicFront"/>
+      <a:lightRig rig="threePt" dir="t"/>
+    </dgm:scene3d>
+    <dgm:sp3d/>
+    <dgm:txPr/>
+    <dgm:style>
+      <a:lnRef idx="0">
+        <a:scrgbClr r="0" g="0" b="0"/>
+      </a:lnRef>
+      <a:fillRef idx="3">
+        <a:scrgbClr r="0" g="0" b="0"/>
+      </a:fillRef>
+      <a:effectRef idx="2">
+        <a:scrgbClr r="0" g="0" b="0"/>
+      </a:effectRef>
+      <a:fontRef idx="minor">
+        <a:schemeClr val="lt1"/>
+      </a:fontRef>
+    </dgm:style>
+  </dgm:styleLbl>
+  <dgm:styleLbl name="parChTrans2D2">
+    <dgm:scene3d>
+      <a:camera prst="orthographicFront"/>
+      <a:lightRig rig="threePt" dir="t"/>
+    </dgm:scene3d>
+    <dgm:sp3d/>
+    <dgm:txPr/>
+    <dgm:style>
+      <a:lnRef idx="0">
+        <a:scrgbClr r="0" g="0" b="0"/>
+      </a:lnRef>
+      <a:fillRef idx="3">
+        <a:scrgbClr r="0" g="0" b="0"/>
+      </a:fillRef>
+      <a:effectRef idx="2">
+        <a:scrgbClr r="0" g="0" b="0"/>
+      </a:effectRef>
+      <a:fontRef idx="minor">
+        <a:schemeClr val="lt1"/>
+      </a:fontRef>
+    </dgm:style>
+  </dgm:styleLbl>
+  <dgm:styleLbl name="parChTrans2D3">
+    <dgm:scene3d>
+      <a:camera prst="orthographicFront"/>
+      <a:lightRig rig="threePt" dir="t"/>
+    </dgm:scene3d>
+    <dgm:sp3d/>
+    <dgm:txPr/>
+    <dgm:style>
+      <a:lnRef idx="1">
+        <a:scrgbClr r="0" g="0" b="0"/>
+      </a:lnRef>
+      <a:fillRef idx="3">
+        <a:scrgbClr r="0" g="0" b="0"/>
+      </a:fillRef>
+      <a:effectRef idx="2">
+        <a:scrgbClr r="0" g="0" b="0"/>
+      </a:effectRef>
+      <a:fontRef idx="minor">
+        <a:schemeClr val="lt1"/>
+      </a:fontRef>
+    </dgm:style>
+  </dgm:styleLbl>
+  <dgm:styleLbl name="parChTrans2D4">
+    <dgm:scene3d>
+      <a:camera prst="orthographicFront"/>
+      <a:lightRig rig="threePt" dir="t"/>
+    </dgm:scene3d>
+    <dgm:sp3d/>
+    <dgm:txPr/>
+    <dgm:style>
+      <a:lnRef idx="1">
+        <a:scrgbClr r="0" g="0" b="0"/>
+      </a:lnRef>
+      <a:fillRef idx="3">
+        <a:scrgbClr r="0" g="0" b="0"/>
+      </a:fillRef>
+      <a:effectRef idx="2">
+        <a:scrgbClr r="0" g="0" b="0"/>
+      </a:effectRef>
+      <a:fontRef idx="minor">
+        <a:schemeClr val="lt1"/>
+      </a:fontRef>
+    </dgm:style>
+  </dgm:styleLbl>
+  <dgm:styleLbl name="parChTrans1D1">
+    <dgm:scene3d>
+      <a:camera prst="orthographicFront"/>
+      <a:lightRig rig="threePt" dir="t"/>
+    </dgm:scene3d>
+    <dgm:sp3d/>
+    <dgm:txPr/>
+    <dgm:style>
+      <a:lnRef idx="1">
+        <a:scrgbClr r="0" g="0" b="0"/>
+      </a:lnRef>
+      <a:fillRef idx="0">
+        <a:scrgbClr r="0" g="0" b="0"/>
+      </a:fillRef>
+      <a:effectRef idx="0">
+        <a:scrgbClr r="0" g="0" b="0"/>
+      </a:effectRef>
+      <a:fontRef idx="minor"/>
+    </dgm:style>
+  </dgm:styleLbl>
+  <dgm:styleLbl name="parChTrans1D2">
+    <dgm:scene3d>
+      <a:camera prst="orthographicFront"/>
+      <a:lightRig rig="threePt" dir="t"/>
+    </dgm:scene3d>
+    <dgm:sp3d/>
+    <dgm:txPr/>
+    <dgm:style>
+      <a:lnRef idx="1">
+        <a:scrgbClr r="0" g="0" b="0"/>
+      </a:lnRef>
+      <a:fillRef idx="0">
+        <a:scrgbClr r="0" g="0" b="0"/>
+      </a:fillRef>
+      <a:effectRef idx="0">
+        <a:scrgbClr r="0" g="0" b="0"/>
+      </a:effectRef>
+      <a:fontRef idx="minor"/>
+    </dgm:style>
+  </dgm:styleLbl>
+  <dgm:styleLbl name="parChTrans1D3">
+    <dgm:scene3d>
+      <a:camera prst="orthographicFront"/>
+      <a:lightRig rig="threePt" dir="t"/>
+    </dgm:scene3d>
+    <dgm:sp3d/>
+    <dgm:txPr/>
+    <dgm:style>
+      <a:lnRef idx="1">
+        <a:scrgbClr r="0" g="0" b="0"/>
+      </a:lnRef>
+      <a:fillRef idx="0">
+        <a:scrgbClr r="0" g="0" b="0"/>
+      </a:fillRef>
+      <a:effectRef idx="0">
+        <a:scrgbClr r="0" g="0" b="0"/>
+      </a:effectRef>
+      <a:fontRef idx="minor"/>
+    </dgm:style>
+  </dgm:styleLbl>
+  <dgm:styleLbl name="parChTrans1D4">
+    <dgm:scene3d>
+      <a:camera prst="orthographicFront"/>
+      <a:lightRig rig="threePt" dir="t"/>
+    </dgm:scene3d>
+    <dgm:sp3d/>
+    <dgm:txPr/>
+    <dgm:style>
+      <a:lnRef idx="1">
+        <a:scrgbClr r="0" g="0" b="0"/>
+      </a:lnRef>
+      <a:fillRef idx="0">
+        <a:scrgbClr r="0" g="0" b="0"/>
+      </a:fillRef>
+      <a:effectRef idx="0">
+        <a:scrgbClr r="0" g="0" b="0"/>
+      </a:effectRef>
+      <a:fontRef idx="minor"/>
+    </dgm:style>
+  </dgm:styleLbl>
+  <dgm:styleLbl name="fgAcc1">
+    <dgm:scene3d>
+      <a:camera prst="orthographicFront"/>
+      <a:lightRig rig="threePt" dir="t"/>
+    </dgm:scene3d>
+    <dgm:sp3d/>
+    <dgm:txPr/>
+    <dgm:style>
+      <a:lnRef idx="1">
+        <a:scrgbClr r="0" g="0" b="0"/>
+      </a:lnRef>
+      <a:fillRef idx="1">
+        <a:scrgbClr r="0" g="0" b="0"/>
+      </a:fillRef>
+      <a:effectRef idx="0">
+        <a:scrgbClr r="0" g="0" b="0"/>
+      </a:effectRef>
+      <a:fontRef idx="minor"/>
+    </dgm:style>
+  </dgm:styleLbl>
+  <dgm:styleLbl name="conFgAcc1">
+    <dgm:scene3d>
+      <a:camera prst="orthographicFront"/>
+      <a:lightRig rig="threePt" dir="t"/>
+    </dgm:scene3d>
+    <dgm:sp3d/>
+    <dgm:txPr/>
+    <dgm:style>
+      <a:lnRef idx="1">
+        <a:scrgbClr r="0" g="0" b="0"/>
+      </a:lnRef>
+      <a:fillRef idx="1">
+        <a:scrgbClr r="0" g="0" b="0"/>
+      </a:fillRef>
+      <a:effectRef idx="0">
+        <a:scrgbClr r="0" g="0" b="0"/>
+      </a:effectRef>
+      <a:fontRef idx="minor"/>
+    </dgm:style>
+  </dgm:styleLbl>
+  <dgm:styleLbl name="alignAcc1">
+    <dgm:scene3d>
+      <a:camera prst="orthographicFront"/>
+      <a:lightRig rig="threePt" dir="t"/>
+    </dgm:scene3d>
+    <dgm:sp3d/>
+    <dgm:txPr/>
+    <dgm:style>
+      <a:lnRef idx="1">
+        <a:scrgbClr r="0" g="0" b="0"/>
+      </a:lnRef>
+      <a:fillRef idx="1">
+        <a:scrgbClr r="0" g="0" b="0"/>
+      </a:fillRef>
+      <a:effectRef idx="0">
+        <a:scrgbClr r="0" g="0" b="0"/>
+      </a:effectRef>
+      <a:fontRef idx="minor"/>
+    </dgm:style>
+  </dgm:styleLbl>
+  <dgm:styleLbl name="trAlignAcc1">
+    <dgm:scene3d>
+      <a:camera prst="orthographicFront"/>
+      <a:lightRig rig="threePt" dir="t"/>
+    </dgm:scene3d>
+    <dgm:sp3d/>
+    <dgm:txPr/>
+    <dgm:style>
+      <a:lnRef idx="1">
+        <a:scrgbClr r="0" g="0" b="0"/>
+      </a:lnRef>
+      <a:fillRef idx="1">
+        <a:scrgbClr r="0" g="0" b="0"/>
+      </a:fillRef>
+      <a:effectRef idx="0">
+        <a:scrgbClr r="0" g="0" b="0"/>
+      </a:effectRef>
+      <a:fontRef idx="minor"/>
+    </dgm:style>
+  </dgm:styleLbl>
+  <dgm:styleLbl name="bgAcc1">
+    <dgm:scene3d>
+      <a:camera prst="orthographicFront"/>
+      <a:lightRig rig="threePt" dir="t"/>
+    </dgm:scene3d>
+    <dgm:sp3d/>
+    <dgm:txPr/>
+    <dgm:style>
+      <a:lnRef idx="1">
+        <a:scrgbClr r="0" g="0" b="0"/>
+      </a:lnRef>
+      <a:fillRef idx="1">
+        <a:scrgbClr r="0" g="0" b="0"/>
+      </a:fillRef>
+      <a:effectRef idx="0">
+        <a:scrgbClr r="0" g="0" b="0"/>
+      </a:effectRef>
+      <a:fontRef idx="minor"/>
+    </dgm:style>
+  </dgm:styleLbl>
+  <dgm:styleLbl name="solidFgAcc1">
+    <dgm:scene3d>
+      <a:camera prst="orthographicFront"/>
+      <a:lightRig rig="threePt" dir="t"/>
+    </dgm:scene3d>
+    <dgm:sp3d/>
+    <dgm:txPr/>
+    <dgm:style>
+      <a:lnRef idx="1">
+        <a:scrgbClr r="0" g="0" b="0"/>
+      </a:lnRef>
+      <a:fillRef idx="1">
+        <a:scrgbClr r="0" g="0" b="0"/>
+      </a:fillRef>
+      <a:effectRef idx="0">
+        <a:scrgbClr r="0" g="0" b="0"/>
+      </a:effectRef>
+      <a:fontRef idx="minor"/>
+    </dgm:style>
+  </dgm:styleLbl>
+  <dgm:styleLbl name="solidAlignAcc1">
+    <dgm:scene3d>
+      <a:camera prst="orthographicFront"/>
+      <a:lightRig rig="threePt" dir="t"/>
+    </dgm:scene3d>
+    <dgm:sp3d/>
+    <dgm:txPr/>
+    <dgm:style>
+      <a:lnRef idx="1">
+        <a:scrgbClr r="0" g="0" b="0"/>
+      </a:lnRef>
+      <a:fillRef idx="1">
+        <a:scrgbClr r="0" g="0" b="0"/>
+      </a:fillRef>
+      <a:effectRef idx="0">
+        <a:scrgbClr r="0" g="0" b="0"/>
+      </a:effectRef>
+      <a:fontRef idx="minor"/>
+    </dgm:style>
+  </dgm:styleLbl>
+  <dgm:styleLbl name="solidBgAcc1">
+    <dgm:scene3d>
+      <a:camera prst="orthographicFront"/>
+      <a:lightRig rig="threePt" dir="t"/>
+    </dgm:scene3d>
+    <dgm:sp3d/>
+    <dgm:txPr/>
+    <dgm:style>
+      <a:lnRef idx="1">
+        <a:scrgbClr r="0" g="0" b="0"/>
+      </a:lnRef>
+      <a:fillRef idx="1">
+        <a:scrgbClr r="0" g="0" b="0"/>
+      </a:fillRef>
+      <a:effectRef idx="0">
+        <a:scrgbClr r="0" g="0" b="0"/>
+      </a:effectRef>
+      <a:fontRef idx="minor"/>
+    </dgm:style>
+  </dgm:styleLbl>
+  <dgm:styleLbl name="fgAccFollowNode1">
+    <dgm:scene3d>
+      <a:camera prst="orthographicFront"/>
+      <a:lightRig rig="threePt" dir="t"/>
+    </dgm:scene3d>
+    <dgm:sp3d/>
+    <dgm:txPr/>
+    <dgm:style>
+      <a:lnRef idx="1">
+        <a:scrgbClr r="0" g="0" b="0"/>
+      </a:lnRef>
+      <a:fillRef idx="1">
+        <a:scrgbClr r="0" g="0" b="0"/>
+      </a:fillRef>
+      <a:effectRef idx="0">
+        <a:scrgbClr r="0" g="0" b="0"/>
+      </a:effectRef>
+      <a:fontRef idx="minor"/>
+    </dgm:style>
+  </dgm:styleLbl>
+  <dgm:styleLbl name="alignAccFollowNode1">
+    <dgm:scene3d>
+      <a:camera prst="orthographicFront"/>
+      <a:lightRig rig="threePt" dir="t"/>
+    </dgm:scene3d>
+    <dgm:sp3d/>
+    <dgm:txPr/>
+    <dgm:style>
+      <a:lnRef idx="1">
+        <a:scrgbClr r="0" g="0" b="0"/>
+      </a:lnRef>
+      <a:fillRef idx="1">
+        <a:scrgbClr r="0" g="0" b="0"/>
+      </a:fillRef>
+      <a:effectRef idx="0">
+        <a:scrgbClr r="0" g="0" b="0"/>
+      </a:effectRef>
+      <a:fontRef idx="minor"/>
+    </dgm:style>
+  </dgm:styleLbl>
+  <dgm:styleLbl name="bgAccFollowNode1">
+    <dgm:scene3d>
+      <a:camera prst="orthographicFront"/>
+      <a:lightRig rig="threePt" dir="t"/>
+    </dgm:scene3d>
+    <dgm:sp3d/>
+    <dgm:txPr/>
+    <dgm:style>
+      <a:lnRef idx="1">
+        <a:scrgbClr r="0" g="0" b="0"/>
+      </a:lnRef>
+      <a:fillRef idx="1">
+        <a:scrgbClr r="0" g="0" b="0"/>
+      </a:fillRef>
+      <a:effectRef idx="0">
+        <a:scrgbClr r="0" g="0" b="0"/>
+      </a:effectRef>
+      <a:fontRef idx="minor"/>
+    </dgm:style>
+  </dgm:styleLbl>
+  <dgm:styleLbl name="fgAcc0">
+    <dgm:scene3d>
+      <a:camera prst="orthographicFront"/>
+      <a:lightRig rig="threePt" dir="t"/>
+    </dgm:scene3d>
+    <dgm:sp3d/>
+    <dgm:txPr/>
+    <dgm:style>
+      <a:lnRef idx="1">
+        <a:scrgbClr r="0" g="0" b="0"/>
+      </a:lnRef>
+      <a:fillRef idx="1">
+        <a:scrgbClr r="0" g="0" b="0"/>
+      </a:fillRef>
+      <a:effectRef idx="0">
+        <a:scrgbClr r="0" g="0" b="0"/>
+      </a:effectRef>
+      <a:fontRef idx="minor"/>
+    </dgm:style>
+  </dgm:styleLbl>
+  <dgm:styleLbl name="fgAcc2">
+    <dgm:scene3d>
+      <a:camera prst="orthographicFront"/>
+      <a:lightRig rig="threePt" dir="t"/>
+    </dgm:scene3d>
+    <dgm:sp3d/>
+    <dgm:txPr/>
+    <dgm:style>
+      <a:lnRef idx="1">
+        <a:scrgbClr r="0" g="0" b="0"/>
+      </a:lnRef>
+      <a:fillRef idx="1">
+        <a:scrgbClr r="0" g="0" b="0"/>
+      </a:fillRef>
+      <a:effectRef idx="0">
+        <a:scrgbClr r="0" g="0" b="0"/>
+      </a:effectRef>
+      <a:fontRef idx="minor"/>
+    </dgm:style>
+  </dgm:styleLbl>
+  <dgm:styleLbl name="fgAcc3">
+    <dgm:scene3d>
+      <a:camera prst="orthographicFront"/>
+      <a:lightRig rig="threePt" dir="t"/>
+    </dgm:scene3d>
+    <dgm:sp3d/>
+    <dgm:txPr/>
+    <dgm:style>
+      <a:lnRef idx="1">
+        <a:scrgbClr r="0" g="0" b="0"/>
+      </a:lnRef>
+      <a:fillRef idx="1">
+        <a:scrgbClr r="0" g="0" b="0"/>
+      </a:fillRef>
+      <a:effectRef idx="0">
+        <a:scrgbClr r="0" g="0" b="0"/>
+      </a:effectRef>
+      <a:fontRef idx="minor"/>
+    </dgm:style>
+  </dgm:styleLbl>
+  <dgm:styleLbl name="fgAcc4">
+    <dgm:scene3d>
+      <a:camera prst="orthographicFront"/>
+      <a:lightRig rig="threePt" dir="t"/>
+    </dgm:scene3d>
+    <dgm:sp3d/>
+    <dgm:txPr/>
+    <dgm:style>
+      <a:lnRef idx="1">
+        <a:scrgbClr r="0" g="0" b="0"/>
+      </a:lnRef>
+      <a:fillRef idx="1">
+        <a:scrgbClr r="0" g="0" b="0"/>
+      </a:fillRef>
+      <a:effectRef idx="0">
+        <a:scrgbClr r="0" g="0" b="0"/>
+      </a:effectRef>
+      <a:fontRef idx="minor"/>
+    </dgm:style>
+  </dgm:styleLbl>
+  <dgm:styleLbl name="bgShp">
+    <dgm:scene3d>
+      <a:camera prst="orthographicFront"/>
+      <a:lightRig rig="threePt" dir="t"/>
+    </dgm:scene3d>
+    <dgm:sp3d/>
+    <dgm:txPr/>
+    <dgm:style>
+      <a:lnRef idx="0">
+        <a:scrgbClr r="0" g="0" b="0"/>
+      </a:lnRef>
+      <a:fillRef idx="1">
+        <a:scrgbClr r="0" g="0" b="0"/>
+      </a:fillRef>
+      <a:effectRef idx="2">
+        <a:scrgbClr r="0" g="0" b="0"/>
+      </a:effectRef>
+      <a:fontRef idx="minor"/>
+    </dgm:style>
+  </dgm:styleLbl>
+  <dgm:styleLbl name="dkBgShp">
+    <dgm:scene3d>
+      <a:camera prst="orthographicFront"/>
+      <a:lightRig rig="threePt" dir="t"/>
+    </dgm:scene3d>
+    <dgm:sp3d/>
+    <dgm:txPr/>
+    <dgm:style>
+      <a:lnRef idx="0">
+        <a:scrgbClr r="0" g="0" b="0"/>
+      </a:lnRef>
+      <a:fillRef idx="1">
+        <a:scrgbClr r="0" g="0" b="0"/>
+      </a:fillRef>
+      <a:effectRef idx="2">
+        <a:scrgbClr r="0" g="0" b="0"/>
+      </a:effectRef>
+      <a:fontRef idx="minor"/>
+    </dgm:style>
+  </dgm:styleLbl>
+  <dgm:styleLbl name="trBgShp">
+    <dgm:scene3d>
+      <a:camera prst="orthographicFront"/>
+      <a:lightRig rig="threePt" dir="t"/>
+    </dgm:scene3d>
+    <dgm:sp3d/>
+    <dgm:txPr/>
+    <dgm:style>
+      <a:lnRef idx="0">
+        <a:scrgbClr r="0" g="0" b="0"/>
+      </a:lnRef>
+      <a:fillRef idx="1">
+        <a:scrgbClr r="0" g="0" b="0"/>
+      </a:fillRef>
+      <a:effectRef idx="0">
+        <a:scrgbClr r="0" g="0" b="0"/>
+      </a:effectRef>
+      <a:fontRef idx="minor"/>
+    </dgm:style>
+  </dgm:styleLbl>
+  <dgm:styleLbl name="fgShp">
+    <dgm:scene3d>
+      <a:camera prst="orthographicFront"/>
+      <a:lightRig rig="threePt" dir="t"/>
+    </dgm:scene3d>
+    <dgm:sp3d/>
+    <dgm:txPr/>
+    <dgm:style>
+      <a:lnRef idx="0">
+        <a:scrgbClr r="0" g="0" b="0"/>
+      </a:lnRef>
+      <a:fillRef idx="3">
+        <a:scrgbClr r="0" g="0" b="0"/>
+      </a:fillRef>
+      <a:effectRef idx="2">
+        <a:scrgbClr r="0" g="0" b="0"/>
+      </a:effectRef>
+      <a:fontRef idx="minor"/>
+    </dgm:style>
+  </dgm:styleLbl>
+  <dgm:styleLbl name="revTx">
+    <dgm:scene3d>
+      <a:camera prst="orthographicFront"/>
+      <a:lightRig rig="threePt" dir="t"/>
+    </dgm:scene3d>
+    <dgm:sp3d/>
+    <dgm:txPr/>
+    <dgm:style>
+      <a:lnRef idx="0">
+        <a:scrgbClr r="0" g="0" b="0"/>
+      </a:lnRef>
+      <a:fillRef idx="0">
+        <a:scrgbClr r="0" g="0" b="0"/>
+      </a:fillRef>
+      <a:effectRef idx="0">
+        <a:scrgbClr r="0" g="0" b="0"/>
+      </a:effectRef>
+      <a:fontRef idx="minor"/>
+    </dgm:style>
+  </dgm:styleLbl>
+</dgm:styleDef>
+</file>
+
+<file path=ppt/diagrams/quickStyle3.xml><?xml version="1.0" encoding="utf-8"?>
 <dgm:styleDef xmlns:dgm="http://schemas.openxmlformats.org/drawingml/2006/diagram" xmlns:a="http://schemas.openxmlformats.org/drawingml/2006/main" uniqueId="urn:microsoft.com/office/officeart/2005/8/quickstyle/simple4">
   <dgm:title val=""/>
   <dgm:desc val=""/>
@@ -12357,14 +15007,14 @@
           <p:nvPr>
             <p:extLst>
               <p:ext uri="{D42A27DB-BD31-4B8C-83A1-F6EECF244321}">
-                <p14:modId xmlns:p14="http://schemas.microsoft.com/office/powerpoint/2010/main" val="3046216288"/>
+                <p14:modId xmlns:p14="http://schemas.microsoft.com/office/powerpoint/2010/main" val="1104938668"/>
               </p:ext>
             </p:extLst>
           </p:nvPr>
         </p:nvGraphicFramePr>
         <p:xfrm>
-          <a:off x="1770675" y="14093135"/>
-          <a:ext cx="26711302" cy="15331913"/>
+          <a:off x="1788764" y="18321300"/>
+          <a:ext cx="26711302" cy="7394480"/>
         </p:xfrm>
         <a:graphic>
           <a:graphicData uri="http://schemas.openxmlformats.org/drawingml/2006/diagram">
@@ -12379,14 +15029,14 @@
           <p:nvPr>
             <p:extLst>
               <p:ext uri="{D42A27DB-BD31-4B8C-83A1-F6EECF244321}">
-                <p14:modId xmlns:p14="http://schemas.microsoft.com/office/powerpoint/2010/main" val="3350225743"/>
+                <p14:modId xmlns:p14="http://schemas.microsoft.com/office/powerpoint/2010/main" val="1691041541"/>
               </p:ext>
             </p:extLst>
           </p:nvPr>
         </p:nvGraphicFramePr>
         <p:xfrm>
-          <a:off x="1770675" y="25766578"/>
-          <a:ext cx="26711302" cy="7316940"/>
+          <a:off x="1770675" y="26223761"/>
+          <a:ext cx="26711302" cy="6033061"/>
         </p:xfrm>
         <a:graphic>
           <a:graphicData uri="http://schemas.openxmlformats.org/drawingml/2006/diagram">
@@ -12394,6 +15044,66 @@
           </a:graphicData>
         </a:graphic>
       </p:graphicFrame>
+      <p:graphicFrame>
+        <p:nvGraphicFramePr>
+          <p:cNvPr id="10" name="Diagram 9"/>
+          <p:cNvGraphicFramePr/>
+          <p:nvPr>
+            <p:extLst>
+              <p:ext uri="{D42A27DB-BD31-4B8C-83A1-F6EECF244321}">
+                <p14:modId xmlns:p14="http://schemas.microsoft.com/office/powerpoint/2010/main" val="3934566981"/>
+              </p:ext>
+            </p:extLst>
+          </p:nvPr>
+        </p:nvGraphicFramePr>
+        <p:xfrm>
+          <a:off x="1861381" y="32967997"/>
+          <a:ext cx="26206965" cy="8820076"/>
+        </p:xfrm>
+        <a:graphic>
+          <a:graphicData uri="http://schemas.openxmlformats.org/drawingml/2006/diagram">
+            <dgm:relIds xmlns:dgm="http://schemas.openxmlformats.org/drawingml/2006/diagram" xmlns:r="http://schemas.openxmlformats.org/officeDocument/2006/relationships" r:dm="rId13" r:lo="rId14" r:qs="rId15" r:cs="rId16"/>
+          </a:graphicData>
+        </a:graphic>
+      </p:graphicFrame>
+      <p:sp>
+        <p:nvSpPr>
+          <p:cNvPr id="16" name="TextBox 15"/>
+          <p:cNvSpPr txBox="1"/>
+          <p:nvPr/>
+        </p:nvSpPr>
+        <p:spPr>
+          <a:xfrm>
+            <a:off x="1995552" y="33526776"/>
+            <a:ext cx="9181025" cy="1384995"/>
+          </a:xfrm>
+          <a:prstGeom prst="rect">
+            <a:avLst/>
+          </a:prstGeom>
+          <a:noFill/>
+        </p:spPr>
+        <p:txBody>
+          <a:bodyPr wrap="square" rtlCol="0">
+            <a:spAutoFit/>
+          </a:bodyPr>
+          <a:lstStyle/>
+          <a:p>
+            <a:r>
+              <a:rPr lang="en-US" dirty="0" smtClean="0">
+                <a:solidFill>
+                  <a:srgbClr val="000000"/>
+                </a:solidFill>
+              </a:rPr>
+              <a:t>Non-Binary Tasks : </a:t>
+            </a:r>
+            <a:endParaRPr lang="en-US" dirty="0">
+              <a:solidFill>
+                <a:srgbClr val="000000"/>
+              </a:solidFill>
+            </a:endParaRPr>
+          </a:p>
+        </p:txBody>
+      </p:sp>
     </p:spTree>
     <p:extLst>
       <p:ext uri="{BB962C8B-B14F-4D97-AF65-F5344CB8AC3E}">

--- a/Presentation/WorkerEvalPoster.pptx
+++ b/Presentation/WorkerEvalPoster.pptx
@@ -1739,753 +1739,6 @@
     <dgm:fillClrLst meth="repeat">
       <a:schemeClr val="accent2">
         <a:tint val="40000"/>
-      </a:schemeClr>
-    </dgm:fillClrLst>
-    <dgm:linClrLst meth="repeat">
-      <a:schemeClr val="lt1"/>
-    </dgm:linClrLst>
-    <dgm:effectClrLst/>
-    <dgm:txLinClrLst/>
-    <dgm:txFillClrLst meth="repeat">
-      <a:schemeClr val="dk1"/>
-    </dgm:txFillClrLst>
-    <dgm:txEffectClrLst/>
-  </dgm:styleLbl>
-  <dgm:styleLbl name="revTx">
-    <dgm:fillClrLst meth="repeat">
-      <a:schemeClr val="lt1">
-        <a:alpha val="0"/>
-      </a:schemeClr>
-    </dgm:fillClrLst>
-    <dgm:linClrLst meth="repeat">
-      <a:schemeClr val="dk1">
-        <a:alpha val="0"/>
-      </a:schemeClr>
-    </dgm:linClrLst>
-    <dgm:effectClrLst/>
-    <dgm:txLinClrLst/>
-    <dgm:txFillClrLst meth="repeat">
-      <a:schemeClr val="tx1"/>
-    </dgm:txFillClrLst>
-    <dgm:txEffectClrLst/>
-  </dgm:styleLbl>
-</dgm:colorsDef>
-</file>
-
-<file path=ppt/diagrams/colors3.xml><?xml version="1.0" encoding="utf-8"?>
-<dgm:colorsDef xmlns:dgm="http://schemas.openxmlformats.org/drawingml/2006/diagram" xmlns:a="http://schemas.openxmlformats.org/drawingml/2006/main" uniqueId="urn:microsoft.com/office/officeart/2005/8/colors/accent1_2">
-  <dgm:title val=""/>
-  <dgm:desc val=""/>
-  <dgm:catLst>
-    <dgm:cat type="accent1" pri="11200"/>
-  </dgm:catLst>
-  <dgm:styleLbl name="node0">
-    <dgm:fillClrLst meth="repeat">
-      <a:schemeClr val="accent1"/>
-    </dgm:fillClrLst>
-    <dgm:linClrLst meth="repeat">
-      <a:schemeClr val="lt1"/>
-    </dgm:linClrLst>
-    <dgm:effectClrLst/>
-    <dgm:txLinClrLst/>
-    <dgm:txFillClrLst/>
-    <dgm:txEffectClrLst/>
-  </dgm:styleLbl>
-  <dgm:styleLbl name="alignNode1">
-    <dgm:fillClrLst meth="repeat">
-      <a:schemeClr val="accent1"/>
-    </dgm:fillClrLst>
-    <dgm:linClrLst meth="repeat">
-      <a:schemeClr val="accent1"/>
-    </dgm:linClrLst>
-    <dgm:effectClrLst/>
-    <dgm:txLinClrLst/>
-    <dgm:txFillClrLst/>
-    <dgm:txEffectClrLst/>
-  </dgm:styleLbl>
-  <dgm:styleLbl name="node1">
-    <dgm:fillClrLst meth="repeat">
-      <a:schemeClr val="accent1"/>
-    </dgm:fillClrLst>
-    <dgm:linClrLst meth="repeat">
-      <a:schemeClr val="lt1"/>
-    </dgm:linClrLst>
-    <dgm:effectClrLst/>
-    <dgm:txLinClrLst/>
-    <dgm:txFillClrLst/>
-    <dgm:txEffectClrLst/>
-  </dgm:styleLbl>
-  <dgm:styleLbl name="lnNode1">
-    <dgm:fillClrLst meth="repeat">
-      <a:schemeClr val="accent1"/>
-    </dgm:fillClrLst>
-    <dgm:linClrLst meth="repeat">
-      <a:schemeClr val="lt1"/>
-    </dgm:linClrLst>
-    <dgm:effectClrLst/>
-    <dgm:txLinClrLst/>
-    <dgm:txFillClrLst/>
-    <dgm:txEffectClrLst/>
-  </dgm:styleLbl>
-  <dgm:styleLbl name="vennNode1">
-    <dgm:fillClrLst meth="repeat">
-      <a:schemeClr val="accent1">
-        <a:alpha val="50000"/>
-      </a:schemeClr>
-    </dgm:fillClrLst>
-    <dgm:linClrLst meth="repeat">
-      <a:schemeClr val="lt1"/>
-    </dgm:linClrLst>
-    <dgm:effectClrLst/>
-    <dgm:txLinClrLst/>
-    <dgm:txFillClrLst/>
-    <dgm:txEffectClrLst/>
-  </dgm:styleLbl>
-  <dgm:styleLbl name="node2">
-    <dgm:fillClrLst meth="repeat">
-      <a:schemeClr val="accent1"/>
-    </dgm:fillClrLst>
-    <dgm:linClrLst meth="repeat">
-      <a:schemeClr val="lt1"/>
-    </dgm:linClrLst>
-    <dgm:effectClrLst/>
-    <dgm:txLinClrLst/>
-    <dgm:txFillClrLst/>
-    <dgm:txEffectClrLst/>
-  </dgm:styleLbl>
-  <dgm:styleLbl name="node3">
-    <dgm:fillClrLst meth="repeat">
-      <a:schemeClr val="accent1"/>
-    </dgm:fillClrLst>
-    <dgm:linClrLst meth="repeat">
-      <a:schemeClr val="lt1"/>
-    </dgm:linClrLst>
-    <dgm:effectClrLst/>
-    <dgm:txLinClrLst/>
-    <dgm:txFillClrLst/>
-    <dgm:txEffectClrLst/>
-  </dgm:styleLbl>
-  <dgm:styleLbl name="node4">
-    <dgm:fillClrLst meth="repeat">
-      <a:schemeClr val="accent1"/>
-    </dgm:fillClrLst>
-    <dgm:linClrLst meth="repeat">
-      <a:schemeClr val="lt1"/>
-    </dgm:linClrLst>
-    <dgm:effectClrLst/>
-    <dgm:txLinClrLst/>
-    <dgm:txFillClrLst/>
-    <dgm:txEffectClrLst/>
-  </dgm:styleLbl>
-  <dgm:styleLbl name="fgImgPlace1">
-    <dgm:fillClrLst meth="repeat">
-      <a:schemeClr val="accent1">
-        <a:tint val="50000"/>
-      </a:schemeClr>
-    </dgm:fillClrLst>
-    <dgm:linClrLst meth="repeat">
-      <a:schemeClr val="lt1"/>
-    </dgm:linClrLst>
-    <dgm:effectClrLst/>
-    <dgm:txLinClrLst/>
-    <dgm:txFillClrLst meth="repeat">
-      <a:schemeClr val="lt1"/>
-    </dgm:txFillClrLst>
-    <dgm:txEffectClrLst/>
-  </dgm:styleLbl>
-  <dgm:styleLbl name="alignImgPlace1">
-    <dgm:fillClrLst meth="repeat">
-      <a:schemeClr val="accent1">
-        <a:tint val="50000"/>
-      </a:schemeClr>
-    </dgm:fillClrLst>
-    <dgm:linClrLst meth="repeat">
-      <a:schemeClr val="lt1"/>
-    </dgm:linClrLst>
-    <dgm:effectClrLst/>
-    <dgm:txLinClrLst/>
-    <dgm:txFillClrLst meth="repeat">
-      <a:schemeClr val="lt1"/>
-    </dgm:txFillClrLst>
-    <dgm:txEffectClrLst/>
-  </dgm:styleLbl>
-  <dgm:styleLbl name="bgImgPlace1">
-    <dgm:fillClrLst meth="repeat">
-      <a:schemeClr val="accent1">
-        <a:tint val="50000"/>
-      </a:schemeClr>
-    </dgm:fillClrLst>
-    <dgm:linClrLst meth="repeat">
-      <a:schemeClr val="lt1"/>
-    </dgm:linClrLst>
-    <dgm:effectClrLst/>
-    <dgm:txLinClrLst/>
-    <dgm:txFillClrLst meth="repeat">
-      <a:schemeClr val="lt1"/>
-    </dgm:txFillClrLst>
-    <dgm:txEffectClrLst/>
-  </dgm:styleLbl>
-  <dgm:styleLbl name="sibTrans2D1">
-    <dgm:fillClrLst meth="repeat">
-      <a:schemeClr val="accent1">
-        <a:tint val="60000"/>
-      </a:schemeClr>
-    </dgm:fillClrLst>
-    <dgm:linClrLst meth="repeat">
-      <a:schemeClr val="accent1">
-        <a:tint val="60000"/>
-      </a:schemeClr>
-    </dgm:linClrLst>
-    <dgm:effectClrLst/>
-    <dgm:txLinClrLst/>
-    <dgm:txFillClrLst/>
-    <dgm:txEffectClrLst/>
-  </dgm:styleLbl>
-  <dgm:styleLbl name="fgSibTrans2D1">
-    <dgm:fillClrLst meth="repeat">
-      <a:schemeClr val="accent1">
-        <a:tint val="60000"/>
-      </a:schemeClr>
-    </dgm:fillClrLst>
-    <dgm:linClrLst meth="repeat">
-      <a:schemeClr val="accent1">
-        <a:tint val="60000"/>
-      </a:schemeClr>
-    </dgm:linClrLst>
-    <dgm:effectClrLst/>
-    <dgm:txLinClrLst/>
-    <dgm:txFillClrLst/>
-    <dgm:txEffectClrLst/>
-  </dgm:styleLbl>
-  <dgm:styleLbl name="bgSibTrans2D1">
-    <dgm:fillClrLst meth="repeat">
-      <a:schemeClr val="accent1">
-        <a:tint val="60000"/>
-      </a:schemeClr>
-    </dgm:fillClrLst>
-    <dgm:linClrLst meth="repeat">
-      <a:schemeClr val="accent1">
-        <a:tint val="60000"/>
-      </a:schemeClr>
-    </dgm:linClrLst>
-    <dgm:effectClrLst/>
-    <dgm:txLinClrLst/>
-    <dgm:txFillClrLst/>
-    <dgm:txEffectClrLst/>
-  </dgm:styleLbl>
-  <dgm:styleLbl name="sibTrans1D1">
-    <dgm:fillClrLst meth="repeat">
-      <a:schemeClr val="accent1"/>
-    </dgm:fillClrLst>
-    <dgm:linClrLst meth="repeat">
-      <a:schemeClr val="accent1"/>
-    </dgm:linClrLst>
-    <dgm:effectClrLst/>
-    <dgm:txLinClrLst/>
-    <dgm:txFillClrLst meth="repeat">
-      <a:schemeClr val="tx1"/>
-    </dgm:txFillClrLst>
-    <dgm:txEffectClrLst/>
-  </dgm:styleLbl>
-  <dgm:styleLbl name="callout">
-    <dgm:fillClrLst meth="repeat">
-      <a:schemeClr val="accent1"/>
-    </dgm:fillClrLst>
-    <dgm:linClrLst meth="repeat">
-      <a:schemeClr val="accent1">
-        <a:tint val="50000"/>
-      </a:schemeClr>
-    </dgm:linClrLst>
-    <dgm:effectClrLst/>
-    <dgm:txLinClrLst/>
-    <dgm:txFillClrLst meth="repeat">
-      <a:schemeClr val="tx1"/>
-    </dgm:txFillClrLst>
-    <dgm:txEffectClrLst/>
-  </dgm:styleLbl>
-  <dgm:styleLbl name="asst0">
-    <dgm:fillClrLst meth="repeat">
-      <a:schemeClr val="accent1"/>
-    </dgm:fillClrLst>
-    <dgm:linClrLst meth="repeat">
-      <a:schemeClr val="lt1"/>
-    </dgm:linClrLst>
-    <dgm:effectClrLst/>
-    <dgm:txLinClrLst/>
-    <dgm:txFillClrLst/>
-    <dgm:txEffectClrLst/>
-  </dgm:styleLbl>
-  <dgm:styleLbl name="asst1">
-    <dgm:fillClrLst meth="repeat">
-      <a:schemeClr val="accent1"/>
-    </dgm:fillClrLst>
-    <dgm:linClrLst meth="repeat">
-      <a:schemeClr val="lt1"/>
-    </dgm:linClrLst>
-    <dgm:effectClrLst/>
-    <dgm:txLinClrLst/>
-    <dgm:txFillClrLst/>
-    <dgm:txEffectClrLst/>
-  </dgm:styleLbl>
-  <dgm:styleLbl name="asst2">
-    <dgm:fillClrLst meth="repeat">
-      <a:schemeClr val="accent1"/>
-    </dgm:fillClrLst>
-    <dgm:linClrLst meth="repeat">
-      <a:schemeClr val="lt1"/>
-    </dgm:linClrLst>
-    <dgm:effectClrLst/>
-    <dgm:txLinClrLst/>
-    <dgm:txFillClrLst/>
-    <dgm:txEffectClrLst/>
-  </dgm:styleLbl>
-  <dgm:styleLbl name="asst3">
-    <dgm:fillClrLst meth="repeat">
-      <a:schemeClr val="accent1"/>
-    </dgm:fillClrLst>
-    <dgm:linClrLst meth="repeat">
-      <a:schemeClr val="lt1"/>
-    </dgm:linClrLst>
-    <dgm:effectClrLst/>
-    <dgm:txLinClrLst/>
-    <dgm:txFillClrLst/>
-    <dgm:txEffectClrLst/>
-  </dgm:styleLbl>
-  <dgm:styleLbl name="asst4">
-    <dgm:fillClrLst meth="repeat">
-      <a:schemeClr val="accent1"/>
-    </dgm:fillClrLst>
-    <dgm:linClrLst meth="repeat">
-      <a:schemeClr val="lt1"/>
-    </dgm:linClrLst>
-    <dgm:effectClrLst/>
-    <dgm:txLinClrLst/>
-    <dgm:txFillClrLst/>
-    <dgm:txEffectClrLst/>
-  </dgm:styleLbl>
-  <dgm:styleLbl name="parChTrans2D1">
-    <dgm:fillClrLst meth="repeat">
-      <a:schemeClr val="accent1">
-        <a:tint val="60000"/>
-      </a:schemeClr>
-    </dgm:fillClrLst>
-    <dgm:linClrLst meth="repeat">
-      <a:schemeClr val="accent1">
-        <a:tint val="60000"/>
-      </a:schemeClr>
-    </dgm:linClrLst>
-    <dgm:effectClrLst/>
-    <dgm:txLinClrLst/>
-    <dgm:txFillClrLst meth="repeat">
-      <a:schemeClr val="lt1"/>
-    </dgm:txFillClrLst>
-    <dgm:txEffectClrLst/>
-  </dgm:styleLbl>
-  <dgm:styleLbl name="parChTrans2D2">
-    <dgm:fillClrLst meth="repeat">
-      <a:schemeClr val="accent1"/>
-    </dgm:fillClrLst>
-    <dgm:linClrLst meth="repeat">
-      <a:schemeClr val="accent1"/>
-    </dgm:linClrLst>
-    <dgm:effectClrLst/>
-    <dgm:txLinClrLst/>
-    <dgm:txFillClrLst meth="repeat">
-      <a:schemeClr val="lt1"/>
-    </dgm:txFillClrLst>
-    <dgm:txEffectClrLst/>
-  </dgm:styleLbl>
-  <dgm:styleLbl name="parChTrans2D3">
-    <dgm:fillClrLst meth="repeat">
-      <a:schemeClr val="accent1"/>
-    </dgm:fillClrLst>
-    <dgm:linClrLst meth="repeat">
-      <a:schemeClr val="accent1"/>
-    </dgm:linClrLst>
-    <dgm:effectClrLst/>
-    <dgm:txLinClrLst/>
-    <dgm:txFillClrLst meth="repeat">
-      <a:schemeClr val="lt1"/>
-    </dgm:txFillClrLst>
-    <dgm:txEffectClrLst/>
-  </dgm:styleLbl>
-  <dgm:styleLbl name="parChTrans2D4">
-    <dgm:fillClrLst meth="repeat">
-      <a:schemeClr val="accent1"/>
-    </dgm:fillClrLst>
-    <dgm:linClrLst meth="repeat">
-      <a:schemeClr val="accent1"/>
-    </dgm:linClrLst>
-    <dgm:effectClrLst/>
-    <dgm:txLinClrLst/>
-    <dgm:txFillClrLst meth="repeat">
-      <a:schemeClr val="lt1"/>
-    </dgm:txFillClrLst>
-    <dgm:txEffectClrLst/>
-  </dgm:styleLbl>
-  <dgm:styleLbl name="parChTrans1D1">
-    <dgm:fillClrLst meth="repeat">
-      <a:schemeClr val="accent1"/>
-    </dgm:fillClrLst>
-    <dgm:linClrLst meth="repeat">
-      <a:schemeClr val="accent1">
-        <a:shade val="60000"/>
-      </a:schemeClr>
-    </dgm:linClrLst>
-    <dgm:effectClrLst/>
-    <dgm:txLinClrLst/>
-    <dgm:txFillClrLst meth="repeat">
-      <a:schemeClr val="tx1"/>
-    </dgm:txFillClrLst>
-    <dgm:txEffectClrLst/>
-  </dgm:styleLbl>
-  <dgm:styleLbl name="parChTrans1D2">
-    <dgm:fillClrLst meth="repeat">
-      <a:schemeClr val="accent1"/>
-    </dgm:fillClrLst>
-    <dgm:linClrLst meth="repeat">
-      <a:schemeClr val="accent1">
-        <a:shade val="60000"/>
-      </a:schemeClr>
-    </dgm:linClrLst>
-    <dgm:effectClrLst/>
-    <dgm:txLinClrLst/>
-    <dgm:txFillClrLst meth="repeat">
-      <a:schemeClr val="tx1"/>
-    </dgm:txFillClrLst>
-    <dgm:txEffectClrLst/>
-  </dgm:styleLbl>
-  <dgm:styleLbl name="parChTrans1D3">
-    <dgm:fillClrLst meth="repeat">
-      <a:schemeClr val="accent1"/>
-    </dgm:fillClrLst>
-    <dgm:linClrLst meth="repeat">
-      <a:schemeClr val="accent1">
-        <a:shade val="80000"/>
-      </a:schemeClr>
-    </dgm:linClrLst>
-    <dgm:effectClrLst/>
-    <dgm:txLinClrLst/>
-    <dgm:txFillClrLst meth="repeat">
-      <a:schemeClr val="tx1"/>
-    </dgm:txFillClrLst>
-    <dgm:txEffectClrLst/>
-  </dgm:styleLbl>
-  <dgm:styleLbl name="parChTrans1D4">
-    <dgm:fillClrLst meth="repeat">
-      <a:schemeClr val="accent1"/>
-    </dgm:fillClrLst>
-    <dgm:linClrLst meth="repeat">
-      <a:schemeClr val="accent1">
-        <a:shade val="80000"/>
-      </a:schemeClr>
-    </dgm:linClrLst>
-    <dgm:effectClrLst/>
-    <dgm:txLinClrLst/>
-    <dgm:txFillClrLst meth="repeat">
-      <a:schemeClr val="tx1"/>
-    </dgm:txFillClrLst>
-    <dgm:txEffectClrLst/>
-  </dgm:styleLbl>
-  <dgm:styleLbl name="fgAcc1">
-    <dgm:fillClrLst meth="repeat">
-      <a:schemeClr val="lt1">
-        <a:alpha val="90000"/>
-      </a:schemeClr>
-    </dgm:fillClrLst>
-    <dgm:linClrLst meth="repeat">
-      <a:schemeClr val="accent1"/>
-    </dgm:linClrLst>
-    <dgm:effectClrLst/>
-    <dgm:txLinClrLst/>
-    <dgm:txFillClrLst meth="repeat">
-      <a:schemeClr val="dk1"/>
-    </dgm:txFillClrLst>
-    <dgm:txEffectClrLst/>
-  </dgm:styleLbl>
-  <dgm:styleLbl name="conFgAcc1">
-    <dgm:fillClrLst meth="repeat">
-      <a:schemeClr val="lt1">
-        <a:alpha val="90000"/>
-      </a:schemeClr>
-    </dgm:fillClrLst>
-    <dgm:linClrLst meth="repeat">
-      <a:schemeClr val="accent1"/>
-    </dgm:linClrLst>
-    <dgm:effectClrLst/>
-    <dgm:txLinClrLst/>
-    <dgm:txFillClrLst meth="repeat">
-      <a:schemeClr val="dk1"/>
-    </dgm:txFillClrLst>
-    <dgm:txEffectClrLst/>
-  </dgm:styleLbl>
-  <dgm:styleLbl name="alignAcc1">
-    <dgm:fillClrLst meth="repeat">
-      <a:schemeClr val="lt1">
-        <a:alpha val="90000"/>
-      </a:schemeClr>
-    </dgm:fillClrLst>
-    <dgm:linClrLst meth="repeat">
-      <a:schemeClr val="accent1"/>
-    </dgm:linClrLst>
-    <dgm:effectClrLst/>
-    <dgm:txLinClrLst/>
-    <dgm:txFillClrLst meth="repeat">
-      <a:schemeClr val="dk1"/>
-    </dgm:txFillClrLst>
-    <dgm:txEffectClrLst/>
-  </dgm:styleLbl>
-  <dgm:styleLbl name="trAlignAcc1">
-    <dgm:fillClrLst meth="repeat">
-      <a:schemeClr val="lt1">
-        <a:alpha val="40000"/>
-      </a:schemeClr>
-    </dgm:fillClrLst>
-    <dgm:linClrLst meth="repeat">
-      <a:schemeClr val="accent1"/>
-    </dgm:linClrLst>
-    <dgm:effectClrLst/>
-    <dgm:txLinClrLst/>
-    <dgm:txFillClrLst meth="repeat">
-      <a:schemeClr val="dk1"/>
-    </dgm:txFillClrLst>
-    <dgm:txEffectClrLst/>
-  </dgm:styleLbl>
-  <dgm:styleLbl name="bgAcc1">
-    <dgm:fillClrLst meth="repeat">
-      <a:schemeClr val="lt1">
-        <a:alpha val="90000"/>
-      </a:schemeClr>
-    </dgm:fillClrLst>
-    <dgm:linClrLst meth="repeat">
-      <a:schemeClr val="accent1"/>
-    </dgm:linClrLst>
-    <dgm:effectClrLst/>
-    <dgm:txLinClrLst/>
-    <dgm:txFillClrLst meth="repeat">
-      <a:schemeClr val="dk1"/>
-    </dgm:txFillClrLst>
-    <dgm:txEffectClrLst/>
-  </dgm:styleLbl>
-  <dgm:styleLbl name="solidFgAcc1">
-    <dgm:fillClrLst meth="repeat">
-      <a:schemeClr val="lt1"/>
-    </dgm:fillClrLst>
-    <dgm:linClrLst meth="repeat">
-      <a:schemeClr val="accent1"/>
-    </dgm:linClrLst>
-    <dgm:effectClrLst/>
-    <dgm:txLinClrLst/>
-    <dgm:txFillClrLst meth="repeat">
-      <a:schemeClr val="dk1"/>
-    </dgm:txFillClrLst>
-    <dgm:txEffectClrLst/>
-  </dgm:styleLbl>
-  <dgm:styleLbl name="solidAlignAcc1">
-    <dgm:fillClrLst meth="repeat">
-      <a:schemeClr val="lt1"/>
-    </dgm:fillClrLst>
-    <dgm:linClrLst meth="repeat">
-      <a:schemeClr val="accent1"/>
-    </dgm:linClrLst>
-    <dgm:effectClrLst/>
-    <dgm:txLinClrLst/>
-    <dgm:txFillClrLst meth="repeat">
-      <a:schemeClr val="dk1"/>
-    </dgm:txFillClrLst>
-    <dgm:txEffectClrLst/>
-  </dgm:styleLbl>
-  <dgm:styleLbl name="solidBgAcc1">
-    <dgm:fillClrLst meth="repeat">
-      <a:schemeClr val="lt1"/>
-    </dgm:fillClrLst>
-    <dgm:linClrLst meth="repeat">
-      <a:schemeClr val="accent1"/>
-    </dgm:linClrLst>
-    <dgm:effectClrLst/>
-    <dgm:txLinClrLst/>
-    <dgm:txFillClrLst meth="repeat">
-      <a:schemeClr val="dk1"/>
-    </dgm:txFillClrLst>
-    <dgm:txEffectClrLst/>
-  </dgm:styleLbl>
-  <dgm:styleLbl name="fgAccFollowNode1">
-    <dgm:fillClrLst meth="repeat">
-      <a:schemeClr val="accent1">
-        <a:alpha val="90000"/>
-        <a:tint val="40000"/>
-      </a:schemeClr>
-    </dgm:fillClrLst>
-    <dgm:linClrLst meth="repeat">
-      <a:schemeClr val="accent1">
-        <a:alpha val="90000"/>
-        <a:tint val="40000"/>
-      </a:schemeClr>
-    </dgm:linClrLst>
-    <dgm:effectClrLst/>
-    <dgm:txLinClrLst/>
-    <dgm:txFillClrLst meth="repeat">
-      <a:schemeClr val="dk1"/>
-    </dgm:txFillClrLst>
-    <dgm:txEffectClrLst/>
-  </dgm:styleLbl>
-  <dgm:styleLbl name="alignAccFollowNode1">
-    <dgm:fillClrLst meth="repeat">
-      <a:schemeClr val="accent1">
-        <a:alpha val="90000"/>
-        <a:tint val="40000"/>
-      </a:schemeClr>
-    </dgm:fillClrLst>
-    <dgm:linClrLst meth="repeat">
-      <a:schemeClr val="accent1">
-        <a:alpha val="90000"/>
-        <a:tint val="40000"/>
-      </a:schemeClr>
-    </dgm:linClrLst>
-    <dgm:effectClrLst/>
-    <dgm:txLinClrLst/>
-    <dgm:txFillClrLst meth="repeat">
-      <a:schemeClr val="dk1"/>
-    </dgm:txFillClrLst>
-    <dgm:txEffectClrLst/>
-  </dgm:styleLbl>
-  <dgm:styleLbl name="bgAccFollowNode1">
-    <dgm:fillClrLst meth="repeat">
-      <a:schemeClr val="accent1">
-        <a:alpha val="90000"/>
-        <a:tint val="40000"/>
-      </a:schemeClr>
-    </dgm:fillClrLst>
-    <dgm:linClrLst meth="repeat">
-      <a:schemeClr val="accent1">
-        <a:alpha val="90000"/>
-        <a:tint val="40000"/>
-      </a:schemeClr>
-    </dgm:linClrLst>
-    <dgm:effectClrLst/>
-    <dgm:txLinClrLst/>
-    <dgm:txFillClrLst meth="repeat">
-      <a:schemeClr val="dk1"/>
-    </dgm:txFillClrLst>
-    <dgm:txEffectClrLst/>
-  </dgm:styleLbl>
-  <dgm:styleLbl name="fgAcc0">
-    <dgm:fillClrLst meth="repeat">
-      <a:schemeClr val="lt1">
-        <a:alpha val="90000"/>
-      </a:schemeClr>
-    </dgm:fillClrLst>
-    <dgm:linClrLst meth="repeat">
-      <a:schemeClr val="accent1"/>
-    </dgm:linClrLst>
-    <dgm:effectClrLst/>
-    <dgm:txLinClrLst/>
-    <dgm:txFillClrLst meth="repeat">
-      <a:schemeClr val="dk1"/>
-    </dgm:txFillClrLst>
-    <dgm:txEffectClrLst/>
-  </dgm:styleLbl>
-  <dgm:styleLbl name="fgAcc2">
-    <dgm:fillClrLst meth="repeat">
-      <a:schemeClr val="lt1">
-        <a:alpha val="90000"/>
-      </a:schemeClr>
-    </dgm:fillClrLst>
-    <dgm:linClrLst meth="repeat">
-      <a:schemeClr val="accent1"/>
-    </dgm:linClrLst>
-    <dgm:effectClrLst/>
-    <dgm:txLinClrLst/>
-    <dgm:txFillClrLst meth="repeat">
-      <a:schemeClr val="dk1"/>
-    </dgm:txFillClrLst>
-    <dgm:txEffectClrLst/>
-  </dgm:styleLbl>
-  <dgm:styleLbl name="fgAcc3">
-    <dgm:fillClrLst meth="repeat">
-      <a:schemeClr val="lt1">
-        <a:alpha val="90000"/>
-      </a:schemeClr>
-    </dgm:fillClrLst>
-    <dgm:linClrLst meth="repeat">
-      <a:schemeClr val="accent1"/>
-    </dgm:linClrLst>
-    <dgm:effectClrLst/>
-    <dgm:txLinClrLst/>
-    <dgm:txFillClrLst meth="repeat">
-      <a:schemeClr val="dk1"/>
-    </dgm:txFillClrLst>
-    <dgm:txEffectClrLst/>
-  </dgm:styleLbl>
-  <dgm:styleLbl name="fgAcc4">
-    <dgm:fillClrLst meth="repeat">
-      <a:schemeClr val="lt1">
-        <a:alpha val="90000"/>
-      </a:schemeClr>
-    </dgm:fillClrLst>
-    <dgm:linClrLst meth="repeat">
-      <a:schemeClr val="accent1"/>
-    </dgm:linClrLst>
-    <dgm:effectClrLst/>
-    <dgm:txLinClrLst/>
-    <dgm:txFillClrLst meth="repeat">
-      <a:schemeClr val="dk1"/>
-    </dgm:txFillClrLst>
-    <dgm:txEffectClrLst/>
-  </dgm:styleLbl>
-  <dgm:styleLbl name="bgShp">
-    <dgm:fillClrLst meth="repeat">
-      <a:schemeClr val="accent1">
-        <a:tint val="40000"/>
-      </a:schemeClr>
-    </dgm:fillClrLst>
-    <dgm:linClrLst meth="repeat">
-      <a:schemeClr val="accent1"/>
-    </dgm:linClrLst>
-    <dgm:effectClrLst/>
-    <dgm:txLinClrLst/>
-    <dgm:txFillClrLst meth="repeat">
-      <a:schemeClr val="dk1"/>
-    </dgm:txFillClrLst>
-    <dgm:txEffectClrLst/>
-  </dgm:styleLbl>
-  <dgm:styleLbl name="dkBgShp">
-    <dgm:fillClrLst meth="repeat">
-      <a:schemeClr val="accent1">
-        <a:shade val="80000"/>
-      </a:schemeClr>
-    </dgm:fillClrLst>
-    <dgm:linClrLst meth="repeat">
-      <a:schemeClr val="accent1"/>
-    </dgm:linClrLst>
-    <dgm:effectClrLst/>
-    <dgm:txLinClrLst/>
-    <dgm:txFillClrLst meth="repeat">
-      <a:schemeClr val="lt1"/>
-    </dgm:txFillClrLst>
-    <dgm:txEffectClrLst/>
-  </dgm:styleLbl>
-  <dgm:styleLbl name="trBgShp">
-    <dgm:fillClrLst meth="repeat">
-      <a:schemeClr val="accent1">
-        <a:tint val="50000"/>
-        <a:alpha val="40000"/>
-      </a:schemeClr>
-    </dgm:fillClrLst>
-    <dgm:linClrLst meth="repeat">
-      <a:schemeClr val="accent1"/>
-    </dgm:linClrLst>
-    <dgm:effectClrLst/>
-    <dgm:txLinClrLst/>
-    <dgm:txFillClrLst meth="repeat">
-      <a:schemeClr val="lt1"/>
-    </dgm:txFillClrLst>
-    <dgm:txEffectClrLst/>
-  </dgm:styleLbl>
-  <dgm:styleLbl name="fgShp">
-    <dgm:fillClrLst meth="repeat">
-      <a:schemeClr val="accent1">
-        <a:tint val="60000"/>
       </a:schemeClr>
     </dgm:fillClrLst>
     <dgm:linClrLst meth="repeat">
@@ -2883,62 +2136,6 @@
       </dgm:t>
     </dgm:pt>
     <dgm:pt modelId="{47279E9B-3DE1-734D-9192-83E819833D93}" type="sibTrans" cxnId="{6F06F21B-2B18-BB4B-966A-C18899732967}">
-      <dgm:prSet/>
-      <dgm:spPr/>
-      <dgm:t>
-        <a:bodyPr/>
-        <a:lstStyle/>
-        <a:p>
-          <a:endParaRPr lang="en-US"/>
-        </a:p>
-      </dgm:t>
-    </dgm:pt>
-    <dgm:pt modelId="{6A786F66-321C-D144-87D5-6AEFA9B69512}">
-      <dgm:prSet phldrT="[Text]" custT="1">
-        <dgm:style>
-          <a:lnRef idx="1">
-            <a:schemeClr val="accent3"/>
-          </a:lnRef>
-          <a:fillRef idx="2">
-            <a:schemeClr val="accent3"/>
-          </a:fillRef>
-          <a:effectRef idx="1">
-            <a:schemeClr val="accent3"/>
-          </a:effectRef>
-          <a:fontRef idx="minor">
-            <a:schemeClr val="dk1"/>
-          </a:fontRef>
-        </dgm:style>
-      </dgm:prSet>
-      <dgm:spPr/>
-      <dgm:t>
-        <a:bodyPr/>
-        <a:lstStyle/>
-        <a:p>
-          <a:r>
-            <a:rPr lang="en-US" sz="5000" dirty="0" err="1" smtClean="0"/>
-            <a:t>Var</a:t>
-          </a:r>
-          <a:r>
-            <a:rPr lang="en-US" sz="5000" dirty="0" smtClean="0"/>
-            <a:t>(q) ~ q(1-q)</a:t>
-          </a:r>
-          <a:endParaRPr lang="en-US" sz="5000" dirty="0"/>
-        </a:p>
-      </dgm:t>
-    </dgm:pt>
-    <dgm:pt modelId="{6DA661F8-EF02-FF4E-BDAA-7AF8DC641AAF}" type="parTrans" cxnId="{E1FF5F0F-3C30-EA4D-A27B-1EC4F659009A}">
-      <dgm:prSet/>
-      <dgm:spPr/>
-      <dgm:t>
-        <a:bodyPr/>
-        <a:lstStyle/>
-        <a:p>
-          <a:endParaRPr lang="en-US"/>
-        </a:p>
-      </dgm:t>
-    </dgm:pt>
-    <dgm:pt modelId="{A6270F27-CC75-DB4F-B27C-FA3A163E10AA}" type="sibTrans" cxnId="{E1FF5F0F-3C30-EA4D-A27B-1EC4F659009A}">
       <dgm:prSet/>
       <dgm:spPr/>
       <dgm:t>
@@ -3496,9 +2693,8 @@
   </dgm:ptLst>
   <dgm:cxnLst>
     <dgm:cxn modelId="{D3810745-2713-8848-BFC7-AE43B293242F}" type="presOf" srcId="{A1C6CD64-1D5E-2145-ADE2-4CA90A397E7C}" destId="{15ED0ADA-5FBF-4B4C-9FB1-35E9FCFC8C0A}" srcOrd="0" destOrd="2" presId="urn:microsoft.com/office/officeart/2005/8/layout/hChevron3"/>
-    <dgm:cxn modelId="{3D3BFF4D-9764-854E-9317-E9790D86133F}" type="presOf" srcId="{6A786F66-321C-D144-87D5-6AEFA9B69512}" destId="{827653F9-5CDF-B546-81B1-5AC2A9226BD2}" srcOrd="0" destOrd="1" presId="urn:microsoft.com/office/officeart/2005/8/layout/hChevron3"/>
-    <dgm:cxn modelId="{581E594E-7755-AC42-B9DC-05F1E9235722}" srcId="{0940C72B-4554-074E-BA3E-548C7F341CA7}" destId="{49570BFE-7D50-9848-8767-AE38C8AEB623}" srcOrd="2" destOrd="0" parTransId="{7F0FCC64-197C-EF44-BFB8-03441512624A}" sibTransId="{F4C95928-736B-2A47-ADAA-73922ADDA6B8}"/>
-    <dgm:cxn modelId="{2DB55ACF-2B16-584C-BA40-232ABBD569AC}" type="presOf" srcId="{49570BFE-7D50-9848-8767-AE38C8AEB623}" destId="{827653F9-5CDF-B546-81B1-5AC2A9226BD2}" srcOrd="0" destOrd="3" presId="urn:microsoft.com/office/officeart/2005/8/layout/hChevron3"/>
+    <dgm:cxn modelId="{581E594E-7755-AC42-B9DC-05F1E9235722}" srcId="{0940C72B-4554-074E-BA3E-548C7F341CA7}" destId="{49570BFE-7D50-9848-8767-AE38C8AEB623}" srcOrd="1" destOrd="0" parTransId="{7F0FCC64-197C-EF44-BFB8-03441512624A}" sibTransId="{F4C95928-736B-2A47-ADAA-73922ADDA6B8}"/>
+    <dgm:cxn modelId="{2DB55ACF-2B16-584C-BA40-232ABBD569AC}" type="presOf" srcId="{49570BFE-7D50-9848-8767-AE38C8AEB623}" destId="{827653F9-5CDF-B546-81B1-5AC2A9226BD2}" srcOrd="0" destOrd="2" presId="urn:microsoft.com/office/officeart/2005/8/layout/hChevron3"/>
     <dgm:cxn modelId="{A504E3AC-49B5-B34A-A39B-842533B3030A}" type="presOf" srcId="{0940C72B-4554-074E-BA3E-548C7F341CA7}" destId="{827653F9-5CDF-B546-81B1-5AC2A9226BD2}" srcOrd="0" destOrd="0" presId="urn:microsoft.com/office/officeart/2005/8/layout/hChevron3"/>
     <dgm:cxn modelId="{5B76B91E-6398-1748-AAD1-248C12EA16D7}" srcId="{F08485FE-D0FD-7745-B0CE-242137B291CA}" destId="{A1C6CD64-1D5E-2145-ADE2-4CA90A397E7C}" srcOrd="1" destOrd="0" parTransId="{ECE55DAD-09B4-0945-812D-F209EB8B0285}" sibTransId="{5D57D0ED-45B9-CA4F-86C2-744F68C5A205}"/>
     <dgm:cxn modelId="{20B85CE3-E9ED-DB4B-AFC7-E21E50188335}" srcId="{F08485FE-D0FD-7745-B0CE-242137B291CA}" destId="{2A545BEE-8B91-AF4E-9E6C-BB8912719D4D}" srcOrd="2" destOrd="0" parTransId="{0E88FA0C-BA93-DB4A-8EB1-E8CADAA6E3B4}" sibTransId="{3E485B0C-A3A7-3747-A517-8AEC4263EF6B}"/>
@@ -3515,10 +2711,9 @@
     <dgm:cxn modelId="{ADBADC1C-C3FF-1141-9138-7F3B039C5592}" srcId="{38BEECF8-0B02-604B-8C93-6F24C8521E73}" destId="{0940C72B-4554-074E-BA3E-548C7F341CA7}" srcOrd="1" destOrd="0" parTransId="{DA754511-A3C2-ED43-9303-E46DF35D80A8}" sibTransId="{F4190928-EC8A-7442-B34F-11F3FB06E220}"/>
     <dgm:cxn modelId="{5BEA15F4-01B9-894B-9D83-F53FDA1F6236}" srcId="{F08485FE-D0FD-7745-B0CE-242137B291CA}" destId="{68D95848-EFCF-C74B-8B3E-5464E5A4673B}" srcOrd="0" destOrd="0" parTransId="{D8BE48FA-80D5-2D46-8103-D63AA139B9BC}" sibTransId="{1CB48D96-7C19-9342-9A3E-30CA81ED0485}"/>
     <dgm:cxn modelId="{8D49BACA-E91E-5E47-B1F3-9C5DB6633183}" srcId="{38BEECF8-0B02-604B-8C93-6F24C8521E73}" destId="{116F74F5-4028-3F45-88E2-8C0B0C95263C}" srcOrd="0" destOrd="0" parTransId="{ACE8C5C1-36D9-D74D-8610-4DE5A697F5BD}" sibTransId="{A18E541C-B6F8-F34E-9BA2-931C40DA63B6}"/>
-    <dgm:cxn modelId="{837DAAB8-08FD-CB40-9368-C88A49066D80}" srcId="{0940C72B-4554-074E-BA3E-548C7F341CA7}" destId="{EAF09015-B620-4843-BA44-7E16D6D51C9B}" srcOrd="1" destOrd="0" parTransId="{93FDBF4A-797E-6944-8397-37C50DB73AA5}" sibTransId="{9CEC6EA0-D1F2-D74B-AE2E-ACFFFFCD6939}"/>
+    <dgm:cxn modelId="{837DAAB8-08FD-CB40-9368-C88A49066D80}" srcId="{0940C72B-4554-074E-BA3E-548C7F341CA7}" destId="{EAF09015-B620-4843-BA44-7E16D6D51C9B}" srcOrd="0" destOrd="0" parTransId="{93FDBF4A-797E-6944-8397-37C50DB73AA5}" sibTransId="{9CEC6EA0-D1F2-D74B-AE2E-ACFFFFCD6939}"/>
     <dgm:cxn modelId="{DF29CD4F-7904-2E45-A41F-79E55EE04902}" srcId="{F110C852-6F45-FB48-B1FF-E7AAA445E08A}" destId="{BC511722-39B0-C544-9215-E00E086D6D9D}" srcOrd="0" destOrd="0" parTransId="{3F3A86FB-CB67-D642-ABF2-0B5740AEC9C5}" sibTransId="{BA5D79F3-533E-194C-ABE5-0BEAA9DE3D8E}"/>
-    <dgm:cxn modelId="{E1FF5F0F-3C30-EA4D-A27B-1EC4F659009A}" srcId="{0940C72B-4554-074E-BA3E-548C7F341CA7}" destId="{6A786F66-321C-D144-87D5-6AEFA9B69512}" srcOrd="0" destOrd="0" parTransId="{6DA661F8-EF02-FF4E-BDAA-7AF8DC641AAF}" sibTransId="{A6270F27-CC75-DB4F-B27C-FA3A163E10AA}"/>
-    <dgm:cxn modelId="{572467C0-6817-5043-906F-8F87732B3EBD}" type="presOf" srcId="{EAF09015-B620-4843-BA44-7E16D6D51C9B}" destId="{827653F9-5CDF-B546-81B1-5AC2A9226BD2}" srcOrd="0" destOrd="2" presId="urn:microsoft.com/office/officeart/2005/8/layout/hChevron3"/>
+    <dgm:cxn modelId="{572467C0-6817-5043-906F-8F87732B3EBD}" type="presOf" srcId="{EAF09015-B620-4843-BA44-7E16D6D51C9B}" destId="{827653F9-5CDF-B546-81B1-5AC2A9226BD2}" srcOrd="0" destOrd="1" presId="urn:microsoft.com/office/officeart/2005/8/layout/hChevron3"/>
     <dgm:cxn modelId="{E4DDD113-FF0C-1546-81FC-1E0E2EE1052C}" srcId="{38BEECF8-0B02-604B-8C93-6F24C8521E73}" destId="{F08485FE-D0FD-7745-B0CE-242137B291CA}" srcOrd="3" destOrd="0" parTransId="{696F3056-08D5-0344-A7DC-64D0E19B860B}" sibTransId="{6D5FF295-B56C-1E46-B4C0-BF9D53C99390}"/>
     <dgm:cxn modelId="{4335E355-DEE4-5940-A577-47251E52DDD8}" srcId="{F110C852-6F45-FB48-B1FF-E7AAA445E08A}" destId="{9A15DA94-001B-3749-BD29-ED2F428A5EFB}" srcOrd="1" destOrd="0" parTransId="{A3B5D4E9-E83C-754D-BA54-07DF7C596D53}" sibTransId="{6E8ED6EA-BDAB-2546-941D-66BEE8909944}"/>
     <dgm:cxn modelId="{F1F69144-65CE-044A-96E9-93E945DBFEBC}" type="presOf" srcId="{2A545BEE-8B91-AF4E-9E6C-BB8912719D4D}" destId="{15ED0ADA-5FBF-4B4C-9FB1-35E9FCFC8C0A}" srcOrd="0" destOrd="3" presId="urn:microsoft.com/office/officeart/2005/8/layout/hChevron3"/>
@@ -3875,282 +3070,6 @@
 </dgm:dataModel>
 </file>
 
-<file path=ppt/diagrams/data3.xml><?xml version="1.0" encoding="utf-8"?>
-<dgm:dataModel xmlns:dgm="http://schemas.openxmlformats.org/drawingml/2006/diagram" xmlns:a="http://schemas.openxmlformats.org/drawingml/2006/main">
-  <dgm:ptLst>
-    <dgm:pt modelId="{6E0D25DF-03C8-1244-B66D-87338F218367}" type="doc">
-      <dgm:prSet loTypeId="urn:microsoft.com/office/officeart/2005/8/layout/hProcess9" loCatId="" qsTypeId="urn:microsoft.com/office/officeart/2005/8/quickstyle/simple4" qsCatId="simple" csTypeId="urn:microsoft.com/office/officeart/2005/8/colors/accent1_2" csCatId="accent1" phldr="1"/>
-      <dgm:spPr/>
-    </dgm:pt>
-    <dgm:pt modelId="{DE32AA06-847D-CD43-B1D6-F403C8FDDF88}">
-      <dgm:prSet phldrT="[Text]"/>
-      <dgm:spPr/>
-      <dgm:t>
-        <a:bodyPr/>
-        <a:lstStyle/>
-        <a:p>
-          <a:r>
-            <a:rPr lang="en-US" dirty="0" smtClean="0"/>
-            <a:t>Confusion Matrix P</a:t>
-          </a:r>
-          <a:r>
-            <a:rPr lang="en-US" baseline="-25000" dirty="0" smtClean="0"/>
-            <a:t>i</a:t>
-          </a:r>
-        </a:p>
-        <a:p>
-          <a:r>
-            <a:rPr lang="en-US" baseline="0" dirty="0" smtClean="0"/>
-            <a:t>Selectivity Vector S</a:t>
-          </a:r>
-          <a:r>
-            <a:rPr lang="en-US" dirty="0" smtClean="0"/>
-            <a:t> </a:t>
-          </a:r>
-          <a:endParaRPr lang="en-US" dirty="0"/>
-        </a:p>
-      </dgm:t>
-    </dgm:pt>
-    <dgm:pt modelId="{10078C6D-A626-2048-99A3-FDC59CC3B9C8}" type="parTrans" cxnId="{4B264CF8-3B3C-F145-A1C5-C3DDF66A6560}">
-      <dgm:prSet/>
-      <dgm:spPr/>
-      <dgm:t>
-        <a:bodyPr/>
-        <a:lstStyle/>
-        <a:p>
-          <a:endParaRPr lang="en-US"/>
-        </a:p>
-      </dgm:t>
-    </dgm:pt>
-    <dgm:pt modelId="{B6277B0C-AF69-474B-B59F-86F8A33FE8D7}" type="sibTrans" cxnId="{4B264CF8-3B3C-F145-A1C5-C3DDF66A6560}">
-      <dgm:prSet/>
-      <dgm:spPr/>
-      <dgm:t>
-        <a:bodyPr/>
-        <a:lstStyle/>
-        <a:p>
-          <a:endParaRPr lang="en-US"/>
-        </a:p>
-      </dgm:t>
-    </dgm:pt>
-    <dgm:pt modelId="{F25D931D-6CAB-404F-92EA-03699E5DFDCB}">
-      <dgm:prSet phldrT="[Text]"/>
-      <dgm:spPr/>
-      <dgm:t>
-        <a:bodyPr/>
-        <a:lstStyle/>
-        <a:p>
-          <a:r>
-            <a:rPr lang="en-US" dirty="0" smtClean="0"/>
-            <a:t>Response = </a:t>
-          </a:r>
-          <a:r>
-            <a:rPr lang="en-US" dirty="0" err="1" smtClean="0"/>
-            <a:t>P</a:t>
-          </a:r>
-          <a:r>
-            <a:rPr lang="en-US" baseline="-25000" dirty="0" err="1" smtClean="0"/>
-            <a:t>i</a:t>
-          </a:r>
-          <a:r>
-            <a:rPr lang="en-US" dirty="0" err="1" smtClean="0"/>
-            <a:t>S</a:t>
-          </a:r>
-          <a:endParaRPr lang="en-US" dirty="0" smtClean="0"/>
-        </a:p>
-        <a:p>
-          <a:r>
-            <a:rPr lang="en-US" dirty="0" smtClean="0"/>
-            <a:t>Comparison Matrix </a:t>
-          </a:r>
-          <a:r>
-            <a:rPr lang="en-US" dirty="0" err="1" smtClean="0"/>
-            <a:t>P</a:t>
-          </a:r>
-          <a:r>
-            <a:rPr lang="en-US" baseline="-25000" dirty="0" err="1" smtClean="0"/>
-            <a:t>i</a:t>
-          </a:r>
-          <a:r>
-            <a:rPr lang="en-US" baseline="30000" dirty="0" err="1" smtClean="0"/>
-            <a:t>T</a:t>
-          </a:r>
-          <a:r>
-            <a:rPr lang="en-US" dirty="0" err="1" smtClean="0"/>
-            <a:t>P</a:t>
-          </a:r>
-          <a:r>
-            <a:rPr lang="en-US" baseline="-25000" dirty="0" err="1" smtClean="0"/>
-            <a:t>j</a:t>
-          </a:r>
-          <a:endParaRPr lang="en-US" baseline="-25000" dirty="0"/>
-        </a:p>
-      </dgm:t>
-    </dgm:pt>
-    <dgm:pt modelId="{20134E7B-21D2-644B-AF56-3F5DE17581A9}" type="parTrans" cxnId="{D89C9AD0-95AC-4B43-AC3C-DCDCA56B901D}">
-      <dgm:prSet/>
-      <dgm:spPr/>
-      <dgm:t>
-        <a:bodyPr/>
-        <a:lstStyle/>
-        <a:p>
-          <a:endParaRPr lang="en-US"/>
-        </a:p>
-      </dgm:t>
-    </dgm:pt>
-    <dgm:pt modelId="{9BBA481B-4F04-9248-BA2F-8032476C53A5}" type="sibTrans" cxnId="{D89C9AD0-95AC-4B43-AC3C-DCDCA56B901D}">
-      <dgm:prSet/>
-      <dgm:spPr/>
-      <dgm:t>
-        <a:bodyPr/>
-        <a:lstStyle/>
-        <a:p>
-          <a:endParaRPr lang="en-US"/>
-        </a:p>
-      </dgm:t>
-    </dgm:pt>
-    <dgm:pt modelId="{279D3068-46E7-5D4B-9306-131F0F487A68}">
-      <dgm:prSet phldrT="[Text]"/>
-      <dgm:spPr/>
-      <dgm:t>
-        <a:bodyPr/>
-        <a:lstStyle/>
-        <a:p>
-          <a:r>
-            <a:rPr lang="en-US" dirty="0" smtClean="0"/>
-            <a:t>Solve to obtain P</a:t>
-          </a:r>
-          <a:r>
-            <a:rPr lang="en-US" baseline="-25000" dirty="0" smtClean="0"/>
-            <a:t>i</a:t>
-          </a:r>
-          <a:r>
-            <a:rPr lang="en-US" dirty="0" smtClean="0"/>
-            <a:t>, S</a:t>
-          </a:r>
-          <a:endParaRPr lang="en-US" baseline="-25000" dirty="0"/>
-        </a:p>
-      </dgm:t>
-    </dgm:pt>
-    <dgm:pt modelId="{1792BA77-5487-084C-9A56-A624F60C756F}" type="parTrans" cxnId="{88E9B05A-DEB2-F445-B8C1-842B9FB33194}">
-      <dgm:prSet/>
-      <dgm:spPr/>
-      <dgm:t>
-        <a:bodyPr/>
-        <a:lstStyle/>
-        <a:p>
-          <a:endParaRPr lang="en-US"/>
-        </a:p>
-      </dgm:t>
-    </dgm:pt>
-    <dgm:pt modelId="{0F616914-2CBF-8C40-B101-CAE91C625BEF}" type="sibTrans" cxnId="{88E9B05A-DEB2-F445-B8C1-842B9FB33194}">
-      <dgm:prSet/>
-      <dgm:spPr/>
-      <dgm:t>
-        <a:bodyPr/>
-        <a:lstStyle/>
-        <a:p>
-          <a:endParaRPr lang="en-US"/>
-        </a:p>
-      </dgm:t>
-    </dgm:pt>
-    <dgm:pt modelId="{C60AC660-551B-FE47-A691-1ED3D791AE65}" type="pres">
-      <dgm:prSet presAssocID="{6E0D25DF-03C8-1244-B66D-87338F218367}" presName="CompostProcess" presStyleCnt="0">
-        <dgm:presLayoutVars>
-          <dgm:dir/>
-          <dgm:resizeHandles val="exact"/>
-        </dgm:presLayoutVars>
-      </dgm:prSet>
-      <dgm:spPr/>
-    </dgm:pt>
-    <dgm:pt modelId="{D32E971F-FD44-2247-BD07-AAA285C27DCB}" type="pres">
-      <dgm:prSet presAssocID="{6E0D25DF-03C8-1244-B66D-87338F218367}" presName="arrow" presStyleLbl="bgShp" presStyleIdx="0" presStyleCnt="1"/>
-      <dgm:spPr/>
-    </dgm:pt>
-    <dgm:pt modelId="{7836D192-13EE-1C4E-8198-6346153F79B6}" type="pres">
-      <dgm:prSet presAssocID="{6E0D25DF-03C8-1244-B66D-87338F218367}" presName="linearProcess" presStyleCnt="0"/>
-      <dgm:spPr/>
-    </dgm:pt>
-    <dgm:pt modelId="{C28C47B9-E894-A749-85E9-8BC234D6E4D9}" type="pres">
-      <dgm:prSet presAssocID="{DE32AA06-847D-CD43-B1D6-F403C8FDDF88}" presName="textNode" presStyleLbl="node1" presStyleIdx="0" presStyleCnt="3">
-        <dgm:presLayoutVars>
-          <dgm:bulletEnabled val="1"/>
-        </dgm:presLayoutVars>
-      </dgm:prSet>
-      <dgm:spPr/>
-      <dgm:t>
-        <a:bodyPr/>
-        <a:lstStyle/>
-        <a:p>
-          <a:endParaRPr lang="en-US"/>
-        </a:p>
-      </dgm:t>
-    </dgm:pt>
-    <dgm:pt modelId="{C38B84B1-3C8D-A249-83B8-9FFFD780B2A0}" type="pres">
-      <dgm:prSet presAssocID="{B6277B0C-AF69-474B-B59F-86F8A33FE8D7}" presName="sibTrans" presStyleCnt="0"/>
-      <dgm:spPr/>
-    </dgm:pt>
-    <dgm:pt modelId="{BE327FDC-9C74-A34E-A201-274004C830D8}" type="pres">
-      <dgm:prSet presAssocID="{F25D931D-6CAB-404F-92EA-03699E5DFDCB}" presName="textNode" presStyleLbl="node1" presStyleIdx="1" presStyleCnt="3">
-        <dgm:presLayoutVars>
-          <dgm:bulletEnabled val="1"/>
-        </dgm:presLayoutVars>
-      </dgm:prSet>
-      <dgm:spPr/>
-      <dgm:t>
-        <a:bodyPr/>
-        <a:lstStyle/>
-        <a:p>
-          <a:endParaRPr lang="en-US"/>
-        </a:p>
-      </dgm:t>
-    </dgm:pt>
-    <dgm:pt modelId="{B274FCB8-7CB6-4C47-8F5A-AFC08F66B2D9}" type="pres">
-      <dgm:prSet presAssocID="{9BBA481B-4F04-9248-BA2F-8032476C53A5}" presName="sibTrans" presStyleCnt="0"/>
-      <dgm:spPr/>
-    </dgm:pt>
-    <dgm:pt modelId="{0B63FC49-6A56-DC4D-B2D4-219506473C8F}" type="pres">
-      <dgm:prSet presAssocID="{279D3068-46E7-5D4B-9306-131F0F487A68}" presName="textNode" presStyleLbl="node1" presStyleIdx="2" presStyleCnt="3">
-        <dgm:presLayoutVars>
-          <dgm:bulletEnabled val="1"/>
-        </dgm:presLayoutVars>
-      </dgm:prSet>
-      <dgm:spPr/>
-      <dgm:t>
-        <a:bodyPr/>
-        <a:lstStyle/>
-        <a:p>
-          <a:endParaRPr lang="en-US"/>
-        </a:p>
-      </dgm:t>
-    </dgm:pt>
-  </dgm:ptLst>
-  <dgm:cxnLst>
-    <dgm:cxn modelId="{F71960E3-5435-374A-BC3D-17C0009DB591}" type="presOf" srcId="{DE32AA06-847D-CD43-B1D6-F403C8FDDF88}" destId="{C28C47B9-E894-A749-85E9-8BC234D6E4D9}" srcOrd="0" destOrd="0" presId="urn:microsoft.com/office/officeart/2005/8/layout/hProcess9"/>
-    <dgm:cxn modelId="{3C2DF24F-127D-674F-9185-A304B6FCF2A7}" type="presOf" srcId="{279D3068-46E7-5D4B-9306-131F0F487A68}" destId="{0B63FC49-6A56-DC4D-B2D4-219506473C8F}" srcOrd="0" destOrd="0" presId="urn:microsoft.com/office/officeart/2005/8/layout/hProcess9"/>
-    <dgm:cxn modelId="{D89C9AD0-95AC-4B43-AC3C-DCDCA56B901D}" srcId="{6E0D25DF-03C8-1244-B66D-87338F218367}" destId="{F25D931D-6CAB-404F-92EA-03699E5DFDCB}" srcOrd="1" destOrd="0" parTransId="{20134E7B-21D2-644B-AF56-3F5DE17581A9}" sibTransId="{9BBA481B-4F04-9248-BA2F-8032476C53A5}"/>
-    <dgm:cxn modelId="{FC701A16-A1F8-AD45-9C72-B97CDE5E952A}" type="presOf" srcId="{6E0D25DF-03C8-1244-B66D-87338F218367}" destId="{C60AC660-551B-FE47-A691-1ED3D791AE65}" srcOrd="0" destOrd="0" presId="urn:microsoft.com/office/officeart/2005/8/layout/hProcess9"/>
-    <dgm:cxn modelId="{A1C2257A-88B8-CA4B-A5C2-6FEF357A2A31}" type="presOf" srcId="{F25D931D-6CAB-404F-92EA-03699E5DFDCB}" destId="{BE327FDC-9C74-A34E-A201-274004C830D8}" srcOrd="0" destOrd="0" presId="urn:microsoft.com/office/officeart/2005/8/layout/hProcess9"/>
-    <dgm:cxn modelId="{88E9B05A-DEB2-F445-B8C1-842B9FB33194}" srcId="{6E0D25DF-03C8-1244-B66D-87338F218367}" destId="{279D3068-46E7-5D4B-9306-131F0F487A68}" srcOrd="2" destOrd="0" parTransId="{1792BA77-5487-084C-9A56-A624F60C756F}" sibTransId="{0F616914-2CBF-8C40-B101-CAE91C625BEF}"/>
-    <dgm:cxn modelId="{4B264CF8-3B3C-F145-A1C5-C3DDF66A6560}" srcId="{6E0D25DF-03C8-1244-B66D-87338F218367}" destId="{DE32AA06-847D-CD43-B1D6-F403C8FDDF88}" srcOrd="0" destOrd="0" parTransId="{10078C6D-A626-2048-99A3-FDC59CC3B9C8}" sibTransId="{B6277B0C-AF69-474B-B59F-86F8A33FE8D7}"/>
-    <dgm:cxn modelId="{F36FB89A-254C-EC4B-AF44-6CE13CA1C667}" type="presParOf" srcId="{C60AC660-551B-FE47-A691-1ED3D791AE65}" destId="{D32E971F-FD44-2247-BD07-AAA285C27DCB}" srcOrd="0" destOrd="0" presId="urn:microsoft.com/office/officeart/2005/8/layout/hProcess9"/>
-    <dgm:cxn modelId="{22EF69D2-0A9F-0245-A3E4-502FF28721C7}" type="presParOf" srcId="{C60AC660-551B-FE47-A691-1ED3D791AE65}" destId="{7836D192-13EE-1C4E-8198-6346153F79B6}" srcOrd="1" destOrd="0" presId="urn:microsoft.com/office/officeart/2005/8/layout/hProcess9"/>
-    <dgm:cxn modelId="{3B5C6337-BD28-AA43-AB56-E00BE9C3C37D}" type="presParOf" srcId="{7836D192-13EE-1C4E-8198-6346153F79B6}" destId="{C28C47B9-E894-A749-85E9-8BC234D6E4D9}" srcOrd="0" destOrd="0" presId="urn:microsoft.com/office/officeart/2005/8/layout/hProcess9"/>
-    <dgm:cxn modelId="{1C8ED9E1-A798-2F46-B45F-A503D8B3F122}" type="presParOf" srcId="{7836D192-13EE-1C4E-8198-6346153F79B6}" destId="{C38B84B1-3C8D-A249-83B8-9FFFD780B2A0}" srcOrd="1" destOrd="0" presId="urn:microsoft.com/office/officeart/2005/8/layout/hProcess9"/>
-    <dgm:cxn modelId="{B1382644-ED15-F24E-A5AB-73A743263237}" type="presParOf" srcId="{7836D192-13EE-1C4E-8198-6346153F79B6}" destId="{BE327FDC-9C74-A34E-A201-274004C830D8}" srcOrd="2" destOrd="0" presId="urn:microsoft.com/office/officeart/2005/8/layout/hProcess9"/>
-    <dgm:cxn modelId="{9281792C-3E04-1C4B-B256-5ECEB3C28FFE}" type="presParOf" srcId="{7836D192-13EE-1C4E-8198-6346153F79B6}" destId="{B274FCB8-7CB6-4C47-8F5A-AFC08F66B2D9}" srcOrd="3" destOrd="0" presId="urn:microsoft.com/office/officeart/2005/8/layout/hProcess9"/>
-    <dgm:cxn modelId="{9B095C45-957F-BB4E-A34C-485847A57215}" type="presParOf" srcId="{7836D192-13EE-1C4E-8198-6346153F79B6}" destId="{0B63FC49-6A56-DC4D-B2D4-219506473C8F}" srcOrd="4" destOrd="0" presId="urn:microsoft.com/office/officeart/2005/8/layout/hProcess9"/>
-  </dgm:cxnLst>
-  <dgm:bg/>
-  <dgm:whole/>
-  <dgm:extLst>
-    <a:ext uri="http://schemas.microsoft.com/office/drawing/2008/diagram">
-      <dsp:dataModelExt xmlns:dsp="http://schemas.microsoft.com/office/drawing/2008/diagram" relId="rId17" minVer="http://schemas.openxmlformats.org/drawingml/2006/diagram"/>
-    </a:ext>
-  </dgm:extLst>
-</dgm:dataModel>
-</file>
-
 <file path=ppt/diagrams/drawing1.xml><?xml version="1.0" encoding="utf-8"?>
 <dsp:drawing xmlns:dgm="http://schemas.openxmlformats.org/drawingml/2006/diagram" xmlns:dsp="http://schemas.microsoft.com/office/drawing/2008/diagram" xmlns:a="http://schemas.openxmlformats.org/drawingml/2006/main">
   <dsp:spTree>
@@ -4450,29 +3369,6 @@
           <a:r>
             <a:rPr lang="en-US" sz="5000" kern="1200" dirty="0" smtClean="0"/>
             <a:t>Compute Variances</a:t>
-          </a:r>
-          <a:endParaRPr lang="en-US" sz="5000" kern="1200" dirty="0"/>
-        </a:p>
-        <a:p>
-          <a:pPr marL="285750" lvl="1" indent="-285750" algn="l" defTabSz="2222500">
-            <a:lnSpc>
-              <a:spcPct val="90000"/>
-            </a:lnSpc>
-            <a:spcBef>
-              <a:spcPct val="0"/>
-            </a:spcBef>
-            <a:spcAft>
-              <a:spcPct val="15000"/>
-            </a:spcAft>
-            <a:buChar char="••"/>
-          </a:pPr>
-          <a:r>
-            <a:rPr lang="en-US" sz="5000" kern="1200" dirty="0" err="1" smtClean="0"/>
-            <a:t>Var</a:t>
-          </a:r>
-          <a:r>
-            <a:rPr lang="en-US" sz="5000" kern="1200" dirty="0" smtClean="0"/>
-            <a:t>(q) ~ q(1-q)</a:t>
           </a:r>
           <a:endParaRPr lang="en-US" sz="5000" kern="1200" dirty="0"/>
         </a:p>
@@ -5409,429 +4305,6 @@
       <dsp:txXfrm>
         <a:off x="23796207" y="3472026"/>
         <a:ext cx="647046" cy="885276"/>
-      </dsp:txXfrm>
-    </dsp:sp>
-  </dsp:spTree>
-</dsp:drawing>
-</file>
-
-<file path=ppt/diagrams/drawing3.xml><?xml version="1.0" encoding="utf-8"?>
-<dsp:drawing xmlns:dgm="http://schemas.openxmlformats.org/drawingml/2006/diagram" xmlns:dsp="http://schemas.microsoft.com/office/drawing/2008/diagram" xmlns:a="http://schemas.openxmlformats.org/drawingml/2006/main">
-  <dsp:spTree>
-    <dsp:nvGrpSpPr>
-      <dsp:cNvPr id="0" name=""/>
-      <dsp:cNvGrpSpPr/>
-    </dsp:nvGrpSpPr>
-    <dsp:grpSpPr/>
-    <dsp:sp modelId="{D32E971F-FD44-2247-BD07-AAA285C27DCB}">
-      <dsp:nvSpPr>
-        <dsp:cNvPr id="0" name=""/>
-        <dsp:cNvSpPr/>
-      </dsp:nvSpPr>
-      <dsp:spPr>
-        <a:xfrm>
-          <a:off x="1965522" y="0"/>
-          <a:ext cx="22275920" cy="8820076"/>
-        </a:xfrm>
-        <a:prstGeom prst="rightArrow">
-          <a:avLst/>
-        </a:prstGeom>
-        <a:solidFill>
-          <a:schemeClr val="accent1">
-            <a:tint val="40000"/>
-            <a:hueOff val="0"/>
-            <a:satOff val="0"/>
-            <a:lumOff val="0"/>
-            <a:alphaOff val="0"/>
-          </a:schemeClr>
-        </a:solidFill>
-        <a:ln>
-          <a:noFill/>
-        </a:ln>
-        <a:effectLst>
-          <a:outerShdw blurRad="40000" dist="23000" dir="5400000" rotWithShape="0">
-            <a:srgbClr val="000000">
-              <a:alpha val="35000"/>
-            </a:srgbClr>
-          </a:outerShdw>
-        </a:effectLst>
-      </dsp:spPr>
-      <dsp:style>
-        <a:lnRef idx="0">
-          <a:scrgbClr r="0" g="0" b="0"/>
-        </a:lnRef>
-        <a:fillRef idx="1">
-          <a:scrgbClr r="0" g="0" b="0"/>
-        </a:fillRef>
-        <a:effectRef idx="2">
-          <a:scrgbClr r="0" g="0" b="0"/>
-        </a:effectRef>
-        <a:fontRef idx="minor"/>
-      </dsp:style>
-    </dsp:sp>
-    <dsp:sp modelId="{C28C47B9-E894-A749-85E9-8BC234D6E4D9}">
-      <dsp:nvSpPr>
-        <dsp:cNvPr id="0" name=""/>
-        <dsp:cNvSpPr/>
-      </dsp:nvSpPr>
-      <dsp:spPr>
-        <a:xfrm>
-          <a:off x="152276" y="2646022"/>
-          <a:ext cx="7862089" cy="3528030"/>
-        </a:xfrm>
-        <a:prstGeom prst="roundRect">
-          <a:avLst/>
-        </a:prstGeom>
-        <a:gradFill rotWithShape="0">
-          <a:gsLst>
-            <a:gs pos="0">
-              <a:schemeClr val="accent1">
-                <a:hueOff val="0"/>
-                <a:satOff val="0"/>
-                <a:lumOff val="0"/>
-                <a:alphaOff val="0"/>
-                <a:tint val="100000"/>
-                <a:shade val="100000"/>
-                <a:satMod val="130000"/>
-              </a:schemeClr>
-            </a:gs>
-            <a:gs pos="100000">
-              <a:schemeClr val="accent1">
-                <a:hueOff val="0"/>
-                <a:satOff val="0"/>
-                <a:lumOff val="0"/>
-                <a:alphaOff val="0"/>
-                <a:tint val="50000"/>
-                <a:shade val="100000"/>
-                <a:satMod val="350000"/>
-              </a:schemeClr>
-            </a:gs>
-          </a:gsLst>
-          <a:lin ang="16200000" scaled="0"/>
-        </a:gradFill>
-        <a:ln>
-          <a:noFill/>
-        </a:ln>
-        <a:effectLst>
-          <a:outerShdw blurRad="40000" dist="23000" dir="5400000" rotWithShape="0">
-            <a:srgbClr val="000000">
-              <a:alpha val="35000"/>
-            </a:srgbClr>
-          </a:outerShdw>
-        </a:effectLst>
-      </dsp:spPr>
-      <dsp:style>
-        <a:lnRef idx="0">
-          <a:scrgbClr r="0" g="0" b="0"/>
-        </a:lnRef>
-        <a:fillRef idx="3">
-          <a:scrgbClr r="0" g="0" b="0"/>
-        </a:fillRef>
-        <a:effectRef idx="2">
-          <a:scrgbClr r="0" g="0" b="0"/>
-        </a:effectRef>
-        <a:fontRef idx="minor">
-          <a:schemeClr val="lt1"/>
-        </a:fontRef>
-      </dsp:style>
-      <dsp:txBody>
-        <a:bodyPr spcFirstLastPara="0" vert="horz" wrap="square" lIns="220980" tIns="220980" rIns="220980" bIns="220980" numCol="1" spcCol="1270" anchor="ctr" anchorCtr="0">
-          <a:noAutofit/>
-        </a:bodyPr>
-        <a:lstStyle/>
-        <a:p>
-          <a:pPr lvl="0" algn="ctr" defTabSz="2578100">
-            <a:lnSpc>
-              <a:spcPct val="90000"/>
-            </a:lnSpc>
-            <a:spcBef>
-              <a:spcPct val="0"/>
-            </a:spcBef>
-            <a:spcAft>
-              <a:spcPct val="35000"/>
-            </a:spcAft>
-          </a:pPr>
-          <a:r>
-            <a:rPr lang="en-US" sz="5800" kern="1200" dirty="0" smtClean="0"/>
-            <a:t>Confusion Matrix P</a:t>
-          </a:r>
-          <a:r>
-            <a:rPr lang="en-US" sz="5800" kern="1200" baseline="-25000" dirty="0" smtClean="0"/>
-            <a:t>i</a:t>
-          </a:r>
-        </a:p>
-        <a:p>
-          <a:pPr lvl="0" algn="ctr" defTabSz="2578100">
-            <a:lnSpc>
-              <a:spcPct val="90000"/>
-            </a:lnSpc>
-            <a:spcBef>
-              <a:spcPct val="0"/>
-            </a:spcBef>
-            <a:spcAft>
-              <a:spcPct val="35000"/>
-            </a:spcAft>
-          </a:pPr>
-          <a:r>
-            <a:rPr lang="en-US" sz="5800" kern="1200" baseline="0" dirty="0" smtClean="0"/>
-            <a:t>Selectivity Vector S</a:t>
-          </a:r>
-          <a:r>
-            <a:rPr lang="en-US" sz="5800" kern="1200" dirty="0" smtClean="0"/>
-            <a:t> </a:t>
-          </a:r>
-          <a:endParaRPr lang="en-US" sz="5800" kern="1200" dirty="0"/>
-        </a:p>
-      </dsp:txBody>
-      <dsp:txXfrm>
-        <a:off x="324500" y="2818246"/>
-        <a:ext cx="7517641" cy="3183582"/>
-      </dsp:txXfrm>
-    </dsp:sp>
-    <dsp:sp modelId="{BE327FDC-9C74-A34E-A201-274004C830D8}">
-      <dsp:nvSpPr>
-        <dsp:cNvPr id="0" name=""/>
-        <dsp:cNvSpPr/>
-      </dsp:nvSpPr>
-      <dsp:spPr>
-        <a:xfrm>
-          <a:off x="9172437" y="2646022"/>
-          <a:ext cx="7862089" cy="3528030"/>
-        </a:xfrm>
-        <a:prstGeom prst="roundRect">
-          <a:avLst/>
-        </a:prstGeom>
-        <a:gradFill rotWithShape="0">
-          <a:gsLst>
-            <a:gs pos="0">
-              <a:schemeClr val="accent1">
-                <a:hueOff val="0"/>
-                <a:satOff val="0"/>
-                <a:lumOff val="0"/>
-                <a:alphaOff val="0"/>
-                <a:tint val="100000"/>
-                <a:shade val="100000"/>
-                <a:satMod val="130000"/>
-              </a:schemeClr>
-            </a:gs>
-            <a:gs pos="100000">
-              <a:schemeClr val="accent1">
-                <a:hueOff val="0"/>
-                <a:satOff val="0"/>
-                <a:lumOff val="0"/>
-                <a:alphaOff val="0"/>
-                <a:tint val="50000"/>
-                <a:shade val="100000"/>
-                <a:satMod val="350000"/>
-              </a:schemeClr>
-            </a:gs>
-          </a:gsLst>
-          <a:lin ang="16200000" scaled="0"/>
-        </a:gradFill>
-        <a:ln>
-          <a:noFill/>
-        </a:ln>
-        <a:effectLst>
-          <a:outerShdw blurRad="40000" dist="23000" dir="5400000" rotWithShape="0">
-            <a:srgbClr val="000000">
-              <a:alpha val="35000"/>
-            </a:srgbClr>
-          </a:outerShdw>
-        </a:effectLst>
-      </dsp:spPr>
-      <dsp:style>
-        <a:lnRef idx="0">
-          <a:scrgbClr r="0" g="0" b="0"/>
-        </a:lnRef>
-        <a:fillRef idx="3">
-          <a:scrgbClr r="0" g="0" b="0"/>
-        </a:fillRef>
-        <a:effectRef idx="2">
-          <a:scrgbClr r="0" g="0" b="0"/>
-        </a:effectRef>
-        <a:fontRef idx="minor">
-          <a:schemeClr val="lt1"/>
-        </a:fontRef>
-      </dsp:style>
-      <dsp:txBody>
-        <a:bodyPr spcFirstLastPara="0" vert="horz" wrap="square" lIns="220980" tIns="220980" rIns="220980" bIns="220980" numCol="1" spcCol="1270" anchor="ctr" anchorCtr="0">
-          <a:noAutofit/>
-        </a:bodyPr>
-        <a:lstStyle/>
-        <a:p>
-          <a:pPr lvl="0" algn="ctr" defTabSz="2578100">
-            <a:lnSpc>
-              <a:spcPct val="90000"/>
-            </a:lnSpc>
-            <a:spcBef>
-              <a:spcPct val="0"/>
-            </a:spcBef>
-            <a:spcAft>
-              <a:spcPct val="35000"/>
-            </a:spcAft>
-          </a:pPr>
-          <a:r>
-            <a:rPr lang="en-US" sz="5800" kern="1200" dirty="0" smtClean="0"/>
-            <a:t>Response = </a:t>
-          </a:r>
-          <a:r>
-            <a:rPr lang="en-US" sz="5800" kern="1200" dirty="0" err="1" smtClean="0"/>
-            <a:t>P</a:t>
-          </a:r>
-          <a:r>
-            <a:rPr lang="en-US" sz="5800" kern="1200" baseline="-25000" dirty="0" err="1" smtClean="0"/>
-            <a:t>i</a:t>
-          </a:r>
-          <a:r>
-            <a:rPr lang="en-US" sz="5800" kern="1200" dirty="0" err="1" smtClean="0"/>
-            <a:t>S</a:t>
-          </a:r>
-          <a:endParaRPr lang="en-US" sz="5800" kern="1200" dirty="0" smtClean="0"/>
-        </a:p>
-        <a:p>
-          <a:pPr lvl="0" algn="ctr" defTabSz="2578100">
-            <a:lnSpc>
-              <a:spcPct val="90000"/>
-            </a:lnSpc>
-            <a:spcBef>
-              <a:spcPct val="0"/>
-            </a:spcBef>
-            <a:spcAft>
-              <a:spcPct val="35000"/>
-            </a:spcAft>
-          </a:pPr>
-          <a:r>
-            <a:rPr lang="en-US" sz="5800" kern="1200" dirty="0" smtClean="0"/>
-            <a:t>Comparison Matrix </a:t>
-          </a:r>
-          <a:r>
-            <a:rPr lang="en-US" sz="5800" kern="1200" dirty="0" err="1" smtClean="0"/>
-            <a:t>P</a:t>
-          </a:r>
-          <a:r>
-            <a:rPr lang="en-US" sz="5800" kern="1200" baseline="-25000" dirty="0" err="1" smtClean="0"/>
-            <a:t>i</a:t>
-          </a:r>
-          <a:r>
-            <a:rPr lang="en-US" sz="5800" kern="1200" baseline="30000" dirty="0" err="1" smtClean="0"/>
-            <a:t>T</a:t>
-          </a:r>
-          <a:r>
-            <a:rPr lang="en-US" sz="5800" kern="1200" dirty="0" err="1" smtClean="0"/>
-            <a:t>P</a:t>
-          </a:r>
-          <a:r>
-            <a:rPr lang="en-US" sz="5800" kern="1200" baseline="-25000" dirty="0" err="1" smtClean="0"/>
-            <a:t>j</a:t>
-          </a:r>
-          <a:endParaRPr lang="en-US" sz="5800" kern="1200" baseline="-25000" dirty="0"/>
-        </a:p>
-      </dsp:txBody>
-      <dsp:txXfrm>
-        <a:off x="9344661" y="2818246"/>
-        <a:ext cx="7517641" cy="3183582"/>
-      </dsp:txXfrm>
-    </dsp:sp>
-    <dsp:sp modelId="{0B63FC49-6A56-DC4D-B2D4-219506473C8F}">
-      <dsp:nvSpPr>
-        <dsp:cNvPr id="0" name=""/>
-        <dsp:cNvSpPr/>
-      </dsp:nvSpPr>
-      <dsp:spPr>
-        <a:xfrm>
-          <a:off x="18192598" y="2646022"/>
-          <a:ext cx="7862089" cy="3528030"/>
-        </a:xfrm>
-        <a:prstGeom prst="roundRect">
-          <a:avLst/>
-        </a:prstGeom>
-        <a:gradFill rotWithShape="0">
-          <a:gsLst>
-            <a:gs pos="0">
-              <a:schemeClr val="accent1">
-                <a:hueOff val="0"/>
-                <a:satOff val="0"/>
-                <a:lumOff val="0"/>
-                <a:alphaOff val="0"/>
-                <a:tint val="100000"/>
-                <a:shade val="100000"/>
-                <a:satMod val="130000"/>
-              </a:schemeClr>
-            </a:gs>
-            <a:gs pos="100000">
-              <a:schemeClr val="accent1">
-                <a:hueOff val="0"/>
-                <a:satOff val="0"/>
-                <a:lumOff val="0"/>
-                <a:alphaOff val="0"/>
-                <a:tint val="50000"/>
-                <a:shade val="100000"/>
-                <a:satMod val="350000"/>
-              </a:schemeClr>
-            </a:gs>
-          </a:gsLst>
-          <a:lin ang="16200000" scaled="0"/>
-        </a:gradFill>
-        <a:ln>
-          <a:noFill/>
-        </a:ln>
-        <a:effectLst>
-          <a:outerShdw blurRad="40000" dist="23000" dir="5400000" rotWithShape="0">
-            <a:srgbClr val="000000">
-              <a:alpha val="35000"/>
-            </a:srgbClr>
-          </a:outerShdw>
-        </a:effectLst>
-      </dsp:spPr>
-      <dsp:style>
-        <a:lnRef idx="0">
-          <a:scrgbClr r="0" g="0" b="0"/>
-        </a:lnRef>
-        <a:fillRef idx="3">
-          <a:scrgbClr r="0" g="0" b="0"/>
-        </a:fillRef>
-        <a:effectRef idx="2">
-          <a:scrgbClr r="0" g="0" b="0"/>
-        </a:effectRef>
-        <a:fontRef idx="minor">
-          <a:schemeClr val="lt1"/>
-        </a:fontRef>
-      </dsp:style>
-      <dsp:txBody>
-        <a:bodyPr spcFirstLastPara="0" vert="horz" wrap="square" lIns="220980" tIns="220980" rIns="220980" bIns="220980" numCol="1" spcCol="1270" anchor="ctr" anchorCtr="0">
-          <a:noAutofit/>
-        </a:bodyPr>
-        <a:lstStyle/>
-        <a:p>
-          <a:pPr lvl="0" algn="ctr" defTabSz="2578100">
-            <a:lnSpc>
-              <a:spcPct val="90000"/>
-            </a:lnSpc>
-            <a:spcBef>
-              <a:spcPct val="0"/>
-            </a:spcBef>
-            <a:spcAft>
-              <a:spcPct val="35000"/>
-            </a:spcAft>
-          </a:pPr>
-          <a:r>
-            <a:rPr lang="en-US" sz="5800" kern="1200" dirty="0" smtClean="0"/>
-            <a:t>Solve to obtain P</a:t>
-          </a:r>
-          <a:r>
-            <a:rPr lang="en-US" sz="5800" kern="1200" baseline="-25000" dirty="0" smtClean="0"/>
-            <a:t>i</a:t>
-          </a:r>
-          <a:r>
-            <a:rPr lang="en-US" sz="5800" kern="1200" dirty="0" smtClean="0"/>
-            <a:t>, S</a:t>
-          </a:r>
-          <a:endParaRPr lang="en-US" sz="5800" kern="1200" baseline="-25000" dirty="0"/>
-        </a:p>
-      </dsp:txBody>
-      <dsp:txXfrm>
-        <a:off x="18364822" y="2818246"/>
-        <a:ext cx="7517641" cy="3183582"/>
       </dsp:txXfrm>
     </dsp:sp>
   </dsp:spTree>
@@ -7336,160 +5809,6 @@
 </dgm:layoutDef>
 </file>
 
-<file path=ppt/diagrams/layout3.xml><?xml version="1.0" encoding="utf-8"?>
-<dgm:layoutDef xmlns:dgm="http://schemas.openxmlformats.org/drawingml/2006/diagram" xmlns:a="http://schemas.openxmlformats.org/drawingml/2006/main" uniqueId="urn:microsoft.com/office/officeart/2005/8/layout/hProcess9">
-  <dgm:title val=""/>
-  <dgm:desc val=""/>
-  <dgm:catLst>
-    <dgm:cat type="process" pri="5000"/>
-    <dgm:cat type="convert" pri="13000"/>
-  </dgm:catLst>
-  <dgm:sampData useDef="1">
-    <dgm:dataModel>
-      <dgm:ptLst/>
-      <dgm:bg/>
-      <dgm:whole/>
-    </dgm:dataModel>
-  </dgm:sampData>
-  <dgm:styleData>
-    <dgm:dataModel>
-      <dgm:ptLst>
-        <dgm:pt modelId="0" type="doc"/>
-        <dgm:pt modelId="1"/>
-        <dgm:pt modelId="2"/>
-      </dgm:ptLst>
-      <dgm:cxnLst>
-        <dgm:cxn modelId="3" srcId="0" destId="1" srcOrd="0" destOrd="0"/>
-        <dgm:cxn modelId="4" srcId="0" destId="2" srcOrd="1" destOrd="0"/>
-      </dgm:cxnLst>
-      <dgm:bg/>
-      <dgm:whole/>
-    </dgm:dataModel>
-  </dgm:styleData>
-  <dgm:clrData>
-    <dgm:dataModel>
-      <dgm:ptLst>
-        <dgm:pt modelId="0" type="doc"/>
-        <dgm:pt modelId="1"/>
-        <dgm:pt modelId="2"/>
-        <dgm:pt modelId="3"/>
-        <dgm:pt modelId="4"/>
-      </dgm:ptLst>
-      <dgm:cxnLst>
-        <dgm:cxn modelId="5" srcId="0" destId="1" srcOrd="0" destOrd="0"/>
-        <dgm:cxn modelId="6" srcId="0" destId="2" srcOrd="1" destOrd="0"/>
-        <dgm:cxn modelId="7" srcId="0" destId="3" srcOrd="2" destOrd="0"/>
-        <dgm:cxn modelId="8" srcId="0" destId="4" srcOrd="3" destOrd="0"/>
-      </dgm:cxnLst>
-      <dgm:bg/>
-      <dgm:whole/>
-    </dgm:dataModel>
-  </dgm:clrData>
-  <dgm:layoutNode name="CompostProcess">
-    <dgm:varLst>
-      <dgm:dir/>
-      <dgm:resizeHandles val="exact"/>
-    </dgm:varLst>
-    <dgm:alg type="composite">
-      <dgm:param type="horzAlign" val="ctr"/>
-      <dgm:param type="vertAlign" val="mid"/>
-    </dgm:alg>
-    <dgm:shape xmlns:r="http://schemas.openxmlformats.org/officeDocument/2006/relationships" r:blip="">
-      <dgm:adjLst/>
-    </dgm:shape>
-    <dgm:presOf/>
-    <dgm:constrLst>
-      <dgm:constr type="w" for="ch" forName="arrow" refType="w" fact="0.85"/>
-      <dgm:constr type="h" for="ch" forName="arrow" refType="h"/>
-      <dgm:constr type="ctrX" for="ch" forName="arrow" refType="w" fact="0.5"/>
-      <dgm:constr type="ctrY" for="ch" forName="arrow" refType="h" fact="0.5"/>
-      <dgm:constr type="w" for="ch" forName="linearProcess" refType="w"/>
-      <dgm:constr type="h" for="ch" forName="linearProcess" refType="h" fact="0.4"/>
-      <dgm:constr type="ctrX" for="ch" forName="linearProcess" refType="w" fact="0.5"/>
-      <dgm:constr type="ctrY" for="ch" forName="linearProcess" refType="h" fact="0.5"/>
-    </dgm:constrLst>
-    <dgm:ruleLst/>
-    <dgm:layoutNode name="arrow" styleLbl="bgShp">
-      <dgm:alg type="sp"/>
-      <dgm:choose name="Name0">
-        <dgm:if name="Name1" func="var" arg="dir" op="equ" val="norm">
-          <dgm:shape xmlns:r="http://schemas.openxmlformats.org/officeDocument/2006/relationships" type="rightArrow" r:blip="">
-            <dgm:adjLst/>
-          </dgm:shape>
-        </dgm:if>
-        <dgm:else name="Name2">
-          <dgm:shape xmlns:r="http://schemas.openxmlformats.org/officeDocument/2006/relationships" type="leftArrow" r:blip="">
-            <dgm:adjLst/>
-          </dgm:shape>
-        </dgm:else>
-      </dgm:choose>
-      <dgm:presOf/>
-      <dgm:constrLst/>
-      <dgm:ruleLst/>
-    </dgm:layoutNode>
-    <dgm:layoutNode name="linearProcess">
-      <dgm:choose name="Name3">
-        <dgm:if name="Name4" func="var" arg="dir" op="equ" val="norm">
-          <dgm:alg type="lin"/>
-        </dgm:if>
-        <dgm:else name="Name5">
-          <dgm:alg type="lin">
-            <dgm:param type="linDir" val="fromR"/>
-          </dgm:alg>
-        </dgm:else>
-      </dgm:choose>
-      <dgm:shape xmlns:r="http://schemas.openxmlformats.org/officeDocument/2006/relationships" r:blip="">
-        <dgm:adjLst/>
-      </dgm:shape>
-      <dgm:presOf/>
-      <dgm:constrLst>
-        <dgm:constr type="userA" for="ch" ptType="node" refType="w"/>
-        <dgm:constr type="h" for="ch" ptType="node" refType="h"/>
-        <dgm:constr type="w" for="ch" ptType="node" op="equ"/>
-        <dgm:constr type="w" for="ch" forName="sibTrans" refType="w" fact="0.05"/>
-        <dgm:constr type="primFontSz" for="ch" ptType="node" op="equ" val="65"/>
-      </dgm:constrLst>
-      <dgm:ruleLst/>
-      <dgm:forEach name="Name6" axis="ch" ptType="node">
-        <dgm:layoutNode name="textNode" styleLbl="node1">
-          <dgm:varLst>
-            <dgm:bulletEnabled val="1"/>
-          </dgm:varLst>
-          <dgm:alg type="tx"/>
-          <dgm:shape xmlns:r="http://schemas.openxmlformats.org/officeDocument/2006/relationships" type="roundRect" r:blip="">
-            <dgm:adjLst/>
-          </dgm:shape>
-          <dgm:presOf axis="desOrSelf" ptType="node"/>
-          <dgm:constrLst>
-            <dgm:constr type="userA"/>
-            <dgm:constr type="w" refType="userA" fact="0.3"/>
-            <dgm:constr type="tMarg" refType="primFontSz" fact="0.3"/>
-            <dgm:constr type="bMarg" refType="primFontSz" fact="0.3"/>
-            <dgm:constr type="lMarg" refType="primFontSz" fact="0.3"/>
-            <dgm:constr type="rMarg" refType="primFontSz" fact="0.3"/>
-          </dgm:constrLst>
-          <dgm:ruleLst>
-            <dgm:rule type="w" val="NaN" fact="1" max="NaN"/>
-            <dgm:rule type="primFontSz" val="5" fact="NaN" max="NaN"/>
-          </dgm:ruleLst>
-        </dgm:layoutNode>
-        <dgm:forEach name="Name7" axis="followSib" ptType="sibTrans" cnt="1">
-          <dgm:layoutNode name="sibTrans">
-            <dgm:alg type="sp"/>
-            <dgm:shape xmlns:r="http://schemas.openxmlformats.org/officeDocument/2006/relationships" r:blip="">
-              <dgm:adjLst/>
-            </dgm:shape>
-            <dgm:presOf/>
-            <dgm:constrLst/>
-            <dgm:ruleLst/>
-          </dgm:layoutNode>
-        </dgm:forEach>
-      </dgm:forEach>
-    </dgm:layoutNode>
-  </dgm:layoutNode>
-</dgm:layoutDef>
-</file>
-
 <file path=ppt/diagrams/quickStyle1.xml><?xml version="1.0" encoding="utf-8"?>
 <dgm:styleDef xmlns:dgm="http://schemas.openxmlformats.org/drawingml/2006/diagram" xmlns:a="http://schemas.openxmlformats.org/drawingml/2006/main" uniqueId="urn:microsoft.com/office/officeart/2005/8/quickstyle/3D2">
   <dgm:title val=""/>
@@ -8753,1040 +7072,6 @@
 </file>
 
 <file path=ppt/diagrams/quickStyle2.xml><?xml version="1.0" encoding="utf-8"?>
-<dgm:styleDef xmlns:dgm="http://schemas.openxmlformats.org/drawingml/2006/diagram" xmlns:a="http://schemas.openxmlformats.org/drawingml/2006/main" uniqueId="urn:microsoft.com/office/officeart/2005/8/quickstyle/simple4">
-  <dgm:title val=""/>
-  <dgm:desc val=""/>
-  <dgm:catLst>
-    <dgm:cat type="simple" pri="10400"/>
-  </dgm:catLst>
-  <dgm:scene3d>
-    <a:camera prst="orthographicFront"/>
-    <a:lightRig rig="threePt" dir="t"/>
-  </dgm:scene3d>
-  <dgm:styleLbl name="node0">
-    <dgm:scene3d>
-      <a:camera prst="orthographicFront"/>
-      <a:lightRig rig="threePt" dir="t"/>
-    </dgm:scene3d>
-    <dgm:sp3d/>
-    <dgm:txPr/>
-    <dgm:style>
-      <a:lnRef idx="0">
-        <a:scrgbClr r="0" g="0" b="0"/>
-      </a:lnRef>
-      <a:fillRef idx="3">
-        <a:scrgbClr r="0" g="0" b="0"/>
-      </a:fillRef>
-      <a:effectRef idx="2">
-        <a:scrgbClr r="0" g="0" b="0"/>
-      </a:effectRef>
-      <a:fontRef idx="minor">
-        <a:schemeClr val="lt1"/>
-      </a:fontRef>
-    </dgm:style>
-  </dgm:styleLbl>
-  <dgm:styleLbl name="lnNode1">
-    <dgm:scene3d>
-      <a:camera prst="orthographicFront"/>
-      <a:lightRig rig="threePt" dir="t"/>
-    </dgm:scene3d>
-    <dgm:sp3d/>
-    <dgm:txPr/>
-    <dgm:style>
-      <a:lnRef idx="1">
-        <a:scrgbClr r="0" g="0" b="0"/>
-      </a:lnRef>
-      <a:fillRef idx="3">
-        <a:scrgbClr r="0" g="0" b="0"/>
-      </a:fillRef>
-      <a:effectRef idx="2">
-        <a:scrgbClr r="0" g="0" b="0"/>
-      </a:effectRef>
-      <a:fontRef idx="minor">
-        <a:schemeClr val="lt1"/>
-      </a:fontRef>
-    </dgm:style>
-  </dgm:styleLbl>
-  <dgm:styleLbl name="vennNode1">
-    <dgm:scene3d>
-      <a:camera prst="orthographicFront"/>
-      <a:lightRig rig="threePt" dir="t"/>
-    </dgm:scene3d>
-    <dgm:sp3d/>
-    <dgm:txPr/>
-    <dgm:style>
-      <a:lnRef idx="0">
-        <a:scrgbClr r="0" g="0" b="0"/>
-      </a:lnRef>
-      <a:fillRef idx="3">
-        <a:scrgbClr r="0" g="0" b="0"/>
-      </a:fillRef>
-      <a:effectRef idx="0">
-        <a:scrgbClr r="0" g="0" b="0"/>
-      </a:effectRef>
-      <a:fontRef idx="minor">
-        <a:schemeClr val="tx1"/>
-      </a:fontRef>
-    </dgm:style>
-  </dgm:styleLbl>
-  <dgm:styleLbl name="alignNode1">
-    <dgm:scene3d>
-      <a:camera prst="orthographicFront"/>
-      <a:lightRig rig="threePt" dir="t"/>
-    </dgm:scene3d>
-    <dgm:sp3d/>
-    <dgm:txPr/>
-    <dgm:style>
-      <a:lnRef idx="1">
-        <a:scrgbClr r="0" g="0" b="0"/>
-      </a:lnRef>
-      <a:fillRef idx="3">
-        <a:scrgbClr r="0" g="0" b="0"/>
-      </a:fillRef>
-      <a:effectRef idx="2">
-        <a:scrgbClr r="0" g="0" b="0"/>
-      </a:effectRef>
-      <a:fontRef idx="minor">
-        <a:schemeClr val="lt1"/>
-      </a:fontRef>
-    </dgm:style>
-  </dgm:styleLbl>
-  <dgm:styleLbl name="node1">
-    <dgm:scene3d>
-      <a:camera prst="orthographicFront"/>
-      <a:lightRig rig="threePt" dir="t"/>
-    </dgm:scene3d>
-    <dgm:sp3d/>
-    <dgm:txPr/>
-    <dgm:style>
-      <a:lnRef idx="0">
-        <a:scrgbClr r="0" g="0" b="0"/>
-      </a:lnRef>
-      <a:fillRef idx="3">
-        <a:scrgbClr r="0" g="0" b="0"/>
-      </a:fillRef>
-      <a:effectRef idx="2">
-        <a:scrgbClr r="0" g="0" b="0"/>
-      </a:effectRef>
-      <a:fontRef idx="minor">
-        <a:schemeClr val="lt1"/>
-      </a:fontRef>
-    </dgm:style>
-  </dgm:styleLbl>
-  <dgm:styleLbl name="node2">
-    <dgm:scene3d>
-      <a:camera prst="orthographicFront"/>
-      <a:lightRig rig="threePt" dir="t"/>
-    </dgm:scene3d>
-    <dgm:sp3d/>
-    <dgm:txPr/>
-    <dgm:style>
-      <a:lnRef idx="0">
-        <a:scrgbClr r="0" g="0" b="0"/>
-      </a:lnRef>
-      <a:fillRef idx="3">
-        <a:scrgbClr r="0" g="0" b="0"/>
-      </a:fillRef>
-      <a:effectRef idx="2">
-        <a:scrgbClr r="0" g="0" b="0"/>
-      </a:effectRef>
-      <a:fontRef idx="minor">
-        <a:schemeClr val="lt1"/>
-      </a:fontRef>
-    </dgm:style>
-  </dgm:styleLbl>
-  <dgm:styleLbl name="node3">
-    <dgm:scene3d>
-      <a:camera prst="orthographicFront"/>
-      <a:lightRig rig="threePt" dir="t"/>
-    </dgm:scene3d>
-    <dgm:sp3d/>
-    <dgm:txPr/>
-    <dgm:style>
-      <a:lnRef idx="0">
-        <a:scrgbClr r="0" g="0" b="0"/>
-      </a:lnRef>
-      <a:fillRef idx="3">
-        <a:scrgbClr r="0" g="0" b="0"/>
-      </a:fillRef>
-      <a:effectRef idx="2">
-        <a:scrgbClr r="0" g="0" b="0"/>
-      </a:effectRef>
-      <a:fontRef idx="minor">
-        <a:schemeClr val="lt1"/>
-      </a:fontRef>
-    </dgm:style>
-  </dgm:styleLbl>
-  <dgm:styleLbl name="node4">
-    <dgm:scene3d>
-      <a:camera prst="orthographicFront"/>
-      <a:lightRig rig="threePt" dir="t"/>
-    </dgm:scene3d>
-    <dgm:sp3d/>
-    <dgm:txPr/>
-    <dgm:style>
-      <a:lnRef idx="0">
-        <a:scrgbClr r="0" g="0" b="0"/>
-      </a:lnRef>
-      <a:fillRef idx="3">
-        <a:scrgbClr r="0" g="0" b="0"/>
-      </a:fillRef>
-      <a:effectRef idx="2">
-        <a:scrgbClr r="0" g="0" b="0"/>
-      </a:effectRef>
-      <a:fontRef idx="minor">
-        <a:schemeClr val="lt1"/>
-      </a:fontRef>
-    </dgm:style>
-  </dgm:styleLbl>
-  <dgm:styleLbl name="fgImgPlace1">
-    <dgm:scene3d>
-      <a:camera prst="orthographicFront"/>
-      <a:lightRig rig="threePt" dir="t"/>
-    </dgm:scene3d>
-    <dgm:sp3d/>
-    <dgm:txPr/>
-    <dgm:style>
-      <a:lnRef idx="0">
-        <a:scrgbClr r="0" g="0" b="0"/>
-      </a:lnRef>
-      <a:fillRef idx="1">
-        <a:scrgbClr r="0" g="0" b="0"/>
-      </a:fillRef>
-      <a:effectRef idx="2">
-        <a:scrgbClr r="0" g="0" b="0"/>
-      </a:effectRef>
-      <a:fontRef idx="minor"/>
-    </dgm:style>
-  </dgm:styleLbl>
-  <dgm:styleLbl name="alignImgPlace1">
-    <dgm:scene3d>
-      <a:camera prst="orthographicFront"/>
-      <a:lightRig rig="threePt" dir="t"/>
-    </dgm:scene3d>
-    <dgm:sp3d/>
-    <dgm:txPr/>
-    <dgm:style>
-      <a:lnRef idx="0">
-        <a:scrgbClr r="0" g="0" b="0"/>
-      </a:lnRef>
-      <a:fillRef idx="1">
-        <a:scrgbClr r="0" g="0" b="0"/>
-      </a:fillRef>
-      <a:effectRef idx="2">
-        <a:scrgbClr r="0" g="0" b="0"/>
-      </a:effectRef>
-      <a:fontRef idx="minor"/>
-    </dgm:style>
-  </dgm:styleLbl>
-  <dgm:styleLbl name="bgImgPlace1">
-    <dgm:scene3d>
-      <a:camera prst="orthographicFront"/>
-      <a:lightRig rig="threePt" dir="t"/>
-    </dgm:scene3d>
-    <dgm:sp3d/>
-    <dgm:txPr/>
-    <dgm:style>
-      <a:lnRef idx="0">
-        <a:scrgbClr r="0" g="0" b="0"/>
-      </a:lnRef>
-      <a:fillRef idx="1">
-        <a:scrgbClr r="0" g="0" b="0"/>
-      </a:fillRef>
-      <a:effectRef idx="2">
-        <a:scrgbClr r="0" g="0" b="0"/>
-      </a:effectRef>
-      <a:fontRef idx="minor"/>
-    </dgm:style>
-  </dgm:styleLbl>
-  <dgm:styleLbl name="sibTrans2D1">
-    <dgm:scene3d>
-      <a:camera prst="orthographicFront"/>
-      <a:lightRig rig="threePt" dir="t"/>
-    </dgm:scene3d>
-    <dgm:sp3d/>
-    <dgm:txPr/>
-    <dgm:style>
-      <a:lnRef idx="0">
-        <a:scrgbClr r="0" g="0" b="0"/>
-      </a:lnRef>
-      <a:fillRef idx="3">
-        <a:scrgbClr r="0" g="0" b="0"/>
-      </a:fillRef>
-      <a:effectRef idx="2">
-        <a:scrgbClr r="0" g="0" b="0"/>
-      </a:effectRef>
-      <a:fontRef idx="minor">
-        <a:schemeClr val="lt1"/>
-      </a:fontRef>
-    </dgm:style>
-  </dgm:styleLbl>
-  <dgm:styleLbl name="fgSibTrans2D1">
-    <dgm:scene3d>
-      <a:camera prst="orthographicFront"/>
-      <a:lightRig rig="threePt" dir="t"/>
-    </dgm:scene3d>
-    <dgm:sp3d/>
-    <dgm:txPr/>
-    <dgm:style>
-      <a:lnRef idx="0">
-        <a:scrgbClr r="0" g="0" b="0"/>
-      </a:lnRef>
-      <a:fillRef idx="3">
-        <a:scrgbClr r="0" g="0" b="0"/>
-      </a:fillRef>
-      <a:effectRef idx="2">
-        <a:scrgbClr r="0" g="0" b="0"/>
-      </a:effectRef>
-      <a:fontRef idx="minor">
-        <a:schemeClr val="lt1"/>
-      </a:fontRef>
-    </dgm:style>
-  </dgm:styleLbl>
-  <dgm:styleLbl name="bgSibTrans2D1">
-    <dgm:scene3d>
-      <a:camera prst="orthographicFront"/>
-      <a:lightRig rig="threePt" dir="t"/>
-    </dgm:scene3d>
-    <dgm:sp3d/>
-    <dgm:txPr/>
-    <dgm:style>
-      <a:lnRef idx="0">
-        <a:scrgbClr r="0" g="0" b="0"/>
-      </a:lnRef>
-      <a:fillRef idx="3">
-        <a:scrgbClr r="0" g="0" b="0"/>
-      </a:fillRef>
-      <a:effectRef idx="2">
-        <a:scrgbClr r="0" g="0" b="0"/>
-      </a:effectRef>
-      <a:fontRef idx="minor">
-        <a:schemeClr val="lt1"/>
-      </a:fontRef>
-    </dgm:style>
-  </dgm:styleLbl>
-  <dgm:styleLbl name="sibTrans1D1">
-    <dgm:scene3d>
-      <a:camera prst="orthographicFront"/>
-      <a:lightRig rig="threePt" dir="t"/>
-    </dgm:scene3d>
-    <dgm:sp3d/>
-    <dgm:txPr/>
-    <dgm:style>
-      <a:lnRef idx="1">
-        <a:scrgbClr r="0" g="0" b="0"/>
-      </a:lnRef>
-      <a:fillRef idx="0">
-        <a:scrgbClr r="0" g="0" b="0"/>
-      </a:fillRef>
-      <a:effectRef idx="0">
-        <a:scrgbClr r="0" g="0" b="0"/>
-      </a:effectRef>
-      <a:fontRef idx="minor"/>
-    </dgm:style>
-  </dgm:styleLbl>
-  <dgm:styleLbl name="callout">
-    <dgm:scene3d>
-      <a:camera prst="orthographicFront"/>
-      <a:lightRig rig="threePt" dir="t"/>
-    </dgm:scene3d>
-    <dgm:sp3d/>
-    <dgm:txPr/>
-    <dgm:style>
-      <a:lnRef idx="2">
-        <a:scrgbClr r="0" g="0" b="0"/>
-      </a:lnRef>
-      <a:fillRef idx="1">
-        <a:scrgbClr r="0" g="0" b="0"/>
-      </a:fillRef>
-      <a:effectRef idx="1">
-        <a:scrgbClr r="0" g="0" b="0"/>
-      </a:effectRef>
-      <a:fontRef idx="minor"/>
-    </dgm:style>
-  </dgm:styleLbl>
-  <dgm:styleLbl name="asst0">
-    <dgm:scene3d>
-      <a:camera prst="orthographicFront"/>
-      <a:lightRig rig="threePt" dir="t"/>
-    </dgm:scene3d>
-    <dgm:sp3d/>
-    <dgm:txPr/>
-    <dgm:style>
-      <a:lnRef idx="0">
-        <a:scrgbClr r="0" g="0" b="0"/>
-      </a:lnRef>
-      <a:fillRef idx="3">
-        <a:scrgbClr r="0" g="0" b="0"/>
-      </a:fillRef>
-      <a:effectRef idx="2">
-        <a:scrgbClr r="0" g="0" b="0"/>
-      </a:effectRef>
-      <a:fontRef idx="minor">
-        <a:schemeClr val="lt1"/>
-      </a:fontRef>
-    </dgm:style>
-  </dgm:styleLbl>
-  <dgm:styleLbl name="asst1">
-    <dgm:scene3d>
-      <a:camera prst="orthographicFront"/>
-      <a:lightRig rig="threePt" dir="t"/>
-    </dgm:scene3d>
-    <dgm:sp3d/>
-    <dgm:txPr/>
-    <dgm:style>
-      <a:lnRef idx="0">
-        <a:scrgbClr r="0" g="0" b="0"/>
-      </a:lnRef>
-      <a:fillRef idx="3">
-        <a:scrgbClr r="0" g="0" b="0"/>
-      </a:fillRef>
-      <a:effectRef idx="2">
-        <a:scrgbClr r="0" g="0" b="0"/>
-      </a:effectRef>
-      <a:fontRef idx="minor">
-        <a:schemeClr val="lt1"/>
-      </a:fontRef>
-    </dgm:style>
-  </dgm:styleLbl>
-  <dgm:styleLbl name="asst2">
-    <dgm:scene3d>
-      <a:camera prst="orthographicFront"/>
-      <a:lightRig rig="threePt" dir="t"/>
-    </dgm:scene3d>
-    <dgm:sp3d/>
-    <dgm:txPr/>
-    <dgm:style>
-      <a:lnRef idx="0">
-        <a:scrgbClr r="0" g="0" b="0"/>
-      </a:lnRef>
-      <a:fillRef idx="3">
-        <a:scrgbClr r="0" g="0" b="0"/>
-      </a:fillRef>
-      <a:effectRef idx="2">
-        <a:scrgbClr r="0" g="0" b="0"/>
-      </a:effectRef>
-      <a:fontRef idx="minor">
-        <a:schemeClr val="lt1"/>
-      </a:fontRef>
-    </dgm:style>
-  </dgm:styleLbl>
-  <dgm:styleLbl name="asst3">
-    <dgm:scene3d>
-      <a:camera prst="orthographicFront"/>
-      <a:lightRig rig="threePt" dir="t"/>
-    </dgm:scene3d>
-    <dgm:sp3d/>
-    <dgm:txPr/>
-    <dgm:style>
-      <a:lnRef idx="0">
-        <a:scrgbClr r="0" g="0" b="0"/>
-      </a:lnRef>
-      <a:fillRef idx="3">
-        <a:scrgbClr r="0" g="0" b="0"/>
-      </a:fillRef>
-      <a:effectRef idx="2">
-        <a:scrgbClr r="0" g="0" b="0"/>
-      </a:effectRef>
-      <a:fontRef idx="minor">
-        <a:schemeClr val="lt1"/>
-      </a:fontRef>
-    </dgm:style>
-  </dgm:styleLbl>
-  <dgm:styleLbl name="asst4">
-    <dgm:scene3d>
-      <a:camera prst="orthographicFront"/>
-      <a:lightRig rig="threePt" dir="t"/>
-    </dgm:scene3d>
-    <dgm:sp3d/>
-    <dgm:txPr/>
-    <dgm:style>
-      <a:lnRef idx="0">
-        <a:scrgbClr r="0" g="0" b="0"/>
-      </a:lnRef>
-      <a:fillRef idx="3">
-        <a:scrgbClr r="0" g="0" b="0"/>
-      </a:fillRef>
-      <a:effectRef idx="2">
-        <a:scrgbClr r="0" g="0" b="0"/>
-      </a:effectRef>
-      <a:fontRef idx="minor">
-        <a:schemeClr val="lt1"/>
-      </a:fontRef>
-    </dgm:style>
-  </dgm:styleLbl>
-  <dgm:styleLbl name="parChTrans2D1">
-    <dgm:scene3d>
-      <a:camera prst="orthographicFront"/>
-      <a:lightRig rig="threePt" dir="t"/>
-    </dgm:scene3d>
-    <dgm:sp3d/>
-    <dgm:txPr/>
-    <dgm:style>
-      <a:lnRef idx="0">
-        <a:scrgbClr r="0" g="0" b="0"/>
-      </a:lnRef>
-      <a:fillRef idx="3">
-        <a:scrgbClr r="0" g="0" b="0"/>
-      </a:fillRef>
-      <a:effectRef idx="2">
-        <a:scrgbClr r="0" g="0" b="0"/>
-      </a:effectRef>
-      <a:fontRef idx="minor">
-        <a:schemeClr val="lt1"/>
-      </a:fontRef>
-    </dgm:style>
-  </dgm:styleLbl>
-  <dgm:styleLbl name="parChTrans2D2">
-    <dgm:scene3d>
-      <a:camera prst="orthographicFront"/>
-      <a:lightRig rig="threePt" dir="t"/>
-    </dgm:scene3d>
-    <dgm:sp3d/>
-    <dgm:txPr/>
-    <dgm:style>
-      <a:lnRef idx="0">
-        <a:scrgbClr r="0" g="0" b="0"/>
-      </a:lnRef>
-      <a:fillRef idx="3">
-        <a:scrgbClr r="0" g="0" b="0"/>
-      </a:fillRef>
-      <a:effectRef idx="2">
-        <a:scrgbClr r="0" g="0" b="0"/>
-      </a:effectRef>
-      <a:fontRef idx="minor">
-        <a:schemeClr val="lt1"/>
-      </a:fontRef>
-    </dgm:style>
-  </dgm:styleLbl>
-  <dgm:styleLbl name="parChTrans2D3">
-    <dgm:scene3d>
-      <a:camera prst="orthographicFront"/>
-      <a:lightRig rig="threePt" dir="t"/>
-    </dgm:scene3d>
-    <dgm:sp3d/>
-    <dgm:txPr/>
-    <dgm:style>
-      <a:lnRef idx="1">
-        <a:scrgbClr r="0" g="0" b="0"/>
-      </a:lnRef>
-      <a:fillRef idx="3">
-        <a:scrgbClr r="0" g="0" b="0"/>
-      </a:fillRef>
-      <a:effectRef idx="2">
-        <a:scrgbClr r="0" g="0" b="0"/>
-      </a:effectRef>
-      <a:fontRef idx="minor">
-        <a:schemeClr val="lt1"/>
-      </a:fontRef>
-    </dgm:style>
-  </dgm:styleLbl>
-  <dgm:styleLbl name="parChTrans2D4">
-    <dgm:scene3d>
-      <a:camera prst="orthographicFront"/>
-      <a:lightRig rig="threePt" dir="t"/>
-    </dgm:scene3d>
-    <dgm:sp3d/>
-    <dgm:txPr/>
-    <dgm:style>
-      <a:lnRef idx="1">
-        <a:scrgbClr r="0" g="0" b="0"/>
-      </a:lnRef>
-      <a:fillRef idx="3">
-        <a:scrgbClr r="0" g="0" b="0"/>
-      </a:fillRef>
-      <a:effectRef idx="2">
-        <a:scrgbClr r="0" g="0" b="0"/>
-      </a:effectRef>
-      <a:fontRef idx="minor">
-        <a:schemeClr val="lt1"/>
-      </a:fontRef>
-    </dgm:style>
-  </dgm:styleLbl>
-  <dgm:styleLbl name="parChTrans1D1">
-    <dgm:scene3d>
-      <a:camera prst="orthographicFront"/>
-      <a:lightRig rig="threePt" dir="t"/>
-    </dgm:scene3d>
-    <dgm:sp3d/>
-    <dgm:txPr/>
-    <dgm:style>
-      <a:lnRef idx="1">
-        <a:scrgbClr r="0" g="0" b="0"/>
-      </a:lnRef>
-      <a:fillRef idx="0">
-        <a:scrgbClr r="0" g="0" b="0"/>
-      </a:fillRef>
-      <a:effectRef idx="0">
-        <a:scrgbClr r="0" g="0" b="0"/>
-      </a:effectRef>
-      <a:fontRef idx="minor"/>
-    </dgm:style>
-  </dgm:styleLbl>
-  <dgm:styleLbl name="parChTrans1D2">
-    <dgm:scene3d>
-      <a:camera prst="orthographicFront"/>
-      <a:lightRig rig="threePt" dir="t"/>
-    </dgm:scene3d>
-    <dgm:sp3d/>
-    <dgm:txPr/>
-    <dgm:style>
-      <a:lnRef idx="1">
-        <a:scrgbClr r="0" g="0" b="0"/>
-      </a:lnRef>
-      <a:fillRef idx="0">
-        <a:scrgbClr r="0" g="0" b="0"/>
-      </a:fillRef>
-      <a:effectRef idx="0">
-        <a:scrgbClr r="0" g="0" b="0"/>
-      </a:effectRef>
-      <a:fontRef idx="minor"/>
-    </dgm:style>
-  </dgm:styleLbl>
-  <dgm:styleLbl name="parChTrans1D3">
-    <dgm:scene3d>
-      <a:camera prst="orthographicFront"/>
-      <a:lightRig rig="threePt" dir="t"/>
-    </dgm:scene3d>
-    <dgm:sp3d/>
-    <dgm:txPr/>
-    <dgm:style>
-      <a:lnRef idx="1">
-        <a:scrgbClr r="0" g="0" b="0"/>
-      </a:lnRef>
-      <a:fillRef idx="0">
-        <a:scrgbClr r="0" g="0" b="0"/>
-      </a:fillRef>
-      <a:effectRef idx="0">
-        <a:scrgbClr r="0" g="0" b="0"/>
-      </a:effectRef>
-      <a:fontRef idx="minor"/>
-    </dgm:style>
-  </dgm:styleLbl>
-  <dgm:styleLbl name="parChTrans1D4">
-    <dgm:scene3d>
-      <a:camera prst="orthographicFront"/>
-      <a:lightRig rig="threePt" dir="t"/>
-    </dgm:scene3d>
-    <dgm:sp3d/>
-    <dgm:txPr/>
-    <dgm:style>
-      <a:lnRef idx="1">
-        <a:scrgbClr r="0" g="0" b="0"/>
-      </a:lnRef>
-      <a:fillRef idx="0">
-        <a:scrgbClr r="0" g="0" b="0"/>
-      </a:fillRef>
-      <a:effectRef idx="0">
-        <a:scrgbClr r="0" g="0" b="0"/>
-      </a:effectRef>
-      <a:fontRef idx="minor"/>
-    </dgm:style>
-  </dgm:styleLbl>
-  <dgm:styleLbl name="fgAcc1">
-    <dgm:scene3d>
-      <a:camera prst="orthographicFront"/>
-      <a:lightRig rig="threePt" dir="t"/>
-    </dgm:scene3d>
-    <dgm:sp3d/>
-    <dgm:txPr/>
-    <dgm:style>
-      <a:lnRef idx="1">
-        <a:scrgbClr r="0" g="0" b="0"/>
-      </a:lnRef>
-      <a:fillRef idx="1">
-        <a:scrgbClr r="0" g="0" b="0"/>
-      </a:fillRef>
-      <a:effectRef idx="0">
-        <a:scrgbClr r="0" g="0" b="0"/>
-      </a:effectRef>
-      <a:fontRef idx="minor"/>
-    </dgm:style>
-  </dgm:styleLbl>
-  <dgm:styleLbl name="conFgAcc1">
-    <dgm:scene3d>
-      <a:camera prst="orthographicFront"/>
-      <a:lightRig rig="threePt" dir="t"/>
-    </dgm:scene3d>
-    <dgm:sp3d/>
-    <dgm:txPr/>
-    <dgm:style>
-      <a:lnRef idx="1">
-        <a:scrgbClr r="0" g="0" b="0"/>
-      </a:lnRef>
-      <a:fillRef idx="1">
-        <a:scrgbClr r="0" g="0" b="0"/>
-      </a:fillRef>
-      <a:effectRef idx="0">
-        <a:scrgbClr r="0" g="0" b="0"/>
-      </a:effectRef>
-      <a:fontRef idx="minor"/>
-    </dgm:style>
-  </dgm:styleLbl>
-  <dgm:styleLbl name="alignAcc1">
-    <dgm:scene3d>
-      <a:camera prst="orthographicFront"/>
-      <a:lightRig rig="threePt" dir="t"/>
-    </dgm:scene3d>
-    <dgm:sp3d/>
-    <dgm:txPr/>
-    <dgm:style>
-      <a:lnRef idx="1">
-        <a:scrgbClr r="0" g="0" b="0"/>
-      </a:lnRef>
-      <a:fillRef idx="1">
-        <a:scrgbClr r="0" g="0" b="0"/>
-      </a:fillRef>
-      <a:effectRef idx="0">
-        <a:scrgbClr r="0" g="0" b="0"/>
-      </a:effectRef>
-      <a:fontRef idx="minor"/>
-    </dgm:style>
-  </dgm:styleLbl>
-  <dgm:styleLbl name="trAlignAcc1">
-    <dgm:scene3d>
-      <a:camera prst="orthographicFront"/>
-      <a:lightRig rig="threePt" dir="t"/>
-    </dgm:scene3d>
-    <dgm:sp3d/>
-    <dgm:txPr/>
-    <dgm:style>
-      <a:lnRef idx="1">
-        <a:scrgbClr r="0" g="0" b="0"/>
-      </a:lnRef>
-      <a:fillRef idx="1">
-        <a:scrgbClr r="0" g="0" b="0"/>
-      </a:fillRef>
-      <a:effectRef idx="0">
-        <a:scrgbClr r="0" g="0" b="0"/>
-      </a:effectRef>
-      <a:fontRef idx="minor"/>
-    </dgm:style>
-  </dgm:styleLbl>
-  <dgm:styleLbl name="bgAcc1">
-    <dgm:scene3d>
-      <a:camera prst="orthographicFront"/>
-      <a:lightRig rig="threePt" dir="t"/>
-    </dgm:scene3d>
-    <dgm:sp3d/>
-    <dgm:txPr/>
-    <dgm:style>
-      <a:lnRef idx="1">
-        <a:scrgbClr r="0" g="0" b="0"/>
-      </a:lnRef>
-      <a:fillRef idx="1">
-        <a:scrgbClr r="0" g="0" b="0"/>
-      </a:fillRef>
-      <a:effectRef idx="0">
-        <a:scrgbClr r="0" g="0" b="0"/>
-      </a:effectRef>
-      <a:fontRef idx="minor"/>
-    </dgm:style>
-  </dgm:styleLbl>
-  <dgm:styleLbl name="solidFgAcc1">
-    <dgm:scene3d>
-      <a:camera prst="orthographicFront"/>
-      <a:lightRig rig="threePt" dir="t"/>
-    </dgm:scene3d>
-    <dgm:sp3d/>
-    <dgm:txPr/>
-    <dgm:style>
-      <a:lnRef idx="1">
-        <a:scrgbClr r="0" g="0" b="0"/>
-      </a:lnRef>
-      <a:fillRef idx="1">
-        <a:scrgbClr r="0" g="0" b="0"/>
-      </a:fillRef>
-      <a:effectRef idx="0">
-        <a:scrgbClr r="0" g="0" b="0"/>
-      </a:effectRef>
-      <a:fontRef idx="minor"/>
-    </dgm:style>
-  </dgm:styleLbl>
-  <dgm:styleLbl name="solidAlignAcc1">
-    <dgm:scene3d>
-      <a:camera prst="orthographicFront"/>
-      <a:lightRig rig="threePt" dir="t"/>
-    </dgm:scene3d>
-    <dgm:sp3d/>
-    <dgm:txPr/>
-    <dgm:style>
-      <a:lnRef idx="1">
-        <a:scrgbClr r="0" g="0" b="0"/>
-      </a:lnRef>
-      <a:fillRef idx="1">
-        <a:scrgbClr r="0" g="0" b="0"/>
-      </a:fillRef>
-      <a:effectRef idx="0">
-        <a:scrgbClr r="0" g="0" b="0"/>
-      </a:effectRef>
-      <a:fontRef idx="minor"/>
-    </dgm:style>
-  </dgm:styleLbl>
-  <dgm:styleLbl name="solidBgAcc1">
-    <dgm:scene3d>
-      <a:camera prst="orthographicFront"/>
-      <a:lightRig rig="threePt" dir="t"/>
-    </dgm:scene3d>
-    <dgm:sp3d/>
-    <dgm:txPr/>
-    <dgm:style>
-      <a:lnRef idx="1">
-        <a:scrgbClr r="0" g="0" b="0"/>
-      </a:lnRef>
-      <a:fillRef idx="1">
-        <a:scrgbClr r="0" g="0" b="0"/>
-      </a:fillRef>
-      <a:effectRef idx="0">
-        <a:scrgbClr r="0" g="0" b="0"/>
-      </a:effectRef>
-      <a:fontRef idx="minor"/>
-    </dgm:style>
-  </dgm:styleLbl>
-  <dgm:styleLbl name="fgAccFollowNode1">
-    <dgm:scene3d>
-      <a:camera prst="orthographicFront"/>
-      <a:lightRig rig="threePt" dir="t"/>
-    </dgm:scene3d>
-    <dgm:sp3d/>
-    <dgm:txPr/>
-    <dgm:style>
-      <a:lnRef idx="1">
-        <a:scrgbClr r="0" g="0" b="0"/>
-      </a:lnRef>
-      <a:fillRef idx="1">
-        <a:scrgbClr r="0" g="0" b="0"/>
-      </a:fillRef>
-      <a:effectRef idx="0">
-        <a:scrgbClr r="0" g="0" b="0"/>
-      </a:effectRef>
-      <a:fontRef idx="minor"/>
-    </dgm:style>
-  </dgm:styleLbl>
-  <dgm:styleLbl name="alignAccFollowNode1">
-    <dgm:scene3d>
-      <a:camera prst="orthographicFront"/>
-      <a:lightRig rig="threePt" dir="t"/>
-    </dgm:scene3d>
-    <dgm:sp3d/>
-    <dgm:txPr/>
-    <dgm:style>
-      <a:lnRef idx="1">
-        <a:scrgbClr r="0" g="0" b="0"/>
-      </a:lnRef>
-      <a:fillRef idx="1">
-        <a:scrgbClr r="0" g="0" b="0"/>
-      </a:fillRef>
-      <a:effectRef idx="0">
-        <a:scrgbClr r="0" g="0" b="0"/>
-      </a:effectRef>
-      <a:fontRef idx="minor"/>
-    </dgm:style>
-  </dgm:styleLbl>
-  <dgm:styleLbl name="bgAccFollowNode1">
-    <dgm:scene3d>
-      <a:camera prst="orthographicFront"/>
-      <a:lightRig rig="threePt" dir="t"/>
-    </dgm:scene3d>
-    <dgm:sp3d/>
-    <dgm:txPr/>
-    <dgm:style>
-      <a:lnRef idx="1">
-        <a:scrgbClr r="0" g="0" b="0"/>
-      </a:lnRef>
-      <a:fillRef idx="1">
-        <a:scrgbClr r="0" g="0" b="0"/>
-      </a:fillRef>
-      <a:effectRef idx="0">
-        <a:scrgbClr r="0" g="0" b="0"/>
-      </a:effectRef>
-      <a:fontRef idx="minor"/>
-    </dgm:style>
-  </dgm:styleLbl>
-  <dgm:styleLbl name="fgAcc0">
-    <dgm:scene3d>
-      <a:camera prst="orthographicFront"/>
-      <a:lightRig rig="threePt" dir="t"/>
-    </dgm:scene3d>
-    <dgm:sp3d/>
-    <dgm:txPr/>
-    <dgm:style>
-      <a:lnRef idx="1">
-        <a:scrgbClr r="0" g="0" b="0"/>
-      </a:lnRef>
-      <a:fillRef idx="1">
-        <a:scrgbClr r="0" g="0" b="0"/>
-      </a:fillRef>
-      <a:effectRef idx="0">
-        <a:scrgbClr r="0" g="0" b="0"/>
-      </a:effectRef>
-      <a:fontRef idx="minor"/>
-    </dgm:style>
-  </dgm:styleLbl>
-  <dgm:styleLbl name="fgAcc2">
-    <dgm:scene3d>
-      <a:camera prst="orthographicFront"/>
-      <a:lightRig rig="threePt" dir="t"/>
-    </dgm:scene3d>
-    <dgm:sp3d/>
-    <dgm:txPr/>
-    <dgm:style>
-      <a:lnRef idx="1">
-        <a:scrgbClr r="0" g="0" b="0"/>
-      </a:lnRef>
-      <a:fillRef idx="1">
-        <a:scrgbClr r="0" g="0" b="0"/>
-      </a:fillRef>
-      <a:effectRef idx="0">
-        <a:scrgbClr r="0" g="0" b="0"/>
-      </a:effectRef>
-      <a:fontRef idx="minor"/>
-    </dgm:style>
-  </dgm:styleLbl>
-  <dgm:styleLbl name="fgAcc3">
-    <dgm:scene3d>
-      <a:camera prst="orthographicFront"/>
-      <a:lightRig rig="threePt" dir="t"/>
-    </dgm:scene3d>
-    <dgm:sp3d/>
-    <dgm:txPr/>
-    <dgm:style>
-      <a:lnRef idx="1">
-        <a:scrgbClr r="0" g="0" b="0"/>
-      </a:lnRef>
-      <a:fillRef idx="1">
-        <a:scrgbClr r="0" g="0" b="0"/>
-      </a:fillRef>
-      <a:effectRef idx="0">
-        <a:scrgbClr r="0" g="0" b="0"/>
-      </a:effectRef>
-      <a:fontRef idx="minor"/>
-    </dgm:style>
-  </dgm:styleLbl>
-  <dgm:styleLbl name="fgAcc4">
-    <dgm:scene3d>
-      <a:camera prst="orthographicFront"/>
-      <a:lightRig rig="threePt" dir="t"/>
-    </dgm:scene3d>
-    <dgm:sp3d/>
-    <dgm:txPr/>
-    <dgm:style>
-      <a:lnRef idx="1">
-        <a:scrgbClr r="0" g="0" b="0"/>
-      </a:lnRef>
-      <a:fillRef idx="1">
-        <a:scrgbClr r="0" g="0" b="0"/>
-      </a:fillRef>
-      <a:effectRef idx="0">
-        <a:scrgbClr r="0" g="0" b="0"/>
-      </a:effectRef>
-      <a:fontRef idx="minor"/>
-    </dgm:style>
-  </dgm:styleLbl>
-  <dgm:styleLbl name="bgShp">
-    <dgm:scene3d>
-      <a:camera prst="orthographicFront"/>
-      <a:lightRig rig="threePt" dir="t"/>
-    </dgm:scene3d>
-    <dgm:sp3d/>
-    <dgm:txPr/>
-    <dgm:style>
-      <a:lnRef idx="0">
-        <a:scrgbClr r="0" g="0" b="0"/>
-      </a:lnRef>
-      <a:fillRef idx="1">
-        <a:scrgbClr r="0" g="0" b="0"/>
-      </a:fillRef>
-      <a:effectRef idx="2">
-        <a:scrgbClr r="0" g="0" b="0"/>
-      </a:effectRef>
-      <a:fontRef idx="minor"/>
-    </dgm:style>
-  </dgm:styleLbl>
-  <dgm:styleLbl name="dkBgShp">
-    <dgm:scene3d>
-      <a:camera prst="orthographicFront"/>
-      <a:lightRig rig="threePt" dir="t"/>
-    </dgm:scene3d>
-    <dgm:sp3d/>
-    <dgm:txPr/>
-    <dgm:style>
-      <a:lnRef idx="0">
-        <a:scrgbClr r="0" g="0" b="0"/>
-      </a:lnRef>
-      <a:fillRef idx="1">
-        <a:scrgbClr r="0" g="0" b="0"/>
-      </a:fillRef>
-      <a:effectRef idx="2">
-        <a:scrgbClr r="0" g="0" b="0"/>
-      </a:effectRef>
-      <a:fontRef idx="minor"/>
-    </dgm:style>
-  </dgm:styleLbl>
-  <dgm:styleLbl name="trBgShp">
-    <dgm:scene3d>
-      <a:camera prst="orthographicFront"/>
-      <a:lightRig rig="threePt" dir="t"/>
-    </dgm:scene3d>
-    <dgm:sp3d/>
-    <dgm:txPr/>
-    <dgm:style>
-      <a:lnRef idx="0">
-        <a:scrgbClr r="0" g="0" b="0"/>
-      </a:lnRef>
-      <a:fillRef idx="1">
-        <a:scrgbClr r="0" g="0" b="0"/>
-      </a:fillRef>
-      <a:effectRef idx="0">
-        <a:scrgbClr r="0" g="0" b="0"/>
-      </a:effectRef>
-      <a:fontRef idx="minor"/>
-    </dgm:style>
-  </dgm:styleLbl>
-  <dgm:styleLbl name="fgShp">
-    <dgm:scene3d>
-      <a:camera prst="orthographicFront"/>
-      <a:lightRig rig="threePt" dir="t"/>
-    </dgm:scene3d>
-    <dgm:sp3d/>
-    <dgm:txPr/>
-    <dgm:style>
-      <a:lnRef idx="0">
-        <a:scrgbClr r="0" g="0" b="0"/>
-      </a:lnRef>
-      <a:fillRef idx="3">
-        <a:scrgbClr r="0" g="0" b="0"/>
-      </a:fillRef>
-      <a:effectRef idx="2">
-        <a:scrgbClr r="0" g="0" b="0"/>
-      </a:effectRef>
-      <a:fontRef idx="minor"/>
-    </dgm:style>
-  </dgm:styleLbl>
-  <dgm:styleLbl name="revTx">
-    <dgm:scene3d>
-      <a:camera prst="orthographicFront"/>
-      <a:lightRig rig="threePt" dir="t"/>
-    </dgm:scene3d>
-    <dgm:sp3d/>
-    <dgm:txPr/>
-    <dgm:style>
-      <a:lnRef idx="0">
-        <a:scrgbClr r="0" g="0" b="0"/>
-      </a:lnRef>
-      <a:fillRef idx="0">
-        <a:scrgbClr r="0" g="0" b="0"/>
-      </a:fillRef>
-      <a:effectRef idx="0">
-        <a:scrgbClr r="0" g="0" b="0"/>
-      </a:effectRef>
-      <a:fontRef idx="minor"/>
-    </dgm:style>
-  </dgm:styleLbl>
-</dgm:styleDef>
-</file>
-
-<file path=ppt/diagrams/quickStyle3.xml><?xml version="1.0" encoding="utf-8"?>
 <dgm:styleDef xmlns:dgm="http://schemas.openxmlformats.org/drawingml/2006/diagram" xmlns:a="http://schemas.openxmlformats.org/drawingml/2006/main" uniqueId="urn:microsoft.com/office/officeart/2005/8/quickstyle/simple4">
   <dgm:title val=""/>
   <dgm:desc val=""/>
@@ -14332,7 +11617,7 @@
         <p:spPr>
           <a:xfrm>
             <a:off x="1995553" y="8346368"/>
-            <a:ext cx="26486424" cy="3323987"/>
+            <a:ext cx="26486424" cy="4555093"/>
           </a:xfrm>
           <a:prstGeom prst="rect">
             <a:avLst/>
@@ -14414,7 +11699,35 @@
             </a:r>
             <a:r>
               <a:rPr lang="en-US" sz="4000" dirty="0" smtClean="0"/>
-              <a:t>: Any number of workers. May or may not have attempted every task. Non-binary questions. No gold standard data</a:t>
+              <a:t>: Any number of workers. May or may not have attempted every task. Non-binary questions. No gold standard </a:t>
+            </a:r>
+            <a:r>
+              <a:rPr lang="en-US" sz="4000" dirty="0" smtClean="0"/>
+              <a:t>data</a:t>
+            </a:r>
+          </a:p>
+          <a:p>
+            <a:pPr marL="1143000" indent="-1143000">
+              <a:buFont typeface="Arial"/>
+              <a:buChar char="•"/>
+            </a:pPr>
+            <a:r>
+              <a:rPr lang="en-US" sz="4000" b="1" dirty="0" smtClean="0"/>
+              <a:t>Need for confidence Intervals</a:t>
+            </a:r>
+            <a:r>
+              <a:rPr lang="en-US" sz="4000" dirty="0" smtClean="0"/>
+              <a:t>: Worker one makes 1 error in 3 tasks, worker two makes 10 errors in 30 tasks</a:t>
+            </a:r>
+          </a:p>
+          <a:p>
+            <a:pPr marL="3264408" lvl="1" indent="-1143000">
+              <a:buFont typeface="Arial"/>
+              <a:buChar char="•"/>
+            </a:pPr>
+            <a:r>
+              <a:rPr lang="en-US" sz="4000" dirty="0" smtClean="0"/>
+              <a:t>Equal expected error rates (1/3), but worker 2 is more likely to be very bad</a:t>
             </a:r>
             <a:endParaRPr lang="en-US" sz="4000" dirty="0"/>
           </a:p>
@@ -14928,7 +12241,7 @@
         </p:nvSpPr>
         <p:spPr>
           <a:xfrm>
-            <a:off x="19411283" y="13402115"/>
+            <a:off x="19411283" y="13627356"/>
             <a:ext cx="8657063" cy="3234885"/>
           </a:xfrm>
           <a:prstGeom prst="roundRect">
@@ -14977,25 +12290,6 @@
               <a:rPr lang="en-US" sz="5000" dirty="0" smtClean="0"/>
               <a:t>] = 2/3</a:t>
             </a:r>
-          </a:p>
-          <a:p>
-            <a:pPr algn="ctr"/>
-            <a:r>
-              <a:rPr lang="en-US" sz="5000" dirty="0" err="1" smtClean="0"/>
-              <a:t>Var</a:t>
-            </a:r>
-            <a:r>
-              <a:rPr lang="en-US" sz="5000" dirty="0" smtClean="0"/>
-              <a:t>(q</a:t>
-            </a:r>
-            <a:r>
-              <a:rPr lang="en-US" sz="5000" baseline="-25000" dirty="0" smtClean="0"/>
-              <a:t>12</a:t>
-            </a:r>
-            <a:r>
-              <a:rPr lang="en-US" sz="5000" dirty="0" smtClean="0"/>
-              <a:t>) = 2/9</a:t>
-            </a:r>
             <a:endParaRPr lang="en-US" sz="5000" dirty="0"/>
           </a:p>
         </p:txBody>
@@ -15007,7 +12301,7 @@
           <p:nvPr>
             <p:extLst>
               <p:ext uri="{D42A27DB-BD31-4B8C-83A1-F6EECF244321}">
-                <p14:modId xmlns:p14="http://schemas.microsoft.com/office/powerpoint/2010/main" val="1104938668"/>
+                <p14:modId xmlns:p14="http://schemas.microsoft.com/office/powerpoint/2010/main" val="3180698867"/>
               </p:ext>
             </p:extLst>
           </p:nvPr>
@@ -15044,38 +12338,148 @@
           </a:graphicData>
         </a:graphic>
       </p:graphicFrame>
-      <p:graphicFrame>
-        <p:nvGraphicFramePr>
-          <p:cNvPr id="10" name="Diagram 9"/>
-          <p:cNvGraphicFramePr/>
-          <p:nvPr>
-            <p:extLst>
-              <p:ext uri="{D42A27DB-BD31-4B8C-83A1-F6EECF244321}">
-                <p14:modId xmlns:p14="http://schemas.microsoft.com/office/powerpoint/2010/main" val="3934566981"/>
-              </p:ext>
-            </p:extLst>
-          </p:nvPr>
-        </p:nvGraphicFramePr>
-        <p:xfrm>
-          <a:off x="1861381" y="32967997"/>
-          <a:ext cx="26206965" cy="8820076"/>
-        </p:xfrm>
-        <a:graphic>
-          <a:graphicData uri="http://schemas.openxmlformats.org/drawingml/2006/diagram">
-            <dgm:relIds xmlns:dgm="http://schemas.openxmlformats.org/drawingml/2006/diagram" xmlns:r="http://schemas.openxmlformats.org/officeDocument/2006/relationships" r:dm="rId13" r:lo="rId14" r:qs="rId15" r:cs="rId16"/>
-          </a:graphicData>
-        </a:graphic>
-      </p:graphicFrame>
+      <p:pic>
+        <p:nvPicPr>
+          <p:cNvPr id="18" name="Picture 17" descr="conf_acc_real_improved.pdf"/>
+          <p:cNvPicPr>
+            <a:picLocks noChangeAspect="1"/>
+          </p:cNvPicPr>
+          <p:nvPr/>
+        </p:nvPicPr>
+        <p:blipFill>
+          <a:blip r:embed="rId13">
+            <a:extLst>
+              <a:ext uri="{28A0092B-C50C-407E-A947-70E740481C1C}">
+                <a14:useLocalDpi xmlns:a14="http://schemas.microsoft.com/office/drawing/2010/main" val="0"/>
+              </a:ext>
+            </a:extLst>
+          </a:blip>
+          <a:stretch>
+            <a:fillRect/>
+          </a:stretch>
+        </p:blipFill>
+        <p:spPr>
+          <a:xfrm>
+            <a:off x="10566946" y="35253914"/>
+            <a:ext cx="9398485" cy="6694170"/>
+          </a:xfrm>
+          <a:prstGeom prst="rect">
+            <a:avLst/>
+          </a:prstGeom>
+          <a:ln w="38100" cap="sq">
+            <a:solidFill>
+              <a:srgbClr val="000000"/>
+            </a:solidFill>
+            <a:prstDash val="solid"/>
+            <a:miter lim="800000"/>
+          </a:ln>
+          <a:effectLst>
+            <a:outerShdw blurRad="50800" dist="38100" dir="2700000" algn="tl" rotWithShape="0">
+              <a:srgbClr val="000000">
+                <a:alpha val="43000"/>
+              </a:srgbClr>
+            </a:outerShdw>
+          </a:effectLst>
+        </p:spPr>
+      </p:pic>
+      <p:pic>
+        <p:nvPicPr>
+          <p:cNvPr id="19" name="Picture 18" descr="conf_acc_kary.pdf"/>
+          <p:cNvPicPr>
+            <a:picLocks noChangeAspect="1"/>
+          </p:cNvPicPr>
+          <p:nvPr/>
+        </p:nvPicPr>
+        <p:blipFill>
+          <a:blip r:embed="rId14">
+            <a:extLst>
+              <a:ext uri="{28A0092B-C50C-407E-A947-70E740481C1C}">
+                <a14:useLocalDpi xmlns:a14="http://schemas.microsoft.com/office/drawing/2010/main" val="0"/>
+              </a:ext>
+            </a:extLst>
+          </a:blip>
+          <a:stretch>
+            <a:fillRect/>
+          </a:stretch>
+        </p:blipFill>
+        <p:spPr>
+          <a:xfrm>
+            <a:off x="19965431" y="35253914"/>
+            <a:ext cx="8911831" cy="6694169"/>
+          </a:xfrm>
+          <a:prstGeom prst="rect">
+            <a:avLst/>
+          </a:prstGeom>
+          <a:ln w="38100" cap="sq">
+            <a:solidFill>
+              <a:srgbClr val="000000"/>
+            </a:solidFill>
+            <a:prstDash val="solid"/>
+            <a:miter lim="800000"/>
+          </a:ln>
+          <a:effectLst>
+            <a:outerShdw blurRad="50800" dist="38100" dir="2700000" algn="tl" rotWithShape="0">
+              <a:srgbClr val="000000">
+                <a:alpha val="43000"/>
+              </a:srgbClr>
+            </a:outerShdw>
+          </a:effectLst>
+        </p:spPr>
+      </p:pic>
+      <p:pic>
+        <p:nvPicPr>
+          <p:cNvPr id="20" name="Picture 19" descr="conf_acc.pdf"/>
+          <p:cNvPicPr>
+            <a:picLocks noChangeAspect="1"/>
+          </p:cNvPicPr>
+          <p:nvPr/>
+        </p:nvPicPr>
+        <p:blipFill>
+          <a:blip r:embed="rId15">
+            <a:extLst>
+              <a:ext uri="{28A0092B-C50C-407E-A947-70E740481C1C}">
+                <a14:useLocalDpi xmlns:a14="http://schemas.microsoft.com/office/drawing/2010/main" val="0"/>
+              </a:ext>
+            </a:extLst>
+          </a:blip>
+          <a:stretch>
+            <a:fillRect/>
+          </a:stretch>
+        </p:blipFill>
+        <p:spPr>
+          <a:xfrm>
+            <a:off x="1770676" y="35253913"/>
+            <a:ext cx="8796270" cy="6694169"/>
+          </a:xfrm>
+          <a:prstGeom prst="rect">
+            <a:avLst/>
+          </a:prstGeom>
+          <a:ln w="38100" cap="sq">
+            <a:solidFill>
+              <a:srgbClr val="000000"/>
+            </a:solidFill>
+            <a:prstDash val="solid"/>
+            <a:miter lim="800000"/>
+          </a:ln>
+          <a:effectLst>
+            <a:outerShdw blurRad="50800" dist="38100" dir="2700000" algn="tl" rotWithShape="0">
+              <a:srgbClr val="000000">
+                <a:alpha val="43000"/>
+              </a:srgbClr>
+            </a:outerShdw>
+          </a:effectLst>
+        </p:spPr>
+      </p:pic>
       <p:sp>
         <p:nvSpPr>
-          <p:cNvPr id="16" name="TextBox 15"/>
+          <p:cNvPr id="21" name="TextBox 20"/>
           <p:cNvSpPr txBox="1"/>
           <p:nvPr/>
         </p:nvSpPr>
         <p:spPr>
           <a:xfrm>
-            <a:off x="1995552" y="33526776"/>
-            <a:ext cx="9181025" cy="1384995"/>
+            <a:off x="1770675" y="33088269"/>
+            <a:ext cx="8873944" cy="1384995"/>
           </a:xfrm>
           <a:prstGeom prst="rect">
             <a:avLst/>
@@ -15083,7 +12487,7 @@
           <a:noFill/>
         </p:spPr>
         <p:txBody>
-          <a:bodyPr wrap="square" rtlCol="0">
+          <a:bodyPr wrap="none" rtlCol="0">
             <a:spAutoFit/>
           </a:bodyPr>
           <a:lstStyle/>
@@ -15091,14 +12495,14 @@
             <a:r>
               <a:rPr lang="en-US" dirty="0" smtClean="0">
                 <a:solidFill>
-                  <a:srgbClr val="000000"/>
+                  <a:schemeClr val="bg1"/>
                 </a:solidFill>
               </a:rPr>
-              <a:t>Non-Binary Tasks : </a:t>
+              <a:t>Calibration Results : </a:t>
             </a:r>
             <a:endParaRPr lang="en-US" dirty="0">
               <a:solidFill>
-                <a:srgbClr val="000000"/>
+                <a:schemeClr val="bg1"/>
               </a:solidFill>
             </a:endParaRPr>
           </a:p>
